--- a/doc/test/AgendaSlidesBeamWithSlideNumberDefault.pptx
+++ b/doc/test/AgendaSlidesBeamWithSlideNumberDefault.pptx
@@ -23,7 +23,7 @@
     <p:sldId id="312" r:id="rId14"/>
     <p:sldId id="313" r:id="rId15"/>
     <p:sldId id="314" r:id="rId16"/>
-    <p:sldId id="316" r:id="rId17"/>
+    <p:sldId id="319" r:id="rId17"/>
   </p:sldIdLst>
   <p:sldSz cx="9144000" cy="6858000" type="screen4x3"/>
   <p:notesSz cx="6858000" cy="9144000"/>
@@ -160,7 +160,7 @@
         <p14:section name="あいうえおkl)(*&amp;%$#@85v_+)0_@#%L:CF]1" id="{7DC05ADB-162C-47A0-98D4-E8994A6A2B8E}">
           <p14:sldIdLst>
             <p14:sldId id="314"/>
-            <p14:sldId id="316"/>
+            <p14:sldId id="319"/>
           </p14:sldIdLst>
         </p14:section>
       </p14:sectionLst>
@@ -265,7 +265,7 @@
           <a:p>
             <a:fld id="{DBF25E5A-1DA2-4ED0-9993-2B21AFA3822E}" type="datetimeFigureOut">
               <a:rPr lang="en-SG" smtClean="0"/>
-              <a:t>26/1/2016</a:t>
+              <a:t>23/1/2017</a:t>
             </a:fld>
             <a:endParaRPr lang="en-SG"/>
           </a:p>
@@ -329,35 +329,35 @@
           <a:p>
             <a:pPr lvl="0"/>
             <a:r>
-              <a:rPr lang="en-US" smtClean="0"/>
+              <a:rPr lang="en-US"/>
               <a:t>Click to edit Master text styles</a:t>
             </a:r>
           </a:p>
           <a:p>
             <a:pPr lvl="1"/>
             <a:r>
-              <a:rPr lang="en-US" smtClean="0"/>
+              <a:rPr lang="en-US"/>
               <a:t>Second level</a:t>
             </a:r>
           </a:p>
           <a:p>
             <a:pPr lvl="2"/>
             <a:r>
-              <a:rPr lang="en-US" smtClean="0"/>
+              <a:rPr lang="en-US"/>
               <a:t>Third level</a:t>
             </a:r>
           </a:p>
           <a:p>
             <a:pPr lvl="3"/>
             <a:r>
-              <a:rPr lang="en-US" smtClean="0"/>
+              <a:rPr lang="en-US"/>
               <a:t>Fourth level</a:t>
             </a:r>
           </a:p>
           <a:p>
             <a:pPr lvl="4"/>
             <a:r>
-              <a:rPr lang="en-US" smtClean="0"/>
+              <a:rPr lang="en-US"/>
               <a:t>Fifth level</a:t>
             </a:r>
             <a:endParaRPr lang="en-SG"/>
@@ -655,10 +655,9 @@
           <a:lstStyle/>
           <a:p>
             <a:r>
-              <a:rPr lang="en-US" smtClean="0"/>
+              <a:rPr lang="en-US"/>
               <a:t>Click to edit Master title style</a:t>
             </a:r>
-            <a:endParaRPr lang="en-US"/>
           </a:p>
         </p:txBody>
       </p:sp>
@@ -774,10 +773,9 @@
           </a:lstStyle>
           <a:p>
             <a:r>
-              <a:rPr lang="en-US" smtClean="0"/>
+              <a:rPr lang="en-US"/>
               <a:t>Click to edit Master subtitle style</a:t>
             </a:r>
-            <a:endParaRPr lang="en-US"/>
           </a:p>
         </p:txBody>
       </p:sp>
@@ -798,7 +796,7 @@
           <a:p>
             <a:fld id="{E48C683D-3395-46D3-BF9E-903A3AF3FF2D}" type="datetime1">
               <a:rPr lang="en-US" smtClean="0"/>
-              <a:t>1/26/2016</a:t>
+              <a:t>1/23/2017</a:t>
             </a:fld>
             <a:endParaRPr lang="en-US"/>
           </a:p>
@@ -892,10 +890,9 @@
           <a:lstStyle/>
           <a:p>
             <a:r>
-              <a:rPr lang="en-US" smtClean="0"/>
+              <a:rPr lang="en-US"/>
               <a:t>Click to edit Master title style</a:t>
             </a:r>
-            <a:endParaRPr lang="en-US"/>
           </a:p>
         </p:txBody>
       </p:sp>
@@ -916,38 +913,37 @@
           <a:p>
             <a:pPr lvl="0"/>
             <a:r>
-              <a:rPr lang="en-US" smtClean="0"/>
+              <a:rPr lang="en-US"/>
               <a:t>Click to edit Master text styles</a:t>
             </a:r>
           </a:p>
           <a:p>
             <a:pPr lvl="1"/>
             <a:r>
-              <a:rPr lang="en-US" smtClean="0"/>
+              <a:rPr lang="en-US"/>
               <a:t>Second level</a:t>
             </a:r>
           </a:p>
           <a:p>
             <a:pPr lvl="2"/>
             <a:r>
-              <a:rPr lang="en-US" smtClean="0"/>
+              <a:rPr lang="en-US"/>
               <a:t>Third level</a:t>
             </a:r>
           </a:p>
           <a:p>
             <a:pPr lvl="3"/>
             <a:r>
-              <a:rPr lang="en-US" smtClean="0"/>
+              <a:rPr lang="en-US"/>
               <a:t>Fourth level</a:t>
             </a:r>
           </a:p>
           <a:p>
             <a:pPr lvl="4"/>
             <a:r>
-              <a:rPr lang="en-US" smtClean="0"/>
+              <a:rPr lang="en-US"/>
               <a:t>Fifth level</a:t>
             </a:r>
-            <a:endParaRPr lang="en-US"/>
           </a:p>
         </p:txBody>
       </p:sp>
@@ -968,7 +964,7 @@
           <a:p>
             <a:fld id="{74821124-6C44-4AB3-B69D-ECA5CA5FA42B}" type="datetime1">
               <a:rPr lang="en-US" smtClean="0"/>
-              <a:t>1/26/2016</a:t>
+              <a:t>1/23/2017</a:t>
             </a:fld>
             <a:endParaRPr lang="en-US"/>
           </a:p>
@@ -1067,10 +1063,9 @@
           <a:lstStyle/>
           <a:p>
             <a:r>
-              <a:rPr lang="en-US" smtClean="0"/>
+              <a:rPr lang="en-US"/>
               <a:t>Click to edit Master title style</a:t>
             </a:r>
-            <a:endParaRPr lang="en-US"/>
           </a:p>
         </p:txBody>
       </p:sp>
@@ -1096,38 +1091,37 @@
           <a:p>
             <a:pPr lvl="0"/>
             <a:r>
-              <a:rPr lang="en-US" smtClean="0"/>
+              <a:rPr lang="en-US"/>
               <a:t>Click to edit Master text styles</a:t>
             </a:r>
           </a:p>
           <a:p>
             <a:pPr lvl="1"/>
             <a:r>
-              <a:rPr lang="en-US" smtClean="0"/>
+              <a:rPr lang="en-US"/>
               <a:t>Second level</a:t>
             </a:r>
           </a:p>
           <a:p>
             <a:pPr lvl="2"/>
             <a:r>
-              <a:rPr lang="en-US" smtClean="0"/>
+              <a:rPr lang="en-US"/>
               <a:t>Third level</a:t>
             </a:r>
           </a:p>
           <a:p>
             <a:pPr lvl="3"/>
             <a:r>
-              <a:rPr lang="en-US" smtClean="0"/>
+              <a:rPr lang="en-US"/>
               <a:t>Fourth level</a:t>
             </a:r>
           </a:p>
           <a:p>
             <a:pPr lvl="4"/>
             <a:r>
-              <a:rPr lang="en-US" smtClean="0"/>
+              <a:rPr lang="en-US"/>
               <a:t>Fifth level</a:t>
             </a:r>
-            <a:endParaRPr lang="en-US"/>
           </a:p>
         </p:txBody>
       </p:sp>
@@ -1148,7 +1142,7 @@
           <a:p>
             <a:fld id="{88F0F44A-2702-406D-B711-F1B627E409B2}" type="datetime1">
               <a:rPr lang="en-US" smtClean="0"/>
-              <a:t>1/26/2016</a:t>
+              <a:t>1/23/2017</a:t>
             </a:fld>
             <a:endParaRPr lang="en-US"/>
           </a:p>
@@ -1247,10 +1241,9 @@
           <a:lstStyle/>
           <a:p>
             <a:r>
-              <a:rPr lang="en-US" smtClean="0"/>
+              <a:rPr lang="en-US"/>
               <a:t>Click to edit Master title style</a:t>
             </a:r>
-            <a:endParaRPr lang="en-US"/>
           </a:p>
         </p:txBody>
       </p:sp>
@@ -1366,10 +1359,9 @@
           </a:lstStyle>
           <a:p>
             <a:r>
-              <a:rPr lang="en-US" smtClean="0"/>
+              <a:rPr lang="en-US"/>
               <a:t>Click to edit Master subtitle style</a:t>
             </a:r>
-            <a:endParaRPr lang="en-US"/>
           </a:p>
         </p:txBody>
       </p:sp>
@@ -1390,7 +1382,7 @@
           <a:p>
             <a:fld id="{F52725C5-6827-4E2D-9543-1539AA3954B8}" type="datetime1">
               <a:rPr lang="en-US" smtClean="0"/>
-              <a:t>1/26/2016</a:t>
+              <a:t>1/23/2017</a:t>
             </a:fld>
             <a:endParaRPr lang="en-US"/>
           </a:p>
@@ -1484,10 +1476,9 @@
           <a:lstStyle/>
           <a:p>
             <a:r>
-              <a:rPr lang="en-US" smtClean="0"/>
+              <a:rPr lang="en-US"/>
               <a:t>Click to edit Master title style</a:t>
             </a:r>
-            <a:endParaRPr lang="en-US"/>
           </a:p>
         </p:txBody>
       </p:sp>
@@ -1508,38 +1499,37 @@
           <a:p>
             <a:pPr lvl="0"/>
             <a:r>
-              <a:rPr lang="en-US" smtClean="0"/>
+              <a:rPr lang="en-US"/>
               <a:t>Click to edit Master text styles</a:t>
             </a:r>
           </a:p>
           <a:p>
             <a:pPr lvl="1"/>
             <a:r>
-              <a:rPr lang="en-US" smtClean="0"/>
+              <a:rPr lang="en-US"/>
               <a:t>Second level</a:t>
             </a:r>
           </a:p>
           <a:p>
             <a:pPr lvl="2"/>
             <a:r>
-              <a:rPr lang="en-US" smtClean="0"/>
+              <a:rPr lang="en-US"/>
               <a:t>Third level</a:t>
             </a:r>
           </a:p>
           <a:p>
             <a:pPr lvl="3"/>
             <a:r>
-              <a:rPr lang="en-US" smtClean="0"/>
+              <a:rPr lang="en-US"/>
               <a:t>Fourth level</a:t>
             </a:r>
           </a:p>
           <a:p>
             <a:pPr lvl="4"/>
             <a:r>
-              <a:rPr lang="en-US" smtClean="0"/>
+              <a:rPr lang="en-US"/>
               <a:t>Fifth level</a:t>
             </a:r>
-            <a:endParaRPr lang="en-US"/>
           </a:p>
         </p:txBody>
       </p:sp>
@@ -1560,7 +1550,7 @@
           <a:p>
             <a:fld id="{84C3D210-5214-43E7-8E4B-0BD91EAD03A4}" type="datetime1">
               <a:rPr lang="en-US" smtClean="0"/>
-              <a:t>1/26/2016</a:t>
+              <a:t>1/23/2017</a:t>
             </a:fld>
             <a:endParaRPr lang="en-US"/>
           </a:p>
@@ -1663,10 +1653,9 @@
           </a:lstStyle>
           <a:p>
             <a:r>
-              <a:rPr lang="en-US" smtClean="0"/>
+              <a:rPr lang="en-US"/>
               <a:t>Click to edit Master title style</a:t>
             </a:r>
-            <a:endParaRPr lang="en-US"/>
           </a:p>
         </p:txBody>
       </p:sp>
@@ -1783,7 +1772,7 @@
           <a:p>
             <a:pPr lvl="0"/>
             <a:r>
-              <a:rPr lang="en-US" smtClean="0"/>
+              <a:rPr lang="en-US"/>
               <a:t>Click to edit Master text styles</a:t>
             </a:r>
           </a:p>
@@ -1806,7 +1795,7 @@
           <a:p>
             <a:fld id="{CABE04C8-2FA4-426D-90FA-3147AA463E81}" type="datetime1">
               <a:rPr lang="en-US" smtClean="0"/>
-              <a:t>1/26/2016</a:t>
+              <a:t>1/23/2017</a:t>
             </a:fld>
             <a:endParaRPr lang="en-US"/>
           </a:p>
@@ -1900,10 +1889,9 @@
           <a:lstStyle/>
           <a:p>
             <a:r>
-              <a:rPr lang="en-US" smtClean="0"/>
+              <a:rPr lang="en-US"/>
               <a:t>Click to edit Master title style</a:t>
             </a:r>
-            <a:endParaRPr lang="en-US"/>
           </a:p>
         </p:txBody>
       </p:sp>
@@ -1957,38 +1945,37 @@
           <a:p>
             <a:pPr lvl="0"/>
             <a:r>
-              <a:rPr lang="en-US" smtClean="0"/>
+              <a:rPr lang="en-US"/>
               <a:t>Click to edit Master text styles</a:t>
             </a:r>
           </a:p>
           <a:p>
             <a:pPr lvl="1"/>
             <a:r>
-              <a:rPr lang="en-US" smtClean="0"/>
+              <a:rPr lang="en-US"/>
               <a:t>Second level</a:t>
             </a:r>
           </a:p>
           <a:p>
             <a:pPr lvl="2"/>
             <a:r>
-              <a:rPr lang="en-US" smtClean="0"/>
+              <a:rPr lang="en-US"/>
               <a:t>Third level</a:t>
             </a:r>
           </a:p>
           <a:p>
             <a:pPr lvl="3"/>
             <a:r>
-              <a:rPr lang="en-US" smtClean="0"/>
+              <a:rPr lang="en-US"/>
               <a:t>Fourth level</a:t>
             </a:r>
           </a:p>
           <a:p>
             <a:pPr lvl="4"/>
             <a:r>
-              <a:rPr lang="en-US" smtClean="0"/>
+              <a:rPr lang="en-US"/>
               <a:t>Fifth level</a:t>
             </a:r>
-            <a:endParaRPr lang="en-US"/>
           </a:p>
         </p:txBody>
       </p:sp>
@@ -2042,38 +2029,37 @@
           <a:p>
             <a:pPr lvl="0"/>
             <a:r>
-              <a:rPr lang="en-US" smtClean="0"/>
+              <a:rPr lang="en-US"/>
               <a:t>Click to edit Master text styles</a:t>
             </a:r>
           </a:p>
           <a:p>
             <a:pPr lvl="1"/>
             <a:r>
-              <a:rPr lang="en-US" smtClean="0"/>
+              <a:rPr lang="en-US"/>
               <a:t>Second level</a:t>
             </a:r>
           </a:p>
           <a:p>
             <a:pPr lvl="2"/>
             <a:r>
-              <a:rPr lang="en-US" smtClean="0"/>
+              <a:rPr lang="en-US"/>
               <a:t>Third level</a:t>
             </a:r>
           </a:p>
           <a:p>
             <a:pPr lvl="3"/>
             <a:r>
-              <a:rPr lang="en-US" smtClean="0"/>
+              <a:rPr lang="en-US"/>
               <a:t>Fourth level</a:t>
             </a:r>
           </a:p>
           <a:p>
             <a:pPr lvl="4"/>
             <a:r>
-              <a:rPr lang="en-US" smtClean="0"/>
+              <a:rPr lang="en-US"/>
               <a:t>Fifth level</a:t>
             </a:r>
-            <a:endParaRPr lang="en-US"/>
           </a:p>
         </p:txBody>
       </p:sp>
@@ -2094,7 +2080,7 @@
           <a:p>
             <a:fld id="{16C6764C-CF34-401D-86AA-8E9442BA2BC5}" type="datetime1">
               <a:rPr lang="en-US" smtClean="0"/>
-              <a:t>1/26/2016</a:t>
+              <a:t>1/23/2017</a:t>
             </a:fld>
             <a:endParaRPr lang="en-US"/>
           </a:p>
@@ -2192,10 +2178,9 @@
           </a:lstStyle>
           <a:p>
             <a:r>
-              <a:rPr lang="en-US" smtClean="0"/>
+              <a:rPr lang="en-US"/>
               <a:t>Click to edit Master title style</a:t>
             </a:r>
-            <a:endParaRPr lang="en-US"/>
           </a:p>
         </p:txBody>
       </p:sp>
@@ -2258,7 +2243,7 @@
           <a:p>
             <a:pPr lvl="0"/>
             <a:r>
-              <a:rPr lang="en-US" smtClean="0"/>
+              <a:rPr lang="en-US"/>
               <a:t>Click to edit Master text styles</a:t>
             </a:r>
           </a:p>
@@ -2314,38 +2299,37 @@
           <a:p>
             <a:pPr lvl="0"/>
             <a:r>
-              <a:rPr lang="en-US" smtClean="0"/>
+              <a:rPr lang="en-US"/>
               <a:t>Click to edit Master text styles</a:t>
             </a:r>
           </a:p>
           <a:p>
             <a:pPr lvl="1"/>
             <a:r>
-              <a:rPr lang="en-US" smtClean="0"/>
+              <a:rPr lang="en-US"/>
               <a:t>Second level</a:t>
             </a:r>
           </a:p>
           <a:p>
             <a:pPr lvl="2"/>
             <a:r>
-              <a:rPr lang="en-US" smtClean="0"/>
+              <a:rPr lang="en-US"/>
               <a:t>Third level</a:t>
             </a:r>
           </a:p>
           <a:p>
             <a:pPr lvl="3"/>
             <a:r>
-              <a:rPr lang="en-US" smtClean="0"/>
+              <a:rPr lang="en-US"/>
               <a:t>Fourth level</a:t>
             </a:r>
           </a:p>
           <a:p>
             <a:pPr lvl="4"/>
             <a:r>
-              <a:rPr lang="en-US" smtClean="0"/>
+              <a:rPr lang="en-US"/>
               <a:t>Fifth level</a:t>
             </a:r>
-            <a:endParaRPr lang="en-US"/>
           </a:p>
         </p:txBody>
       </p:sp>
@@ -2408,7 +2392,7 @@
           <a:p>
             <a:pPr lvl="0"/>
             <a:r>
-              <a:rPr lang="en-US" smtClean="0"/>
+              <a:rPr lang="en-US"/>
               <a:t>Click to edit Master text styles</a:t>
             </a:r>
           </a:p>
@@ -2464,38 +2448,37 @@
           <a:p>
             <a:pPr lvl="0"/>
             <a:r>
-              <a:rPr lang="en-US" smtClean="0"/>
+              <a:rPr lang="en-US"/>
               <a:t>Click to edit Master text styles</a:t>
             </a:r>
           </a:p>
           <a:p>
             <a:pPr lvl="1"/>
             <a:r>
-              <a:rPr lang="en-US" smtClean="0"/>
+              <a:rPr lang="en-US"/>
               <a:t>Second level</a:t>
             </a:r>
           </a:p>
           <a:p>
             <a:pPr lvl="2"/>
             <a:r>
-              <a:rPr lang="en-US" smtClean="0"/>
+              <a:rPr lang="en-US"/>
               <a:t>Third level</a:t>
             </a:r>
           </a:p>
           <a:p>
             <a:pPr lvl="3"/>
             <a:r>
-              <a:rPr lang="en-US" smtClean="0"/>
+              <a:rPr lang="en-US"/>
               <a:t>Fourth level</a:t>
             </a:r>
           </a:p>
           <a:p>
             <a:pPr lvl="4"/>
             <a:r>
-              <a:rPr lang="en-US" smtClean="0"/>
+              <a:rPr lang="en-US"/>
               <a:t>Fifth level</a:t>
             </a:r>
-            <a:endParaRPr lang="en-US"/>
           </a:p>
         </p:txBody>
       </p:sp>
@@ -2516,7 +2499,7 @@
           <a:p>
             <a:fld id="{7A6304A5-3728-4433-A75D-59FC32371DB6}" type="datetime1">
               <a:rPr lang="en-US" smtClean="0"/>
-              <a:t>1/26/2016</a:t>
+              <a:t>1/23/2017</a:t>
             </a:fld>
             <a:endParaRPr lang="en-US"/>
           </a:p>
@@ -2610,10 +2593,9 @@
           <a:lstStyle/>
           <a:p>
             <a:r>
-              <a:rPr lang="en-US" smtClean="0"/>
+              <a:rPr lang="en-US"/>
               <a:t>Click to edit Master title style</a:t>
             </a:r>
-            <a:endParaRPr lang="en-US"/>
           </a:p>
         </p:txBody>
       </p:sp>
@@ -2634,7 +2616,7 @@
           <a:p>
             <a:fld id="{ECEC8789-70ED-426B-B532-587D6FE3BE94}" type="datetime1">
               <a:rPr lang="en-US" smtClean="0"/>
-              <a:t>1/26/2016</a:t>
+              <a:t>1/23/2017</a:t>
             </a:fld>
             <a:endParaRPr lang="en-US"/>
           </a:p>
@@ -2729,7 +2711,7 @@
           <a:p>
             <a:fld id="{8BC900E6-7C7F-42EC-9A9D-A635DE0275A7}" type="datetime1">
               <a:rPr lang="en-US" smtClean="0"/>
-              <a:t>1/26/2016</a:t>
+              <a:t>1/23/2017</a:t>
             </a:fld>
             <a:endParaRPr lang="en-US"/>
           </a:p>
@@ -2832,10 +2814,9 @@
           </a:lstStyle>
           <a:p>
             <a:r>
-              <a:rPr lang="en-US" smtClean="0"/>
+              <a:rPr lang="en-US"/>
               <a:t>Click to edit Master title style</a:t>
             </a:r>
-            <a:endParaRPr lang="en-US"/>
           </a:p>
         </p:txBody>
       </p:sp>
@@ -2889,38 +2870,37 @@
           <a:p>
             <a:pPr lvl="0"/>
             <a:r>
-              <a:rPr lang="en-US" smtClean="0"/>
+              <a:rPr lang="en-US"/>
               <a:t>Click to edit Master text styles</a:t>
             </a:r>
           </a:p>
           <a:p>
             <a:pPr lvl="1"/>
             <a:r>
-              <a:rPr lang="en-US" smtClean="0"/>
+              <a:rPr lang="en-US"/>
               <a:t>Second level</a:t>
             </a:r>
           </a:p>
           <a:p>
             <a:pPr lvl="2"/>
             <a:r>
-              <a:rPr lang="en-US" smtClean="0"/>
+              <a:rPr lang="en-US"/>
               <a:t>Third level</a:t>
             </a:r>
           </a:p>
           <a:p>
             <a:pPr lvl="3"/>
             <a:r>
-              <a:rPr lang="en-US" smtClean="0"/>
+              <a:rPr lang="en-US"/>
               <a:t>Fourth level</a:t>
             </a:r>
           </a:p>
           <a:p>
             <a:pPr lvl="4"/>
             <a:r>
-              <a:rPr lang="en-US" smtClean="0"/>
+              <a:rPr lang="en-US"/>
               <a:t>Fifth level</a:t>
             </a:r>
-            <a:endParaRPr lang="en-US"/>
           </a:p>
         </p:txBody>
       </p:sp>
@@ -2983,7 +2963,7 @@
           <a:p>
             <a:pPr lvl="0"/>
             <a:r>
-              <a:rPr lang="en-US" smtClean="0"/>
+              <a:rPr lang="en-US"/>
               <a:t>Click to edit Master text styles</a:t>
             </a:r>
           </a:p>
@@ -3006,7 +2986,7 @@
           <a:p>
             <a:fld id="{49B6DA3E-3C8E-4D5C-8441-630DBE174E8D}" type="datetime1">
               <a:rPr lang="en-US" smtClean="0"/>
-              <a:t>1/26/2016</a:t>
+              <a:t>1/23/2017</a:t>
             </a:fld>
             <a:endParaRPr lang="en-US"/>
           </a:p>
@@ -3100,10 +3080,9 @@
           <a:lstStyle/>
           <a:p>
             <a:r>
-              <a:rPr lang="en-US" smtClean="0"/>
+              <a:rPr lang="en-US"/>
               <a:t>Click to edit Master title style</a:t>
             </a:r>
-            <a:endParaRPr lang="en-US"/>
           </a:p>
         </p:txBody>
       </p:sp>
@@ -3124,38 +3103,37 @@
           <a:p>
             <a:pPr lvl="0"/>
             <a:r>
-              <a:rPr lang="en-US" smtClean="0"/>
+              <a:rPr lang="en-US"/>
               <a:t>Click to edit Master text styles</a:t>
             </a:r>
           </a:p>
           <a:p>
             <a:pPr lvl="1"/>
             <a:r>
-              <a:rPr lang="en-US" smtClean="0"/>
+              <a:rPr lang="en-US"/>
               <a:t>Second level</a:t>
             </a:r>
           </a:p>
           <a:p>
             <a:pPr lvl="2"/>
             <a:r>
-              <a:rPr lang="en-US" smtClean="0"/>
+              <a:rPr lang="en-US"/>
               <a:t>Third level</a:t>
             </a:r>
           </a:p>
           <a:p>
             <a:pPr lvl="3"/>
             <a:r>
-              <a:rPr lang="en-US" smtClean="0"/>
+              <a:rPr lang="en-US"/>
               <a:t>Fourth level</a:t>
             </a:r>
           </a:p>
           <a:p>
             <a:pPr lvl="4"/>
             <a:r>
-              <a:rPr lang="en-US" smtClean="0"/>
+              <a:rPr lang="en-US"/>
               <a:t>Fifth level</a:t>
             </a:r>
-            <a:endParaRPr lang="en-US"/>
           </a:p>
         </p:txBody>
       </p:sp>
@@ -3176,7 +3154,7 @@
           <a:p>
             <a:fld id="{841E30D6-B7D9-43E8-B216-0FAF86DD2559}" type="datetime1">
               <a:rPr lang="en-US" smtClean="0"/>
-              <a:t>1/26/2016</a:t>
+              <a:t>1/23/2017</a:t>
             </a:fld>
             <a:endParaRPr lang="en-US"/>
           </a:p>
@@ -3279,10 +3257,9 @@
           </a:lstStyle>
           <a:p>
             <a:r>
-              <a:rPr lang="en-US" smtClean="0"/>
+              <a:rPr lang="en-US"/>
               <a:t>Click to edit Master title style</a:t>
             </a:r>
-            <a:endParaRPr lang="en-US"/>
           </a:p>
         </p:txBody>
       </p:sp>
@@ -3406,7 +3383,7 @@
           <a:p>
             <a:pPr lvl="0"/>
             <a:r>
-              <a:rPr lang="en-US" smtClean="0"/>
+              <a:rPr lang="en-US"/>
               <a:t>Click to edit Master text styles</a:t>
             </a:r>
           </a:p>
@@ -3429,7 +3406,7 @@
           <a:p>
             <a:fld id="{F97EC72C-BC15-4474-A9FE-7CD8CD567FE0}" type="datetime1">
               <a:rPr lang="en-US" smtClean="0"/>
-              <a:t>1/26/2016</a:t>
+              <a:t>1/23/2017</a:t>
             </a:fld>
             <a:endParaRPr lang="en-US"/>
           </a:p>
@@ -3523,10 +3500,9 @@
           <a:lstStyle/>
           <a:p>
             <a:r>
-              <a:rPr lang="en-US" smtClean="0"/>
+              <a:rPr lang="en-US"/>
               <a:t>Click to edit Master title style</a:t>
             </a:r>
-            <a:endParaRPr lang="en-US"/>
           </a:p>
         </p:txBody>
       </p:sp>
@@ -3547,38 +3523,37 @@
           <a:p>
             <a:pPr lvl="0"/>
             <a:r>
-              <a:rPr lang="en-US" smtClean="0"/>
+              <a:rPr lang="en-US"/>
               <a:t>Click to edit Master text styles</a:t>
             </a:r>
           </a:p>
           <a:p>
             <a:pPr lvl="1"/>
             <a:r>
-              <a:rPr lang="en-US" smtClean="0"/>
+              <a:rPr lang="en-US"/>
               <a:t>Second level</a:t>
             </a:r>
           </a:p>
           <a:p>
             <a:pPr lvl="2"/>
             <a:r>
-              <a:rPr lang="en-US" smtClean="0"/>
+              <a:rPr lang="en-US"/>
               <a:t>Third level</a:t>
             </a:r>
           </a:p>
           <a:p>
             <a:pPr lvl="3"/>
             <a:r>
-              <a:rPr lang="en-US" smtClean="0"/>
+              <a:rPr lang="en-US"/>
               <a:t>Fourth level</a:t>
             </a:r>
           </a:p>
           <a:p>
             <a:pPr lvl="4"/>
             <a:r>
-              <a:rPr lang="en-US" smtClean="0"/>
+              <a:rPr lang="en-US"/>
               <a:t>Fifth level</a:t>
             </a:r>
-            <a:endParaRPr lang="en-US"/>
           </a:p>
         </p:txBody>
       </p:sp>
@@ -3599,7 +3574,7 @@
           <a:p>
             <a:fld id="{7A5C7CC7-A7C7-44A2-A763-681A3139D55C}" type="datetime1">
               <a:rPr lang="en-US" smtClean="0"/>
-              <a:t>1/26/2016</a:t>
+              <a:t>1/23/2017</a:t>
             </a:fld>
             <a:endParaRPr lang="en-US"/>
           </a:p>
@@ -3698,10 +3673,9 @@
           <a:lstStyle/>
           <a:p>
             <a:r>
-              <a:rPr lang="en-US" smtClean="0"/>
+              <a:rPr lang="en-US"/>
               <a:t>Click to edit Master title style</a:t>
             </a:r>
-            <a:endParaRPr lang="en-US"/>
           </a:p>
         </p:txBody>
       </p:sp>
@@ -3727,38 +3701,37 @@
           <a:p>
             <a:pPr lvl="0"/>
             <a:r>
-              <a:rPr lang="en-US" smtClean="0"/>
+              <a:rPr lang="en-US"/>
               <a:t>Click to edit Master text styles</a:t>
             </a:r>
           </a:p>
           <a:p>
             <a:pPr lvl="1"/>
             <a:r>
-              <a:rPr lang="en-US" smtClean="0"/>
+              <a:rPr lang="en-US"/>
               <a:t>Second level</a:t>
             </a:r>
           </a:p>
           <a:p>
             <a:pPr lvl="2"/>
             <a:r>
-              <a:rPr lang="en-US" smtClean="0"/>
+              <a:rPr lang="en-US"/>
               <a:t>Third level</a:t>
             </a:r>
           </a:p>
           <a:p>
             <a:pPr lvl="3"/>
             <a:r>
-              <a:rPr lang="en-US" smtClean="0"/>
+              <a:rPr lang="en-US"/>
               <a:t>Fourth level</a:t>
             </a:r>
           </a:p>
           <a:p>
             <a:pPr lvl="4"/>
             <a:r>
-              <a:rPr lang="en-US" smtClean="0"/>
+              <a:rPr lang="en-US"/>
               <a:t>Fifth level</a:t>
             </a:r>
-            <a:endParaRPr lang="en-US"/>
           </a:p>
         </p:txBody>
       </p:sp>
@@ -3779,7 +3752,7 @@
           <a:p>
             <a:fld id="{E8587F4F-5FAD-4F4C-AFC6-D917D1614028}" type="datetime1">
               <a:rPr lang="en-US" smtClean="0"/>
-              <a:t>1/26/2016</a:t>
+              <a:t>1/23/2017</a:t>
             </a:fld>
             <a:endParaRPr lang="en-US"/>
           </a:p>
@@ -3886,10 +3859,9 @@
           <a:lstStyle/>
           <a:p>
             <a:r>
-              <a:rPr lang="en-US" smtClean="0"/>
+              <a:rPr lang="en-US"/>
               <a:t>Click to edit Master title style</a:t>
             </a:r>
-            <a:endParaRPr lang="en-US"/>
           </a:p>
         </p:txBody>
       </p:sp>
@@ -4005,10 +3977,9 @@
           </a:lstStyle>
           <a:p>
             <a:r>
-              <a:rPr lang="en-US" smtClean="0"/>
+              <a:rPr lang="en-US"/>
               <a:t>Click to edit Master subtitle style</a:t>
             </a:r>
-            <a:endParaRPr lang="en-US"/>
           </a:p>
         </p:txBody>
       </p:sp>
@@ -4029,7 +4000,7 @@
           <a:p>
             <a:fld id="{A03A44E6-E8D4-49E9-90E3-CACB6DAAD05B}" type="datetime1">
               <a:rPr lang="en-US" smtClean="0"/>
-              <a:t>1/26/2016</a:t>
+              <a:t>1/23/2017</a:t>
             </a:fld>
             <a:endParaRPr lang="en-US"/>
           </a:p>
@@ -4131,10 +4102,9 @@
           <a:lstStyle/>
           <a:p>
             <a:r>
-              <a:rPr lang="en-US" smtClean="0"/>
+              <a:rPr lang="en-US"/>
               <a:t>Click to edit Master title style</a:t>
             </a:r>
-            <a:endParaRPr lang="en-US"/>
           </a:p>
         </p:txBody>
       </p:sp>
@@ -4155,38 +4125,37 @@
           <a:p>
             <a:pPr lvl="0"/>
             <a:r>
-              <a:rPr lang="en-US" smtClean="0"/>
+              <a:rPr lang="en-US"/>
               <a:t>Click to edit Master text styles</a:t>
             </a:r>
           </a:p>
           <a:p>
             <a:pPr lvl="1"/>
             <a:r>
-              <a:rPr lang="en-US" smtClean="0"/>
+              <a:rPr lang="en-US"/>
               <a:t>Second level</a:t>
             </a:r>
           </a:p>
           <a:p>
             <a:pPr lvl="2"/>
             <a:r>
-              <a:rPr lang="en-US" smtClean="0"/>
+              <a:rPr lang="en-US"/>
               <a:t>Third level</a:t>
             </a:r>
           </a:p>
           <a:p>
             <a:pPr lvl="3"/>
             <a:r>
-              <a:rPr lang="en-US" smtClean="0"/>
+              <a:rPr lang="en-US"/>
               <a:t>Fourth level</a:t>
             </a:r>
           </a:p>
           <a:p>
             <a:pPr lvl="4"/>
             <a:r>
-              <a:rPr lang="en-US" smtClean="0"/>
+              <a:rPr lang="en-US"/>
               <a:t>Fifth level</a:t>
             </a:r>
-            <a:endParaRPr lang="en-US"/>
           </a:p>
         </p:txBody>
       </p:sp>
@@ -4207,7 +4176,7 @@
           <a:p>
             <a:fld id="{32DBB816-C144-476E-951D-DEB86EEDC065}" type="datetime1">
               <a:rPr lang="en-US" smtClean="0"/>
-              <a:t>1/26/2016</a:t>
+              <a:t>1/23/2017</a:t>
             </a:fld>
             <a:endParaRPr lang="en-US"/>
           </a:p>
@@ -4318,10 +4287,9 @@
           </a:lstStyle>
           <a:p>
             <a:r>
-              <a:rPr lang="en-US" smtClean="0"/>
+              <a:rPr lang="en-US"/>
               <a:t>Click to edit Master title style</a:t>
             </a:r>
-            <a:endParaRPr lang="en-US"/>
           </a:p>
         </p:txBody>
       </p:sp>
@@ -4438,7 +4406,7 @@
           <a:p>
             <a:pPr lvl="0"/>
             <a:r>
-              <a:rPr lang="en-US" smtClean="0"/>
+              <a:rPr lang="en-US"/>
               <a:t>Click to edit Master text styles</a:t>
             </a:r>
           </a:p>
@@ -4461,7 +4429,7 @@
           <a:p>
             <a:fld id="{65D3BB8F-F6A8-4BB5-A7E1-80E720C01870}" type="datetime1">
               <a:rPr lang="en-US" smtClean="0"/>
-              <a:t>1/26/2016</a:t>
+              <a:t>1/23/2017</a:t>
             </a:fld>
             <a:endParaRPr lang="en-US"/>
           </a:p>
@@ -4563,10 +4531,9 @@
           <a:lstStyle/>
           <a:p>
             <a:r>
-              <a:rPr lang="en-US" smtClean="0"/>
+              <a:rPr lang="en-US"/>
               <a:t>Click to edit Master title style</a:t>
             </a:r>
-            <a:endParaRPr lang="en-US"/>
           </a:p>
         </p:txBody>
       </p:sp>
@@ -4620,38 +4587,37 @@
           <a:p>
             <a:pPr lvl="0"/>
             <a:r>
-              <a:rPr lang="en-US" smtClean="0"/>
+              <a:rPr lang="en-US"/>
               <a:t>Click to edit Master text styles</a:t>
             </a:r>
           </a:p>
           <a:p>
             <a:pPr lvl="1"/>
             <a:r>
-              <a:rPr lang="en-US" smtClean="0"/>
+              <a:rPr lang="en-US"/>
               <a:t>Second level</a:t>
             </a:r>
           </a:p>
           <a:p>
             <a:pPr lvl="2"/>
             <a:r>
-              <a:rPr lang="en-US" smtClean="0"/>
+              <a:rPr lang="en-US"/>
               <a:t>Third level</a:t>
             </a:r>
           </a:p>
           <a:p>
             <a:pPr lvl="3"/>
             <a:r>
-              <a:rPr lang="en-US" smtClean="0"/>
+              <a:rPr lang="en-US"/>
               <a:t>Fourth level</a:t>
             </a:r>
           </a:p>
           <a:p>
             <a:pPr lvl="4"/>
             <a:r>
-              <a:rPr lang="en-US" smtClean="0"/>
+              <a:rPr lang="en-US"/>
               <a:t>Fifth level</a:t>
             </a:r>
-            <a:endParaRPr lang="en-US"/>
           </a:p>
         </p:txBody>
       </p:sp>
@@ -4705,38 +4671,37 @@
           <a:p>
             <a:pPr lvl="0"/>
             <a:r>
-              <a:rPr lang="en-US" smtClean="0"/>
+              <a:rPr lang="en-US"/>
               <a:t>Click to edit Master text styles</a:t>
             </a:r>
           </a:p>
           <a:p>
             <a:pPr lvl="1"/>
             <a:r>
-              <a:rPr lang="en-US" smtClean="0"/>
+              <a:rPr lang="en-US"/>
               <a:t>Second level</a:t>
             </a:r>
           </a:p>
           <a:p>
             <a:pPr lvl="2"/>
             <a:r>
-              <a:rPr lang="en-US" smtClean="0"/>
+              <a:rPr lang="en-US"/>
               <a:t>Third level</a:t>
             </a:r>
           </a:p>
           <a:p>
             <a:pPr lvl="3"/>
             <a:r>
-              <a:rPr lang="en-US" smtClean="0"/>
+              <a:rPr lang="en-US"/>
               <a:t>Fourth level</a:t>
             </a:r>
           </a:p>
           <a:p>
             <a:pPr lvl="4"/>
             <a:r>
-              <a:rPr lang="en-US" smtClean="0"/>
+              <a:rPr lang="en-US"/>
               <a:t>Fifth level</a:t>
             </a:r>
-            <a:endParaRPr lang="en-US"/>
           </a:p>
         </p:txBody>
       </p:sp>
@@ -4757,7 +4722,7 @@
           <a:p>
             <a:fld id="{4A608807-CF6D-4535-941D-9CD5EC0CF299}" type="datetime1">
               <a:rPr lang="en-US" smtClean="0"/>
-              <a:t>1/26/2016</a:t>
+              <a:t>1/23/2017</a:t>
             </a:fld>
             <a:endParaRPr lang="en-US"/>
           </a:p>
@@ -4863,10 +4828,9 @@
           </a:lstStyle>
           <a:p>
             <a:r>
-              <a:rPr lang="en-US" smtClean="0"/>
+              <a:rPr lang="en-US"/>
               <a:t>Click to edit Master title style</a:t>
             </a:r>
-            <a:endParaRPr lang="en-US"/>
           </a:p>
         </p:txBody>
       </p:sp>
@@ -4929,7 +4893,7 @@
           <a:p>
             <a:pPr lvl="0"/>
             <a:r>
-              <a:rPr lang="en-US" smtClean="0"/>
+              <a:rPr lang="en-US"/>
               <a:t>Click to edit Master text styles</a:t>
             </a:r>
           </a:p>
@@ -4985,38 +4949,37 @@
           <a:p>
             <a:pPr lvl="0"/>
             <a:r>
-              <a:rPr lang="en-US" smtClean="0"/>
+              <a:rPr lang="en-US"/>
               <a:t>Click to edit Master text styles</a:t>
             </a:r>
           </a:p>
           <a:p>
             <a:pPr lvl="1"/>
             <a:r>
-              <a:rPr lang="en-US" smtClean="0"/>
+              <a:rPr lang="en-US"/>
               <a:t>Second level</a:t>
             </a:r>
           </a:p>
           <a:p>
             <a:pPr lvl="2"/>
             <a:r>
-              <a:rPr lang="en-US" smtClean="0"/>
+              <a:rPr lang="en-US"/>
               <a:t>Third level</a:t>
             </a:r>
           </a:p>
           <a:p>
             <a:pPr lvl="3"/>
             <a:r>
-              <a:rPr lang="en-US" smtClean="0"/>
+              <a:rPr lang="en-US"/>
               <a:t>Fourth level</a:t>
             </a:r>
           </a:p>
           <a:p>
             <a:pPr lvl="4"/>
             <a:r>
-              <a:rPr lang="en-US" smtClean="0"/>
+              <a:rPr lang="en-US"/>
               <a:t>Fifth level</a:t>
             </a:r>
-            <a:endParaRPr lang="en-US"/>
           </a:p>
         </p:txBody>
       </p:sp>
@@ -5079,7 +5042,7 @@
           <a:p>
             <a:pPr lvl="0"/>
             <a:r>
-              <a:rPr lang="en-US" smtClean="0"/>
+              <a:rPr lang="en-US"/>
               <a:t>Click to edit Master text styles</a:t>
             </a:r>
           </a:p>
@@ -5135,38 +5098,37 @@
           <a:p>
             <a:pPr lvl="0"/>
             <a:r>
-              <a:rPr lang="en-US" smtClean="0"/>
+              <a:rPr lang="en-US"/>
               <a:t>Click to edit Master text styles</a:t>
             </a:r>
           </a:p>
           <a:p>
             <a:pPr lvl="1"/>
             <a:r>
-              <a:rPr lang="en-US" smtClean="0"/>
+              <a:rPr lang="en-US"/>
               <a:t>Second level</a:t>
             </a:r>
           </a:p>
           <a:p>
             <a:pPr lvl="2"/>
             <a:r>
-              <a:rPr lang="en-US" smtClean="0"/>
+              <a:rPr lang="en-US"/>
               <a:t>Third level</a:t>
             </a:r>
           </a:p>
           <a:p>
             <a:pPr lvl="3"/>
             <a:r>
-              <a:rPr lang="en-US" smtClean="0"/>
+              <a:rPr lang="en-US"/>
               <a:t>Fourth level</a:t>
             </a:r>
           </a:p>
           <a:p>
             <a:pPr lvl="4"/>
             <a:r>
-              <a:rPr lang="en-US" smtClean="0"/>
+              <a:rPr lang="en-US"/>
               <a:t>Fifth level</a:t>
             </a:r>
-            <a:endParaRPr lang="en-US"/>
           </a:p>
         </p:txBody>
       </p:sp>
@@ -5187,7 +5149,7 @@
           <a:p>
             <a:fld id="{16B0049A-7B25-4151-A386-BF3C23675314}" type="datetime1">
               <a:rPr lang="en-US" smtClean="0"/>
-              <a:t>1/26/2016</a:t>
+              <a:t>1/23/2017</a:t>
             </a:fld>
             <a:endParaRPr lang="en-US"/>
           </a:p>
@@ -5289,10 +5251,9 @@
           <a:lstStyle/>
           <a:p>
             <a:r>
-              <a:rPr lang="en-US" smtClean="0"/>
+              <a:rPr lang="en-US"/>
               <a:t>Click to edit Master title style</a:t>
             </a:r>
-            <a:endParaRPr lang="en-US"/>
           </a:p>
         </p:txBody>
       </p:sp>
@@ -5313,7 +5274,7 @@
           <a:p>
             <a:fld id="{4669EECD-01E4-4572-8BD0-2717E3AC353F}" type="datetime1">
               <a:rPr lang="en-US" smtClean="0"/>
-              <a:t>1/26/2016</a:t>
+              <a:t>1/23/2017</a:t>
             </a:fld>
             <a:endParaRPr lang="en-US"/>
           </a:p>
@@ -5416,7 +5377,7 @@
           <a:p>
             <a:fld id="{FBF63299-772A-4EF5-BD70-5AE6174D1B6C}" type="datetime1">
               <a:rPr lang="en-US" smtClean="0"/>
-              <a:t>1/26/2016</a:t>
+              <a:t>1/23/2017</a:t>
             </a:fld>
             <a:endParaRPr lang="en-US"/>
           </a:p>
@@ -5519,10 +5480,9 @@
           </a:lstStyle>
           <a:p>
             <a:r>
-              <a:rPr lang="en-US" smtClean="0"/>
+              <a:rPr lang="en-US"/>
               <a:t>Click to edit Master title style</a:t>
             </a:r>
-            <a:endParaRPr lang="en-US"/>
           </a:p>
         </p:txBody>
       </p:sp>
@@ -5639,7 +5599,7 @@
           <a:p>
             <a:pPr lvl="0"/>
             <a:r>
-              <a:rPr lang="en-US" smtClean="0"/>
+              <a:rPr lang="en-US"/>
               <a:t>Click to edit Master text styles</a:t>
             </a:r>
           </a:p>
@@ -5662,7 +5622,7 @@
           <a:p>
             <a:fld id="{14C3D302-F44D-4C48-9AB4-E66C7AAD59FC}" type="datetime1">
               <a:rPr lang="en-US" smtClean="0"/>
-              <a:t>1/26/2016</a:t>
+              <a:t>1/23/2017</a:t>
             </a:fld>
             <a:endParaRPr lang="en-US"/>
           </a:p>
@@ -5773,10 +5733,9 @@
           </a:lstStyle>
           <a:p>
             <a:r>
-              <a:rPr lang="en-US" smtClean="0"/>
+              <a:rPr lang="en-US"/>
               <a:t>Click to edit Master title style</a:t>
             </a:r>
-            <a:endParaRPr lang="en-US"/>
           </a:p>
         </p:txBody>
       </p:sp>
@@ -5830,38 +5789,37 @@
           <a:p>
             <a:pPr lvl="0"/>
             <a:r>
-              <a:rPr lang="en-US" smtClean="0"/>
+              <a:rPr lang="en-US"/>
               <a:t>Click to edit Master text styles</a:t>
             </a:r>
           </a:p>
           <a:p>
             <a:pPr lvl="1"/>
             <a:r>
-              <a:rPr lang="en-US" smtClean="0"/>
+              <a:rPr lang="en-US"/>
               <a:t>Second level</a:t>
             </a:r>
           </a:p>
           <a:p>
             <a:pPr lvl="2"/>
             <a:r>
-              <a:rPr lang="en-US" smtClean="0"/>
+              <a:rPr lang="en-US"/>
               <a:t>Third level</a:t>
             </a:r>
           </a:p>
           <a:p>
             <a:pPr lvl="3"/>
             <a:r>
-              <a:rPr lang="en-US" smtClean="0"/>
+              <a:rPr lang="en-US"/>
               <a:t>Fourth level</a:t>
             </a:r>
           </a:p>
           <a:p>
             <a:pPr lvl="4"/>
             <a:r>
-              <a:rPr lang="en-US" smtClean="0"/>
+              <a:rPr lang="en-US"/>
               <a:t>Fifth level</a:t>
             </a:r>
-            <a:endParaRPr lang="en-US"/>
           </a:p>
         </p:txBody>
       </p:sp>
@@ -5924,7 +5882,7 @@
           <a:p>
             <a:pPr lvl="0"/>
             <a:r>
-              <a:rPr lang="en-US" smtClean="0"/>
+              <a:rPr lang="en-US"/>
               <a:t>Click to edit Master text styles</a:t>
             </a:r>
           </a:p>
@@ -5947,7 +5905,7 @@
           <a:p>
             <a:fld id="{BA37D725-F957-4CB0-95B7-2EACDECFF9EB}" type="datetime1">
               <a:rPr lang="en-US" smtClean="0"/>
-              <a:t>1/26/2016</a:t>
+              <a:t>1/23/2017</a:t>
             </a:fld>
             <a:endParaRPr lang="en-US"/>
           </a:p>
@@ -6058,10 +6016,9 @@
           </a:lstStyle>
           <a:p>
             <a:r>
-              <a:rPr lang="en-US" smtClean="0"/>
+              <a:rPr lang="en-US"/>
               <a:t>Click to edit Master title style</a:t>
             </a:r>
-            <a:endParaRPr lang="en-US"/>
           </a:p>
         </p:txBody>
       </p:sp>
@@ -6185,7 +6142,7 @@
           <a:p>
             <a:pPr lvl="0"/>
             <a:r>
-              <a:rPr lang="en-US" smtClean="0"/>
+              <a:rPr lang="en-US"/>
               <a:t>Click to edit Master text styles</a:t>
             </a:r>
           </a:p>
@@ -6208,7 +6165,7 @@
           <a:p>
             <a:fld id="{C3D550D7-A999-41A7-9C9D-0907FC814ADA}" type="datetime1">
               <a:rPr lang="en-US" smtClean="0"/>
-              <a:t>1/26/2016</a:t>
+              <a:t>1/23/2017</a:t>
             </a:fld>
             <a:endParaRPr lang="en-US"/>
           </a:p>
@@ -6310,10 +6267,9 @@
           <a:lstStyle/>
           <a:p>
             <a:r>
-              <a:rPr lang="en-US" smtClean="0"/>
+              <a:rPr lang="en-US"/>
               <a:t>Click to edit Master title style</a:t>
             </a:r>
-            <a:endParaRPr lang="en-US"/>
           </a:p>
         </p:txBody>
       </p:sp>
@@ -6334,38 +6290,37 @@
           <a:p>
             <a:pPr lvl="0"/>
             <a:r>
-              <a:rPr lang="en-US" smtClean="0"/>
+              <a:rPr lang="en-US"/>
               <a:t>Click to edit Master text styles</a:t>
             </a:r>
           </a:p>
           <a:p>
             <a:pPr lvl="1"/>
             <a:r>
-              <a:rPr lang="en-US" smtClean="0"/>
+              <a:rPr lang="en-US"/>
               <a:t>Second level</a:t>
             </a:r>
           </a:p>
           <a:p>
             <a:pPr lvl="2"/>
             <a:r>
-              <a:rPr lang="en-US" smtClean="0"/>
+              <a:rPr lang="en-US"/>
               <a:t>Third level</a:t>
             </a:r>
           </a:p>
           <a:p>
             <a:pPr lvl="3"/>
             <a:r>
-              <a:rPr lang="en-US" smtClean="0"/>
+              <a:rPr lang="en-US"/>
               <a:t>Fourth level</a:t>
             </a:r>
           </a:p>
           <a:p>
             <a:pPr lvl="4"/>
             <a:r>
-              <a:rPr lang="en-US" smtClean="0"/>
+              <a:rPr lang="en-US"/>
               <a:t>Fifth level</a:t>
             </a:r>
-            <a:endParaRPr lang="en-US"/>
           </a:p>
         </p:txBody>
       </p:sp>
@@ -6386,7 +6341,7 @@
           <a:p>
             <a:fld id="{94CBEF62-12B4-4E5F-BF0F-771E98D7289F}" type="datetime1">
               <a:rPr lang="en-US" smtClean="0"/>
-              <a:t>1/26/2016</a:t>
+              <a:t>1/23/2017</a:t>
             </a:fld>
             <a:endParaRPr lang="en-US"/>
           </a:p>
@@ -6493,10 +6448,9 @@
           <a:lstStyle/>
           <a:p>
             <a:r>
-              <a:rPr lang="en-US" smtClean="0"/>
+              <a:rPr lang="en-US"/>
               <a:t>Click to edit Master title style</a:t>
             </a:r>
-            <a:endParaRPr lang="en-US"/>
           </a:p>
         </p:txBody>
       </p:sp>
@@ -6522,38 +6476,37 @@
           <a:p>
             <a:pPr lvl="0"/>
             <a:r>
-              <a:rPr lang="en-US" smtClean="0"/>
+              <a:rPr lang="en-US"/>
               <a:t>Click to edit Master text styles</a:t>
             </a:r>
           </a:p>
           <a:p>
             <a:pPr lvl="1"/>
             <a:r>
-              <a:rPr lang="en-US" smtClean="0"/>
+              <a:rPr lang="en-US"/>
               <a:t>Second level</a:t>
             </a:r>
           </a:p>
           <a:p>
             <a:pPr lvl="2"/>
             <a:r>
-              <a:rPr lang="en-US" smtClean="0"/>
+              <a:rPr lang="en-US"/>
               <a:t>Third level</a:t>
             </a:r>
           </a:p>
           <a:p>
             <a:pPr lvl="3"/>
             <a:r>
-              <a:rPr lang="en-US" smtClean="0"/>
+              <a:rPr lang="en-US"/>
               <a:t>Fourth level</a:t>
             </a:r>
           </a:p>
           <a:p>
             <a:pPr lvl="4"/>
             <a:r>
-              <a:rPr lang="en-US" smtClean="0"/>
+              <a:rPr lang="en-US"/>
               <a:t>Fifth level</a:t>
             </a:r>
-            <a:endParaRPr lang="en-US"/>
           </a:p>
         </p:txBody>
       </p:sp>
@@ -6574,7 +6527,7 @@
           <a:p>
             <a:fld id="{BCA8447D-ABEA-40EB-B9FF-53F7381F0DEE}" type="datetime1">
               <a:rPr lang="en-US" smtClean="0"/>
-              <a:t>1/26/2016</a:t>
+              <a:t>1/23/2017</a:t>
             </a:fld>
             <a:endParaRPr lang="en-US"/>
           </a:p>
@@ -6668,10 +6621,9 @@
           <a:lstStyle/>
           <a:p>
             <a:r>
-              <a:rPr lang="en-US" smtClean="0"/>
+              <a:rPr lang="en-US"/>
               <a:t>Click to edit Master title style</a:t>
             </a:r>
-            <a:endParaRPr lang="en-US"/>
           </a:p>
         </p:txBody>
       </p:sp>
@@ -6725,38 +6677,37 @@
           <a:p>
             <a:pPr lvl="0"/>
             <a:r>
-              <a:rPr lang="en-US" smtClean="0"/>
+              <a:rPr lang="en-US"/>
               <a:t>Click to edit Master text styles</a:t>
             </a:r>
           </a:p>
           <a:p>
             <a:pPr lvl="1"/>
             <a:r>
-              <a:rPr lang="en-US" smtClean="0"/>
+              <a:rPr lang="en-US"/>
               <a:t>Second level</a:t>
             </a:r>
           </a:p>
           <a:p>
             <a:pPr lvl="2"/>
             <a:r>
-              <a:rPr lang="en-US" smtClean="0"/>
+              <a:rPr lang="en-US"/>
               <a:t>Third level</a:t>
             </a:r>
           </a:p>
           <a:p>
             <a:pPr lvl="3"/>
             <a:r>
-              <a:rPr lang="en-US" smtClean="0"/>
+              <a:rPr lang="en-US"/>
               <a:t>Fourth level</a:t>
             </a:r>
           </a:p>
           <a:p>
             <a:pPr lvl="4"/>
             <a:r>
-              <a:rPr lang="en-US" smtClean="0"/>
+              <a:rPr lang="en-US"/>
               <a:t>Fifth level</a:t>
             </a:r>
-            <a:endParaRPr lang="en-US"/>
           </a:p>
         </p:txBody>
       </p:sp>
@@ -6810,38 +6761,37 @@
           <a:p>
             <a:pPr lvl="0"/>
             <a:r>
-              <a:rPr lang="en-US" smtClean="0"/>
+              <a:rPr lang="en-US"/>
               <a:t>Click to edit Master text styles</a:t>
             </a:r>
           </a:p>
           <a:p>
             <a:pPr lvl="1"/>
             <a:r>
-              <a:rPr lang="en-US" smtClean="0"/>
+              <a:rPr lang="en-US"/>
               <a:t>Second level</a:t>
             </a:r>
           </a:p>
           <a:p>
             <a:pPr lvl="2"/>
             <a:r>
-              <a:rPr lang="en-US" smtClean="0"/>
+              <a:rPr lang="en-US"/>
               <a:t>Third level</a:t>
             </a:r>
           </a:p>
           <a:p>
             <a:pPr lvl="3"/>
             <a:r>
-              <a:rPr lang="en-US" smtClean="0"/>
+              <a:rPr lang="en-US"/>
               <a:t>Fourth level</a:t>
             </a:r>
           </a:p>
           <a:p>
             <a:pPr lvl="4"/>
             <a:r>
-              <a:rPr lang="en-US" smtClean="0"/>
+              <a:rPr lang="en-US"/>
               <a:t>Fifth level</a:t>
             </a:r>
-            <a:endParaRPr lang="en-US"/>
           </a:p>
         </p:txBody>
       </p:sp>
@@ -6862,7 +6812,7 @@
           <a:p>
             <a:fld id="{4B1E226B-FA54-4BDC-8201-19269D734AFD}" type="datetime1">
               <a:rPr lang="en-US" smtClean="0"/>
-              <a:t>1/26/2016</a:t>
+              <a:t>1/23/2017</a:t>
             </a:fld>
             <a:endParaRPr lang="en-US"/>
           </a:p>
@@ -6960,10 +6910,9 @@
           </a:lstStyle>
           <a:p>
             <a:r>
-              <a:rPr lang="en-US" smtClean="0"/>
+              <a:rPr lang="en-US"/>
               <a:t>Click to edit Master title style</a:t>
             </a:r>
-            <a:endParaRPr lang="en-US"/>
           </a:p>
         </p:txBody>
       </p:sp>
@@ -7026,7 +6975,7 @@
           <a:p>
             <a:pPr lvl="0"/>
             <a:r>
-              <a:rPr lang="en-US" smtClean="0"/>
+              <a:rPr lang="en-US"/>
               <a:t>Click to edit Master text styles</a:t>
             </a:r>
           </a:p>
@@ -7082,38 +7031,37 @@
           <a:p>
             <a:pPr lvl="0"/>
             <a:r>
-              <a:rPr lang="en-US" smtClean="0"/>
+              <a:rPr lang="en-US"/>
               <a:t>Click to edit Master text styles</a:t>
             </a:r>
           </a:p>
           <a:p>
             <a:pPr lvl="1"/>
             <a:r>
-              <a:rPr lang="en-US" smtClean="0"/>
+              <a:rPr lang="en-US"/>
               <a:t>Second level</a:t>
             </a:r>
           </a:p>
           <a:p>
             <a:pPr lvl="2"/>
             <a:r>
-              <a:rPr lang="en-US" smtClean="0"/>
+              <a:rPr lang="en-US"/>
               <a:t>Third level</a:t>
             </a:r>
           </a:p>
           <a:p>
             <a:pPr lvl="3"/>
             <a:r>
-              <a:rPr lang="en-US" smtClean="0"/>
+              <a:rPr lang="en-US"/>
               <a:t>Fourth level</a:t>
             </a:r>
           </a:p>
           <a:p>
             <a:pPr lvl="4"/>
             <a:r>
-              <a:rPr lang="en-US" smtClean="0"/>
+              <a:rPr lang="en-US"/>
               <a:t>Fifth level</a:t>
             </a:r>
-            <a:endParaRPr lang="en-US"/>
           </a:p>
         </p:txBody>
       </p:sp>
@@ -7176,7 +7124,7 @@
           <a:p>
             <a:pPr lvl="0"/>
             <a:r>
-              <a:rPr lang="en-US" smtClean="0"/>
+              <a:rPr lang="en-US"/>
               <a:t>Click to edit Master text styles</a:t>
             </a:r>
           </a:p>
@@ -7232,38 +7180,37 @@
           <a:p>
             <a:pPr lvl="0"/>
             <a:r>
-              <a:rPr lang="en-US" smtClean="0"/>
+              <a:rPr lang="en-US"/>
               <a:t>Click to edit Master text styles</a:t>
             </a:r>
           </a:p>
           <a:p>
             <a:pPr lvl="1"/>
             <a:r>
-              <a:rPr lang="en-US" smtClean="0"/>
+              <a:rPr lang="en-US"/>
               <a:t>Second level</a:t>
             </a:r>
           </a:p>
           <a:p>
             <a:pPr lvl="2"/>
             <a:r>
-              <a:rPr lang="en-US" smtClean="0"/>
+              <a:rPr lang="en-US"/>
               <a:t>Third level</a:t>
             </a:r>
           </a:p>
           <a:p>
             <a:pPr lvl="3"/>
             <a:r>
-              <a:rPr lang="en-US" smtClean="0"/>
+              <a:rPr lang="en-US"/>
               <a:t>Fourth level</a:t>
             </a:r>
           </a:p>
           <a:p>
             <a:pPr lvl="4"/>
             <a:r>
-              <a:rPr lang="en-US" smtClean="0"/>
+              <a:rPr lang="en-US"/>
               <a:t>Fifth level</a:t>
             </a:r>
-            <a:endParaRPr lang="en-US"/>
           </a:p>
         </p:txBody>
       </p:sp>
@@ -7284,7 +7231,7 @@
           <a:p>
             <a:fld id="{A48FD302-A4C5-460E-821E-F0758F7B09DB}" type="datetime1">
               <a:rPr lang="en-US" smtClean="0"/>
-              <a:t>1/26/2016</a:t>
+              <a:t>1/23/2017</a:t>
             </a:fld>
             <a:endParaRPr lang="en-US"/>
           </a:p>
@@ -7378,10 +7325,9 @@
           <a:lstStyle/>
           <a:p>
             <a:r>
-              <a:rPr lang="en-US" smtClean="0"/>
+              <a:rPr lang="en-US"/>
               <a:t>Click to edit Master title style</a:t>
             </a:r>
-            <a:endParaRPr lang="en-US"/>
           </a:p>
         </p:txBody>
       </p:sp>
@@ -7402,7 +7348,7 @@
           <a:p>
             <a:fld id="{64F717C0-D4DB-442B-8C0B-8E7BE0603337}" type="datetime1">
               <a:rPr lang="en-US" smtClean="0"/>
-              <a:t>1/26/2016</a:t>
+              <a:t>1/23/2017</a:t>
             </a:fld>
             <a:endParaRPr lang="en-US"/>
           </a:p>
@@ -7497,7 +7443,7 @@
           <a:p>
             <a:fld id="{63D346FC-DDDE-41B4-8118-AA4FFA556266}" type="datetime1">
               <a:rPr lang="en-US" smtClean="0"/>
-              <a:t>1/26/2016</a:t>
+              <a:t>1/23/2017</a:t>
             </a:fld>
             <a:endParaRPr lang="en-US"/>
           </a:p>
@@ -7600,10 +7546,9 @@
           </a:lstStyle>
           <a:p>
             <a:r>
-              <a:rPr lang="en-US" smtClean="0"/>
+              <a:rPr lang="en-US"/>
               <a:t>Click to edit Master title style</a:t>
             </a:r>
-            <a:endParaRPr lang="en-US"/>
           </a:p>
         </p:txBody>
       </p:sp>
@@ -7657,38 +7602,37 @@
           <a:p>
             <a:pPr lvl="0"/>
             <a:r>
-              <a:rPr lang="en-US" smtClean="0"/>
+              <a:rPr lang="en-US"/>
               <a:t>Click to edit Master text styles</a:t>
             </a:r>
           </a:p>
           <a:p>
             <a:pPr lvl="1"/>
             <a:r>
-              <a:rPr lang="en-US" smtClean="0"/>
+              <a:rPr lang="en-US"/>
               <a:t>Second level</a:t>
             </a:r>
           </a:p>
           <a:p>
             <a:pPr lvl="2"/>
             <a:r>
-              <a:rPr lang="en-US" smtClean="0"/>
+              <a:rPr lang="en-US"/>
               <a:t>Third level</a:t>
             </a:r>
           </a:p>
           <a:p>
             <a:pPr lvl="3"/>
             <a:r>
-              <a:rPr lang="en-US" smtClean="0"/>
+              <a:rPr lang="en-US"/>
               <a:t>Fourth level</a:t>
             </a:r>
           </a:p>
           <a:p>
             <a:pPr lvl="4"/>
             <a:r>
-              <a:rPr lang="en-US" smtClean="0"/>
+              <a:rPr lang="en-US"/>
               <a:t>Fifth level</a:t>
             </a:r>
-            <a:endParaRPr lang="en-US"/>
           </a:p>
         </p:txBody>
       </p:sp>
@@ -7751,7 +7695,7 @@
           <a:p>
             <a:pPr lvl="0"/>
             <a:r>
-              <a:rPr lang="en-US" smtClean="0"/>
+              <a:rPr lang="en-US"/>
               <a:t>Click to edit Master text styles</a:t>
             </a:r>
           </a:p>
@@ -7774,7 +7718,7 @@
           <a:p>
             <a:fld id="{ADB0AC3C-FFED-4EAE-A34D-B9688C9307A5}" type="datetime1">
               <a:rPr lang="en-US" smtClean="0"/>
-              <a:t>1/26/2016</a:t>
+              <a:t>1/23/2017</a:t>
             </a:fld>
             <a:endParaRPr lang="en-US"/>
           </a:p>
@@ -7877,10 +7821,9 @@
           </a:lstStyle>
           <a:p>
             <a:r>
-              <a:rPr lang="en-US" smtClean="0"/>
+              <a:rPr lang="en-US"/>
               <a:t>Click to edit Master title style</a:t>
             </a:r>
-            <a:endParaRPr lang="en-US"/>
           </a:p>
         </p:txBody>
       </p:sp>
@@ -8004,7 +7947,7 @@
           <a:p>
             <a:pPr lvl="0"/>
             <a:r>
-              <a:rPr lang="en-US" smtClean="0"/>
+              <a:rPr lang="en-US"/>
               <a:t>Click to edit Master text styles</a:t>
             </a:r>
           </a:p>
@@ -8027,7 +7970,7 @@
           <a:p>
             <a:fld id="{D7BB1A1F-54B4-4384-8791-9183BFC3954E}" type="datetime1">
               <a:rPr lang="en-US" smtClean="0"/>
-              <a:t>1/26/2016</a:t>
+              <a:t>1/23/2017</a:t>
             </a:fld>
             <a:endParaRPr lang="en-US"/>
           </a:p>
@@ -8136,10 +8079,9 @@
           <a:lstStyle/>
           <a:p>
             <a:r>
-              <a:rPr lang="en-US" smtClean="0"/>
+              <a:rPr lang="en-US"/>
               <a:t>Click to edit Master title style</a:t>
             </a:r>
-            <a:endParaRPr lang="en-US"/>
           </a:p>
         </p:txBody>
       </p:sp>
@@ -8170,38 +8112,37 @@
           <a:p>
             <a:pPr lvl="0"/>
             <a:r>
-              <a:rPr lang="en-US" smtClean="0"/>
+              <a:rPr lang="en-US"/>
               <a:t>Click to edit Master text styles</a:t>
             </a:r>
           </a:p>
           <a:p>
             <a:pPr lvl="1"/>
             <a:r>
-              <a:rPr lang="en-US" smtClean="0"/>
+              <a:rPr lang="en-US"/>
               <a:t>Second level</a:t>
             </a:r>
           </a:p>
           <a:p>
             <a:pPr lvl="2"/>
             <a:r>
-              <a:rPr lang="en-US" smtClean="0"/>
+              <a:rPr lang="en-US"/>
               <a:t>Third level</a:t>
             </a:r>
           </a:p>
           <a:p>
             <a:pPr lvl="3"/>
             <a:r>
-              <a:rPr lang="en-US" smtClean="0"/>
+              <a:rPr lang="en-US"/>
               <a:t>Fourth level</a:t>
             </a:r>
           </a:p>
           <a:p>
             <a:pPr lvl="4"/>
             <a:r>
-              <a:rPr lang="en-US" smtClean="0"/>
+              <a:rPr lang="en-US"/>
               <a:t>Fifth level</a:t>
             </a:r>
-            <a:endParaRPr lang="en-US"/>
           </a:p>
         </p:txBody>
       </p:sp>
@@ -8240,7 +8181,7 @@
           <a:p>
             <a:fld id="{4FF4215C-EF9E-4499-8028-3F6D416200A1}" type="datetime1">
               <a:rPr lang="en-US" smtClean="0"/>
-              <a:t>1/26/2016</a:t>
+              <a:t>1/23/2017</a:t>
             </a:fld>
             <a:endParaRPr lang="en-US"/>
           </a:p>
@@ -8652,10 +8593,9 @@
           <a:lstStyle/>
           <a:p>
             <a:r>
-              <a:rPr lang="en-US" smtClean="0"/>
+              <a:rPr lang="en-US"/>
               <a:t>Click to edit Master title style</a:t>
             </a:r>
-            <a:endParaRPr lang="en-US"/>
           </a:p>
         </p:txBody>
       </p:sp>
@@ -8686,38 +8626,37 @@
           <a:p>
             <a:pPr lvl="0"/>
             <a:r>
-              <a:rPr lang="en-US" smtClean="0"/>
+              <a:rPr lang="en-US"/>
               <a:t>Click to edit Master text styles</a:t>
             </a:r>
           </a:p>
           <a:p>
             <a:pPr lvl="1"/>
             <a:r>
-              <a:rPr lang="en-US" smtClean="0"/>
+              <a:rPr lang="en-US"/>
               <a:t>Second level</a:t>
             </a:r>
           </a:p>
           <a:p>
             <a:pPr lvl="2"/>
             <a:r>
-              <a:rPr lang="en-US" smtClean="0"/>
+              <a:rPr lang="en-US"/>
               <a:t>Third level</a:t>
             </a:r>
           </a:p>
           <a:p>
             <a:pPr lvl="3"/>
             <a:r>
-              <a:rPr lang="en-US" smtClean="0"/>
+              <a:rPr lang="en-US"/>
               <a:t>Fourth level</a:t>
             </a:r>
           </a:p>
           <a:p>
             <a:pPr lvl="4"/>
             <a:r>
-              <a:rPr lang="en-US" smtClean="0"/>
+              <a:rPr lang="en-US"/>
               <a:t>Fifth level</a:t>
             </a:r>
-            <a:endParaRPr lang="en-US"/>
           </a:p>
         </p:txBody>
       </p:sp>
@@ -8756,7 +8695,7 @@
           <a:p>
             <a:fld id="{A4E079AD-47BF-4602-90E1-6DFC049A5484}" type="datetime1">
               <a:rPr lang="en-US" smtClean="0"/>
-              <a:t>1/26/2016</a:t>
+              <a:t>1/23/2017</a:t>
             </a:fld>
             <a:endParaRPr lang="en-US"/>
           </a:p>
@@ -9166,10 +9105,9 @@
           <a:lstStyle/>
           <a:p>
             <a:r>
-              <a:rPr lang="en-US" dirty="0" smtClean="0"/>
+              <a:rPr lang="en-US" dirty="0"/>
               <a:t>Click to edit Master title style</a:t>
             </a:r>
-            <a:endParaRPr lang="en-US" dirty="0"/>
           </a:p>
         </p:txBody>
       </p:sp>
@@ -9200,38 +9138,37 @@
           <a:p>
             <a:pPr lvl="0"/>
             <a:r>
-              <a:rPr lang="en-US" smtClean="0"/>
+              <a:rPr lang="en-US"/>
               <a:t>Click to edit Master text styles</a:t>
             </a:r>
           </a:p>
           <a:p>
             <a:pPr lvl="1"/>
             <a:r>
-              <a:rPr lang="en-US" smtClean="0"/>
+              <a:rPr lang="en-US"/>
               <a:t>Second level</a:t>
             </a:r>
           </a:p>
           <a:p>
             <a:pPr lvl="2"/>
             <a:r>
-              <a:rPr lang="en-US" smtClean="0"/>
+              <a:rPr lang="en-US"/>
               <a:t>Third level</a:t>
             </a:r>
           </a:p>
           <a:p>
             <a:pPr lvl="3"/>
             <a:r>
-              <a:rPr lang="en-US" smtClean="0"/>
+              <a:rPr lang="en-US"/>
               <a:t>Fourth level</a:t>
             </a:r>
           </a:p>
           <a:p>
             <a:pPr lvl="4"/>
             <a:r>
-              <a:rPr lang="en-US" smtClean="0"/>
+              <a:rPr lang="en-US"/>
               <a:t>Fifth level</a:t>
             </a:r>
-            <a:endParaRPr lang="en-US"/>
           </a:p>
         </p:txBody>
       </p:sp>
@@ -9270,7 +9207,7 @@
           <a:p>
             <a:fld id="{C3A25FC6-4A5B-4D03-B6E2-74CEF1309020}" type="datetime1">
               <a:rPr lang="en-US" smtClean="0"/>
-              <a:t>1/26/2016</a:t>
+              <a:t>1/23/2017</a:t>
             </a:fld>
             <a:endParaRPr lang="en-US"/>
           </a:p>
@@ -9672,7 +9609,7 @@
           <a:p>
             <a:pPr algn="ctr"/>
             <a:r>
-              <a:rPr lang="en-SG" b="1" smtClean="0">
+              <a:rPr lang="en-SG" b="1">
                 <a:solidFill>
                   <a:srgbClr val="FFFF00"/>
                 </a:solidFill>
@@ -9683,18 +9620,13 @@
           <a:p>
             <a:pPr algn="ctr"/>
             <a:r>
-              <a:rPr lang="en-SG" smtClean="0">
+              <a:rPr lang="en-SG">
                 <a:solidFill>
                   <a:srgbClr val="FFFFFF"/>
                 </a:solidFill>
               </a:rPr>
               <a:t>Adjust the design of this slide and click the 'Sync Agenda' (in Agenda Lab) to replicate the design in the other slides.</a:t>
             </a:r>
-            <a:endParaRPr lang="en-SG">
-              <a:solidFill>
-                <a:srgbClr val="FFFFFF"/>
-              </a:solidFill>
-            </a:endParaRPr>
           </a:p>
         </p:txBody>
       </p:sp>
@@ -9818,18 +9750,13 @@
             <a:lstStyle/>
             <a:p>
               <a:r>
-                <a:rPr lang="en-SG" smtClean="0">
+                <a:rPr lang="en-SG">
                   <a:solidFill>
                     <a:srgbClr val="FFFFFF"/>
                   </a:solidFill>
                 </a:rPr>
                 <a:t>One Slide</a:t>
               </a:r>
-              <a:endParaRPr lang="en-SG">
-                <a:solidFill>
-                  <a:srgbClr val="FFFFFF"/>
-                </a:solidFill>
-              </a:endParaRPr>
             </a:p>
           </p:txBody>
         </p:sp>
@@ -9856,18 +9783,13 @@
             <a:lstStyle/>
             <a:p>
               <a:r>
-                <a:rPr lang="en-SG" smtClean="0">
+                <a:rPr lang="en-SG">
                   <a:solidFill>
                     <a:srgbClr val="FFFFFF"/>
                   </a:solidFill>
                 </a:rPr>
                 <a:t>Two Slides</a:t>
               </a:r>
-              <a:endParaRPr lang="en-SG">
-                <a:solidFill>
-                  <a:srgbClr val="FFFFFF"/>
-                </a:solidFill>
-              </a:endParaRPr>
             </a:p>
           </p:txBody>
         </p:sp>
@@ -9894,18 +9816,13 @@
             <a:lstStyle/>
             <a:p>
               <a:r>
-                <a:rPr lang="en-SG" smtClean="0">
+                <a:rPr lang="en-SG">
                   <a:solidFill>
                     <a:srgbClr val="FFFFFF"/>
                   </a:solidFill>
                 </a:rPr>
                 <a:t>Same Name</a:t>
               </a:r>
-              <a:endParaRPr lang="en-SG">
-                <a:solidFill>
-                  <a:srgbClr val="FFFFFF"/>
-                </a:solidFill>
-              </a:endParaRPr>
             </a:p>
           </p:txBody>
         </p:sp>
@@ -9932,18 +9849,13 @@
             <a:lstStyle/>
             <a:p>
               <a:r>
-                <a:rPr lang="en-SG" smtClean="0">
+                <a:rPr lang="en-SG">
                   <a:solidFill>
                     <a:srgbClr val="FFFFFF"/>
                   </a:solidFill>
                 </a:rPr>
                 <a:t>Same Name</a:t>
               </a:r>
-              <a:endParaRPr lang="en-SG">
-                <a:solidFill>
-                  <a:srgbClr val="FFFFFF"/>
-                </a:solidFill>
-              </a:endParaRPr>
             </a:p>
           </p:txBody>
         </p:sp>
@@ -9970,7 +9882,7 @@
             <a:lstStyle/>
             <a:p>
               <a:r>
-                <a:rPr lang="ja-JP" altLang="en-US" smtClean="0">
+                <a:rPr lang="ja-JP" altLang="en-US">
                   <a:solidFill>
                     <a:srgbClr val="FFFFFF"/>
                   </a:solidFill>
@@ -9978,18 +9890,13 @@
                 <a:t>あいうえお</a:t>
               </a:r>
               <a:r>
-                <a:rPr lang="en-SG" smtClean="0">
+                <a:rPr lang="en-SG">
                   <a:solidFill>
                     <a:srgbClr val="FFFFFF"/>
                   </a:solidFill>
                 </a:rPr>
                 <a:t>kl)(*&amp;%$#@85v_+)0_@#%L:CF]1</a:t>
               </a:r>
-              <a:endParaRPr lang="en-SG">
-                <a:solidFill>
-                  <a:srgbClr val="FFFFFF"/>
-                </a:solidFill>
-              </a:endParaRPr>
             </a:p>
           </p:txBody>
         </p:sp>
@@ -10018,18 +9925,13 @@
             <a:lstStyle/>
             <a:p>
               <a:r>
-                <a:rPr lang="en-SG" smtClean="0">
+                <a:rPr lang="en-SG">
                   <a:solidFill>
                     <a:srgbClr val="FFFF00"/>
                   </a:solidFill>
                 </a:rPr>
                 <a:t>Highlighted</a:t>
               </a:r>
-              <a:endParaRPr lang="en-SG">
-                <a:solidFill>
-                  <a:srgbClr val="FFFF00"/>
-                </a:solidFill>
-              </a:endParaRPr>
             </a:p>
           </p:txBody>
         </p:sp>
@@ -10044,14 +9946,6 @@
   <p:clrMapOvr>
     <a:masterClrMapping/>
   </p:clrMapOvr>
-  <mc:AlternateContent xmlns:mc="http://schemas.openxmlformats.org/markup-compatibility/2006">
-    <mc:Choice xmlns:p14="http://schemas.microsoft.com/office/powerpoint/2010/main" Requires="p14">
-      <p:transition spd="slow" p14:dur="2000"/>
-    </mc:Choice>
-    <mc:Fallback>
-      <p:transition spd="slow"/>
-    </mc:Fallback>
-  </mc:AlternateContent>
   <p:timing>
     <p:tnLst>
       <p:par>
@@ -10309,18 +10203,13 @@
             <a:lstStyle/>
             <a:p>
               <a:r>
-                <a:rPr lang="en-SG" smtClean="0">
+                <a:rPr lang="en-SG">
                   <a:solidFill>
                     <a:srgbClr val="FFFFFF"/>
                   </a:solidFill>
                 </a:rPr>
                 <a:t>One Slide</a:t>
               </a:r>
-              <a:endParaRPr lang="en-SG">
-                <a:solidFill>
-                  <a:srgbClr val="FFFFFF"/>
-                </a:solidFill>
-              </a:endParaRPr>
             </a:p>
           </p:txBody>
         </p:sp>
@@ -10347,18 +10236,13 @@
             <a:lstStyle/>
             <a:p>
               <a:r>
-                <a:rPr lang="en-SG" smtClean="0">
+                <a:rPr lang="en-SG">
                   <a:solidFill>
                     <a:srgbClr val="FFFFFF"/>
                   </a:solidFill>
                 </a:rPr>
                 <a:t>Two Slides</a:t>
               </a:r>
-              <a:endParaRPr lang="en-SG">
-                <a:solidFill>
-                  <a:srgbClr val="FFFFFF"/>
-                </a:solidFill>
-              </a:endParaRPr>
             </a:p>
           </p:txBody>
         </p:sp>
@@ -10385,18 +10269,13 @@
             <a:lstStyle/>
             <a:p>
               <a:r>
-                <a:rPr lang="en-SG" smtClean="0">
+                <a:rPr lang="en-SG">
                   <a:solidFill>
                     <a:srgbClr val="FFFFFF"/>
                   </a:solidFill>
                 </a:rPr>
                 <a:t>Same Name</a:t>
               </a:r>
-              <a:endParaRPr lang="en-SG">
-                <a:solidFill>
-                  <a:srgbClr val="FFFFFF"/>
-                </a:solidFill>
-              </a:endParaRPr>
             </a:p>
           </p:txBody>
         </p:sp>
@@ -10424,18 +10303,13 @@
             <a:p>
               <a:pPr lvl="0"/>
               <a:r>
-                <a:rPr lang="en-SG" smtClean="0">
+                <a:rPr lang="en-SG">
                   <a:solidFill>
                     <a:srgbClr val="FFFF00"/>
                   </a:solidFill>
                 </a:rPr>
                 <a:t>Same Name</a:t>
               </a:r>
-              <a:endParaRPr lang="en-SG">
-                <a:solidFill>
-                  <a:srgbClr val="FFFF00"/>
-                </a:solidFill>
-              </a:endParaRPr>
             </a:p>
           </p:txBody>
         </p:sp>
@@ -10462,7 +10336,7 @@
             <a:lstStyle/>
             <a:p>
               <a:r>
-                <a:rPr lang="ja-JP" altLang="en-US" smtClean="0">
+                <a:rPr lang="ja-JP" altLang="en-US">
                   <a:solidFill>
                     <a:srgbClr val="FFFFFF"/>
                   </a:solidFill>
@@ -10470,18 +10344,13 @@
                 <a:t>あいうえお</a:t>
               </a:r>
               <a:r>
-                <a:rPr lang="en-SG" smtClean="0">
+                <a:rPr lang="en-SG">
                   <a:solidFill>
                     <a:srgbClr val="FFFFFF"/>
                   </a:solidFill>
                 </a:rPr>
                 <a:t>kl)(*&amp;%$#@85v_+)0_@#%L:CF]1</a:t>
               </a:r>
-              <a:endParaRPr lang="en-SG">
-                <a:solidFill>
-                  <a:srgbClr val="FFFFFF"/>
-                </a:solidFill>
-              </a:endParaRPr>
             </a:p>
           </p:txBody>
         </p:sp>
@@ -10496,13 +10365,6 @@
   <p:clrMapOvr>
     <a:masterClrMapping/>
   </p:clrMapOvr>
-  <p:timing>
-    <p:tnLst>
-      <p:par>
-        <p:cTn id="1" dur="indefinite" restart="never" nodeType="tmRoot"/>
-      </p:par>
-    </p:tnLst>
-  </p:timing>
 </p:sld>
 </file>
 
@@ -10652,18 +10514,13 @@
             <a:lstStyle/>
             <a:p>
               <a:r>
-                <a:rPr lang="en-SG" smtClean="0">
+                <a:rPr lang="en-SG">
                   <a:solidFill>
                     <a:srgbClr val="FFFFFF"/>
                   </a:solidFill>
                 </a:rPr>
                 <a:t>One Slide</a:t>
               </a:r>
-              <a:endParaRPr lang="en-SG">
-                <a:solidFill>
-                  <a:srgbClr val="FFFFFF"/>
-                </a:solidFill>
-              </a:endParaRPr>
             </a:p>
           </p:txBody>
         </p:sp>
@@ -10690,18 +10547,13 @@
             <a:lstStyle/>
             <a:p>
               <a:r>
-                <a:rPr lang="en-SG" smtClean="0">
+                <a:rPr lang="en-SG">
                   <a:solidFill>
                     <a:srgbClr val="FFFFFF"/>
                   </a:solidFill>
                 </a:rPr>
                 <a:t>Two Slides</a:t>
               </a:r>
-              <a:endParaRPr lang="en-SG">
-                <a:solidFill>
-                  <a:srgbClr val="FFFFFF"/>
-                </a:solidFill>
-              </a:endParaRPr>
             </a:p>
           </p:txBody>
         </p:sp>
@@ -10728,18 +10580,13 @@
             <a:lstStyle/>
             <a:p>
               <a:r>
-                <a:rPr lang="en-SG" smtClean="0">
+                <a:rPr lang="en-SG">
                   <a:solidFill>
                     <a:srgbClr val="FFFFFF"/>
                   </a:solidFill>
                 </a:rPr>
                 <a:t>Same Name</a:t>
               </a:r>
-              <a:endParaRPr lang="en-SG">
-                <a:solidFill>
-                  <a:srgbClr val="FFFFFF"/>
-                </a:solidFill>
-              </a:endParaRPr>
             </a:p>
           </p:txBody>
         </p:sp>
@@ -10767,18 +10614,13 @@
             <a:p>
               <a:pPr lvl="0"/>
               <a:r>
-                <a:rPr lang="en-SG" smtClean="0">
+                <a:rPr lang="en-SG">
                   <a:solidFill>
                     <a:srgbClr val="FFFF00"/>
                   </a:solidFill>
                 </a:rPr>
                 <a:t>Same Name</a:t>
               </a:r>
-              <a:endParaRPr lang="en-SG">
-                <a:solidFill>
-                  <a:srgbClr val="FFFF00"/>
-                </a:solidFill>
-              </a:endParaRPr>
             </a:p>
           </p:txBody>
         </p:sp>
@@ -10805,7 +10647,7 @@
             <a:lstStyle/>
             <a:p>
               <a:r>
-                <a:rPr lang="ja-JP" altLang="en-US" smtClean="0">
+                <a:rPr lang="ja-JP" altLang="en-US">
                   <a:solidFill>
                     <a:srgbClr val="FFFFFF"/>
                   </a:solidFill>
@@ -10813,18 +10655,13 @@
                 <a:t>あいうえお</a:t>
               </a:r>
               <a:r>
-                <a:rPr lang="en-SG" smtClean="0">
+                <a:rPr lang="en-SG">
                   <a:solidFill>
                     <a:srgbClr val="FFFFFF"/>
                   </a:solidFill>
                 </a:rPr>
                 <a:t>kl)(*&amp;%$#@85v_+)0_@#%L:CF]1</a:t>
               </a:r>
-              <a:endParaRPr lang="en-SG">
-                <a:solidFill>
-                  <a:srgbClr val="FFFFFF"/>
-                </a:solidFill>
-              </a:endParaRPr>
             </a:p>
           </p:txBody>
         </p:sp>
@@ -10839,13 +10676,6 @@
   <p:clrMapOvr>
     <a:masterClrMapping/>
   </p:clrMapOvr>
-  <p:timing>
-    <p:tnLst>
-      <p:par>
-        <p:cTn id="1" dur="indefinite" restart="never" nodeType="tmRoot"/>
-      </p:par>
-    </p:tnLst>
-  </p:timing>
 </p:sld>
 </file>
 
@@ -10986,18 +10816,13 @@
             <a:lstStyle/>
             <a:p>
               <a:r>
-                <a:rPr lang="en-SG" smtClean="0">
+                <a:rPr lang="en-SG">
                   <a:solidFill>
                     <a:srgbClr val="FFFFFF"/>
                   </a:solidFill>
                 </a:rPr>
                 <a:t>One Slide</a:t>
               </a:r>
-              <a:endParaRPr lang="en-SG">
-                <a:solidFill>
-                  <a:srgbClr val="FFFFFF"/>
-                </a:solidFill>
-              </a:endParaRPr>
             </a:p>
           </p:txBody>
         </p:sp>
@@ -11024,18 +10849,13 @@
             <a:lstStyle/>
             <a:p>
               <a:r>
-                <a:rPr lang="en-SG" smtClean="0">
+                <a:rPr lang="en-SG">
                   <a:solidFill>
                     <a:srgbClr val="FFFFFF"/>
                   </a:solidFill>
                 </a:rPr>
                 <a:t>Two Slides</a:t>
               </a:r>
-              <a:endParaRPr lang="en-SG">
-                <a:solidFill>
-                  <a:srgbClr val="FFFFFF"/>
-                </a:solidFill>
-              </a:endParaRPr>
             </a:p>
           </p:txBody>
         </p:sp>
@@ -11062,18 +10882,13 @@
             <a:lstStyle/>
             <a:p>
               <a:r>
-                <a:rPr lang="en-SG" smtClean="0">
+                <a:rPr lang="en-SG">
                   <a:solidFill>
                     <a:srgbClr val="FFFFFF"/>
                   </a:solidFill>
                 </a:rPr>
                 <a:t>Same Name</a:t>
               </a:r>
-              <a:endParaRPr lang="en-SG">
-                <a:solidFill>
-                  <a:srgbClr val="FFFFFF"/>
-                </a:solidFill>
-              </a:endParaRPr>
             </a:p>
           </p:txBody>
         </p:sp>
@@ -11101,18 +10916,13 @@
             <a:p>
               <a:pPr lvl="0"/>
               <a:r>
-                <a:rPr lang="en-SG" smtClean="0">
+                <a:rPr lang="en-SG">
                   <a:solidFill>
                     <a:srgbClr val="FFFF00"/>
                   </a:solidFill>
                 </a:rPr>
                 <a:t>Same Name</a:t>
               </a:r>
-              <a:endParaRPr lang="en-SG">
-                <a:solidFill>
-                  <a:srgbClr val="FFFF00"/>
-                </a:solidFill>
-              </a:endParaRPr>
             </a:p>
           </p:txBody>
         </p:sp>
@@ -11139,7 +10949,7 @@
             <a:lstStyle/>
             <a:p>
               <a:r>
-                <a:rPr lang="ja-JP" altLang="en-US" smtClean="0">
+                <a:rPr lang="ja-JP" altLang="en-US">
                   <a:solidFill>
                     <a:srgbClr val="FFFFFF"/>
                   </a:solidFill>
@@ -11147,18 +10957,13 @@
                 <a:t>あいうえお</a:t>
               </a:r>
               <a:r>
-                <a:rPr lang="en-SG" smtClean="0">
+                <a:rPr lang="en-SG">
                   <a:solidFill>
                     <a:srgbClr val="FFFFFF"/>
                   </a:solidFill>
                 </a:rPr>
                 <a:t>kl)(*&amp;%$#@85v_+)0_@#%L:CF]1</a:t>
               </a:r>
-              <a:endParaRPr lang="en-SG">
-                <a:solidFill>
-                  <a:srgbClr val="FFFFFF"/>
-                </a:solidFill>
-              </a:endParaRPr>
             </a:p>
           </p:txBody>
         </p:sp>
@@ -11173,13 +10978,6 @@
   <p:clrMapOvr>
     <a:masterClrMapping/>
   </p:clrMapOvr>
-  <p:timing>
-    <p:tnLst>
-      <p:par>
-        <p:cTn id="1" dur="indefinite" restart="never" nodeType="tmRoot"/>
-      </p:par>
-    </p:tnLst>
-  </p:timing>
 </p:sld>
 </file>
 
@@ -11328,18 +11126,13 @@
             <a:lstStyle/>
             <a:p>
               <a:r>
-                <a:rPr lang="en-SG" smtClean="0">
+                <a:rPr lang="en-SG">
                   <a:solidFill>
                     <a:srgbClr val="FFFFFF"/>
                   </a:solidFill>
                 </a:rPr>
                 <a:t>One Slide</a:t>
               </a:r>
-              <a:endParaRPr lang="en-SG">
-                <a:solidFill>
-                  <a:srgbClr val="FFFFFF"/>
-                </a:solidFill>
-              </a:endParaRPr>
             </a:p>
           </p:txBody>
         </p:sp>
@@ -11366,18 +11159,13 @@
             <a:lstStyle/>
             <a:p>
               <a:r>
-                <a:rPr lang="en-SG" smtClean="0">
+                <a:rPr lang="en-SG">
                   <a:solidFill>
                     <a:srgbClr val="FFFFFF"/>
                   </a:solidFill>
                 </a:rPr>
                 <a:t>Two Slides</a:t>
               </a:r>
-              <a:endParaRPr lang="en-SG">
-                <a:solidFill>
-                  <a:srgbClr val="FFFFFF"/>
-                </a:solidFill>
-              </a:endParaRPr>
             </a:p>
           </p:txBody>
         </p:sp>
@@ -11404,18 +11192,13 @@
             <a:lstStyle/>
             <a:p>
               <a:r>
-                <a:rPr lang="en-SG" smtClean="0">
+                <a:rPr lang="en-SG">
                   <a:solidFill>
                     <a:srgbClr val="FFFFFF"/>
                   </a:solidFill>
                 </a:rPr>
                 <a:t>Same Name</a:t>
               </a:r>
-              <a:endParaRPr lang="en-SG">
-                <a:solidFill>
-                  <a:srgbClr val="FFFFFF"/>
-                </a:solidFill>
-              </a:endParaRPr>
             </a:p>
           </p:txBody>
         </p:sp>
@@ -11442,18 +11225,13 @@
             <a:lstStyle/>
             <a:p>
               <a:r>
-                <a:rPr lang="en-SG" smtClean="0">
+                <a:rPr lang="en-SG">
                   <a:solidFill>
                     <a:srgbClr val="FFFFFF"/>
                   </a:solidFill>
                 </a:rPr>
                 <a:t>Same Name</a:t>
               </a:r>
-              <a:endParaRPr lang="en-SG">
-                <a:solidFill>
-                  <a:srgbClr val="FFFFFF"/>
-                </a:solidFill>
-              </a:endParaRPr>
             </a:p>
           </p:txBody>
         </p:sp>
@@ -11481,7 +11259,7 @@
             <a:p>
               <a:pPr lvl="0"/>
               <a:r>
-                <a:rPr lang="ja-JP" altLang="en-US" smtClean="0">
+                <a:rPr lang="ja-JP" altLang="en-US">
                   <a:solidFill>
                     <a:srgbClr val="FFFF00"/>
                   </a:solidFill>
@@ -11489,18 +11267,13 @@
                 <a:t>あいうえお</a:t>
               </a:r>
               <a:r>
-                <a:rPr lang="en-SG" smtClean="0">
+                <a:rPr lang="en-SG">
                   <a:solidFill>
                     <a:srgbClr val="FFFF00"/>
                   </a:solidFill>
                 </a:rPr>
                 <a:t>kl)(*&amp;%$#@85v_+)0_@#%L:CF]1</a:t>
               </a:r>
-              <a:endParaRPr lang="en-SG">
-                <a:solidFill>
-                  <a:srgbClr val="FFFF00"/>
-                </a:solidFill>
-              </a:endParaRPr>
             </a:p>
           </p:txBody>
         </p:sp>
@@ -11515,25 +11288,18 @@
   <p:clrMapOvr>
     <a:masterClrMapping/>
   </p:clrMapOvr>
-  <mc:AlternateContent xmlns:mc="http://schemas.openxmlformats.org/markup-compatibility/2006">
-    <mc:Choice xmlns:p14="http://schemas.microsoft.com/office/powerpoint/2010/main" Requires="p14">
+  <mc:AlternateContent xmlns:mc="http://schemas.openxmlformats.org/markup-compatibility/2006" xmlns:p14="http://schemas.microsoft.com/office/powerpoint/2010/main">
+    <mc:Choice Requires="p14">
       <p:transition p14:dur="250">
         <p:fade/>
       </p:transition>
     </mc:Choice>
-    <mc:Fallback>
+    <mc:Fallback xmlns="">
       <p:transition>
         <p:fade/>
       </p:transition>
     </mc:Fallback>
   </mc:AlternateContent>
-  <p:timing>
-    <p:tnLst>
-      <p:par>
-        <p:cTn id="1" dur="indefinite" restart="never" nodeType="tmRoot"/>
-      </p:par>
-    </p:tnLst>
-  </p:timing>
 </p:sld>
 </file>
 
@@ -11581,7 +11347,7 @@
         <p:nvPicPr>
           <p:cNvPr id="3" name="Picture 2"/>
           <p:cNvPicPr>
-            <a:picLocks/>
+            <a:picLocks noChangeAspect="1"/>
           </p:cNvPicPr>
           <p:nvPr/>
         </p:nvPicPr>
@@ -11599,8 +11365,8 @@
         </p:blipFill>
         <p:spPr>
           <a:xfrm>
-            <a:off x="649224" y="992124"/>
-            <a:ext cx="7845552" cy="4873752"/>
+            <a:off x="0" y="1029202"/>
+            <a:ext cx="9144000" cy="4799596"/>
           </a:xfrm>
           <a:prstGeom prst="rect">
             <a:avLst/>
@@ -11610,21 +11376,13 @@
     </p:spTree>
     <p:extLst>
       <p:ext uri="{BB962C8B-B14F-4D97-AF65-F5344CB8AC3E}">
-        <p14:creationId xmlns:p14="http://schemas.microsoft.com/office/powerpoint/2010/main" val="536140706"/>
+        <p14:creationId xmlns:p14="http://schemas.microsoft.com/office/powerpoint/2010/main" val="2316324545"/>
       </p:ext>
     </p:extLst>
   </p:cSld>
   <p:clrMapOvr>
     <a:masterClrMapping/>
   </p:clrMapOvr>
-  <mc:AlternateContent xmlns:mc="http://schemas.openxmlformats.org/markup-compatibility/2006">
-    <mc:Choice xmlns:p14="http://schemas.microsoft.com/office/powerpoint/2010/main" Requires="p14">
-      <p:transition spd="slow" p14:dur="2000"/>
-    </mc:Choice>
-    <mc:Fallback>
-      <p:transition spd="slow"/>
-    </mc:Fallback>
-  </mc:AlternateContent>
 </p:sld>
 </file>
 
@@ -11663,7 +11421,7 @@
           <a:lstStyle/>
           <a:p>
             <a:r>
-              <a:rPr lang="en-US" sz="5400" b="1" dirty="0" err="1" smtClean="0">
+              <a:rPr lang="en-US" sz="5400" b="1" dirty="0" err="1">
                 <a:solidFill>
                   <a:schemeClr val="accent6">
                     <a:lumMod val="75000"/>
@@ -11673,7 +11431,7 @@
               <a:t>PowerPointLabs</a:t>
             </a:r>
             <a:r>
-              <a:rPr lang="en-US" sz="5400" b="1" dirty="0" smtClean="0">
+              <a:rPr lang="en-US" sz="5400" b="1" dirty="0">
                 <a:solidFill>
                   <a:schemeClr val="accent6">
                     <a:lumMod val="75000"/>
@@ -11711,7 +11469,7 @@
               <a:buNone/>
             </a:pPr>
             <a:r>
-              <a:rPr lang="en-US" b="1" dirty="0" smtClean="0">
+              <a:rPr lang="en-US" b="1" dirty="0">
                 <a:solidFill>
                   <a:srgbClr val="0070C0"/>
                 </a:solidFill>
@@ -11722,34 +11480,21 @@
           <a:p>
             <a:pPr marL="285750" indent="-285750"/>
             <a:r>
-              <a:rPr lang="en-US" b="1" dirty="0" smtClean="0">
-                <a:solidFill>
-                  <a:srgbClr val="0070C0"/>
-                </a:solidFill>
-              </a:rPr>
-              <a:t>DO </a:t>
-            </a:r>
-            <a:r>
               <a:rPr lang="en-US" b="1" dirty="0">
                 <a:solidFill>
                   <a:srgbClr val="0070C0"/>
                 </a:solidFill>
               </a:rPr>
-              <a:t>NOT SAVE </a:t>
-            </a:r>
-            <a:r>
-              <a:rPr lang="en-US" dirty="0" smtClean="0">
+              <a:t>DO NOT SAVE </a:t>
+            </a:r>
+            <a:r>
+              <a:rPr lang="en-US" dirty="0">
                 <a:solidFill>
                   <a:srgbClr val="0070C0"/>
                 </a:solidFill>
               </a:rPr>
               <a:t>these slides after testing. Keep this file in its original form.</a:t>
             </a:r>
-            <a:endParaRPr lang="en-US" dirty="0">
-              <a:solidFill>
-                <a:srgbClr val="0070C0"/>
-              </a:solidFill>
-            </a:endParaRPr>
           </a:p>
           <a:p>
             <a:pPr marL="285750" indent="-285750"/>
@@ -11759,47 +11504,7 @@
                   <a:srgbClr val="0070C0"/>
                 </a:solidFill>
               </a:rPr>
-              <a:t>If </a:t>
-            </a:r>
-            <a:r>
-              <a:rPr lang="en-US" dirty="0" smtClean="0">
-                <a:solidFill>
-                  <a:srgbClr val="0070C0"/>
-                </a:solidFill>
-              </a:rPr>
-              <a:t>your </a:t>
-            </a:r>
-            <a:r>
-              <a:rPr lang="en-US" dirty="0">
-                <a:solidFill>
-                  <a:srgbClr val="0070C0"/>
-                </a:solidFill>
-              </a:rPr>
-              <a:t>result </a:t>
-            </a:r>
-            <a:r>
-              <a:rPr lang="en-US" dirty="0" smtClean="0">
-                <a:solidFill>
-                  <a:srgbClr val="0070C0"/>
-                </a:solidFill>
-              </a:rPr>
-              <a:t>is different from the </a:t>
-            </a:r>
-            <a:r>
-              <a:rPr lang="en-US" dirty="0">
-                <a:solidFill>
-                  <a:srgbClr val="0070C0"/>
-                </a:solidFill>
-              </a:rPr>
-              <a:t>expected output, </a:t>
-            </a:r>
-            <a:r>
-              <a:rPr lang="en-US" dirty="0" smtClean="0">
-                <a:solidFill>
-                  <a:srgbClr val="0070C0"/>
-                </a:solidFill>
-              </a:rPr>
-              <a:t>please submit a bug report (attach slides/screenshots as necessary).</a:t>
+              <a:t>If your result is different from the expected output, please submit a bug report (attach slides/screenshots as necessary).</a:t>
             </a:r>
             <a:endParaRPr lang="en-SG" dirty="0">
               <a:solidFill>
@@ -11845,13 +11550,6 @@
   <p:clrMapOvr>
     <a:masterClrMapping/>
   </p:clrMapOvr>
-  <p:timing>
-    <p:tnLst>
-      <p:par>
-        <p:cTn id="1" dur="indefinite" restart="never" nodeType="tmRoot"/>
-      </p:par>
-    </p:tnLst>
-  </p:timing>
 </p:sld>
 </file>
 
@@ -11906,7 +11604,7 @@
           <a:p>
             <a:pPr algn="l"/>
             <a:r>
-              <a:rPr lang="en-US" sz="7200" dirty="0" smtClean="0">
+              <a:rPr lang="en-US" sz="7200" dirty="0">
                 <a:solidFill>
                   <a:schemeClr val="bg1"/>
                 </a:solidFill>
@@ -11944,7 +11642,7 @@
           <a:lstStyle/>
           <a:p>
             <a:r>
-              <a:rPr lang="en-US" sz="2400" b="1" dirty="0" smtClean="0">
+              <a:rPr lang="en-US" sz="2400" b="1" dirty="0">
                 <a:solidFill>
                   <a:schemeClr val="bg1"/>
                 </a:solidFill>
@@ -11958,7 +11656,7 @@
               <a:buChar char="•"/>
             </a:pPr>
             <a:r>
-              <a:rPr lang="en-US" sz="2400" dirty="0" smtClean="0">
+              <a:rPr lang="en-US" sz="2400" dirty="0">
                 <a:solidFill>
                   <a:schemeClr val="bg1"/>
                 </a:solidFill>
@@ -12089,18 +11787,13 @@
             <a:p>
               <a:pPr lvl="0"/>
               <a:r>
-                <a:rPr lang="en-SG" smtClean="0">
+                <a:rPr lang="en-SG">
                   <a:solidFill>
                     <a:srgbClr val="FFFF00"/>
                   </a:solidFill>
                 </a:rPr>
                 <a:t>One Slide</a:t>
               </a:r>
-              <a:endParaRPr lang="en-SG">
-                <a:solidFill>
-                  <a:srgbClr val="FFFF00"/>
-                </a:solidFill>
-              </a:endParaRPr>
             </a:p>
           </p:txBody>
         </p:sp>
@@ -12127,18 +11820,13 @@
             <a:lstStyle/>
             <a:p>
               <a:r>
-                <a:rPr lang="en-SG" smtClean="0">
+                <a:rPr lang="en-SG">
                   <a:solidFill>
                     <a:srgbClr val="FFFFFF"/>
                   </a:solidFill>
                 </a:rPr>
                 <a:t>Two Slides</a:t>
               </a:r>
-              <a:endParaRPr lang="en-SG">
-                <a:solidFill>
-                  <a:srgbClr val="FFFFFF"/>
-                </a:solidFill>
-              </a:endParaRPr>
             </a:p>
           </p:txBody>
         </p:sp>
@@ -12165,18 +11853,13 @@
             <a:lstStyle/>
             <a:p>
               <a:r>
-                <a:rPr lang="en-SG" smtClean="0">
+                <a:rPr lang="en-SG">
                   <a:solidFill>
                     <a:srgbClr val="FFFFFF"/>
                   </a:solidFill>
                 </a:rPr>
                 <a:t>Same Name</a:t>
               </a:r>
-              <a:endParaRPr lang="en-SG">
-                <a:solidFill>
-                  <a:srgbClr val="FFFFFF"/>
-                </a:solidFill>
-              </a:endParaRPr>
             </a:p>
           </p:txBody>
         </p:sp>
@@ -12203,18 +11886,13 @@
             <a:lstStyle/>
             <a:p>
               <a:r>
-                <a:rPr lang="en-SG" smtClean="0">
+                <a:rPr lang="en-SG">
                   <a:solidFill>
                     <a:srgbClr val="FFFFFF"/>
                   </a:solidFill>
                 </a:rPr>
                 <a:t>Same Name</a:t>
               </a:r>
-              <a:endParaRPr lang="en-SG">
-                <a:solidFill>
-                  <a:srgbClr val="FFFFFF"/>
-                </a:solidFill>
-              </a:endParaRPr>
             </a:p>
           </p:txBody>
         </p:sp>
@@ -12241,7 +11919,7 @@
             <a:lstStyle/>
             <a:p>
               <a:r>
-                <a:rPr lang="ja-JP" altLang="en-US" smtClean="0">
+                <a:rPr lang="ja-JP" altLang="en-US">
                   <a:solidFill>
                     <a:srgbClr val="FFFFFF"/>
                   </a:solidFill>
@@ -12249,18 +11927,13 @@
                 <a:t>あいうえお</a:t>
               </a:r>
               <a:r>
-                <a:rPr lang="en-SG" smtClean="0">
+                <a:rPr lang="en-SG">
                   <a:solidFill>
                     <a:srgbClr val="FFFFFF"/>
                   </a:solidFill>
                 </a:rPr>
                 <a:t>kl)(*&amp;%$#@85v_+)0_@#%L:CF]1</a:t>
               </a:r>
-              <a:endParaRPr lang="en-SG">
-                <a:solidFill>
-                  <a:srgbClr val="FFFFFF"/>
-                </a:solidFill>
-              </a:endParaRPr>
             </a:p>
           </p:txBody>
         </p:sp>
@@ -12275,25 +11948,18 @@
   <p:clrMapOvr>
     <a:masterClrMapping/>
   </p:clrMapOvr>
-  <mc:AlternateContent xmlns:mc="http://schemas.openxmlformats.org/markup-compatibility/2006">
-    <mc:Choice xmlns:p14="http://schemas.microsoft.com/office/powerpoint/2010/main" Requires="p14">
+  <mc:AlternateContent xmlns:mc="http://schemas.openxmlformats.org/markup-compatibility/2006" xmlns:p14="http://schemas.microsoft.com/office/powerpoint/2010/main">
+    <mc:Choice Requires="p14">
       <p:transition p14:dur="250">
         <p:fade/>
       </p:transition>
     </mc:Choice>
-    <mc:Fallback>
+    <mc:Fallback xmlns="">
       <p:transition>
         <p:fade/>
       </p:transition>
     </mc:Fallback>
   </mc:AlternateContent>
-  <p:timing>
-    <p:tnLst>
-      <p:par>
-        <p:cTn id="1" dur="indefinite" restart="never" nodeType="tmRoot"/>
-      </p:par>
-    </p:tnLst>
-  </p:timing>
 </p:sld>
 </file>
 
@@ -12367,7 +12033,7 @@
           <a:lstStyle/>
           <a:p>
             <a:r>
-              <a:rPr lang="en-US" sz="6000" dirty="0" smtClean="0"/>
+              <a:rPr lang="en-US" sz="6000" dirty="0"/>
               <a:t>Test Image</a:t>
             </a:r>
             <a:endParaRPr lang="en-SG" sz="6000" dirty="0"/>
@@ -12494,18 +12160,13 @@
             <a:lstStyle/>
             <a:p>
               <a:r>
-                <a:rPr lang="en-SG" smtClean="0">
+                <a:rPr lang="en-SG">
                   <a:solidFill>
                     <a:srgbClr val="FFFFFF"/>
                   </a:solidFill>
                 </a:rPr>
                 <a:t>One Slide</a:t>
               </a:r>
-              <a:endParaRPr lang="en-SG">
-                <a:solidFill>
-                  <a:srgbClr val="FFFFFF"/>
-                </a:solidFill>
-              </a:endParaRPr>
             </a:p>
           </p:txBody>
         </p:sp>
@@ -12533,18 +12194,13 @@
             <a:p>
               <a:pPr lvl="0"/>
               <a:r>
-                <a:rPr lang="en-SG" smtClean="0">
+                <a:rPr lang="en-SG">
                   <a:solidFill>
                     <a:srgbClr val="FFFF00"/>
                   </a:solidFill>
                 </a:rPr>
                 <a:t>Two Slides</a:t>
               </a:r>
-              <a:endParaRPr lang="en-SG">
-                <a:solidFill>
-                  <a:srgbClr val="FFFF00"/>
-                </a:solidFill>
-              </a:endParaRPr>
             </a:p>
           </p:txBody>
         </p:sp>
@@ -12571,18 +12227,13 @@
             <a:lstStyle/>
             <a:p>
               <a:r>
-                <a:rPr lang="en-SG" smtClean="0">
+                <a:rPr lang="en-SG">
                   <a:solidFill>
                     <a:srgbClr val="FFFFFF"/>
                   </a:solidFill>
                 </a:rPr>
                 <a:t>Same Name</a:t>
               </a:r>
-              <a:endParaRPr lang="en-SG">
-                <a:solidFill>
-                  <a:srgbClr val="FFFFFF"/>
-                </a:solidFill>
-              </a:endParaRPr>
             </a:p>
           </p:txBody>
         </p:sp>
@@ -12609,18 +12260,13 @@
             <a:lstStyle/>
             <a:p>
               <a:r>
-                <a:rPr lang="en-SG" smtClean="0">
+                <a:rPr lang="en-SG">
                   <a:solidFill>
                     <a:srgbClr val="FFFFFF"/>
                   </a:solidFill>
                 </a:rPr>
                 <a:t>Same Name</a:t>
               </a:r>
-              <a:endParaRPr lang="en-SG">
-                <a:solidFill>
-                  <a:srgbClr val="FFFFFF"/>
-                </a:solidFill>
-              </a:endParaRPr>
             </a:p>
           </p:txBody>
         </p:sp>
@@ -12647,7 +12293,7 @@
             <a:lstStyle/>
             <a:p>
               <a:r>
-                <a:rPr lang="ja-JP" altLang="en-US" smtClean="0">
+                <a:rPr lang="ja-JP" altLang="en-US">
                   <a:solidFill>
                     <a:srgbClr val="FFFFFF"/>
                   </a:solidFill>
@@ -12655,18 +12301,13 @@
                 <a:t>あいうえお</a:t>
               </a:r>
               <a:r>
-                <a:rPr lang="en-SG" smtClean="0">
+                <a:rPr lang="en-SG">
                   <a:solidFill>
                     <a:srgbClr val="FFFFFF"/>
                   </a:solidFill>
                 </a:rPr>
                 <a:t>kl)(*&amp;%$#@85v_+)0_@#%L:CF]1</a:t>
               </a:r>
-              <a:endParaRPr lang="en-SG">
-                <a:solidFill>
-                  <a:srgbClr val="FFFFFF"/>
-                </a:solidFill>
-              </a:endParaRPr>
             </a:p>
           </p:txBody>
         </p:sp>
@@ -12681,25 +12322,18 @@
   <p:clrMapOvr>
     <a:masterClrMapping/>
   </p:clrMapOvr>
-  <mc:AlternateContent xmlns:mc="http://schemas.openxmlformats.org/markup-compatibility/2006">
-    <mc:Choice xmlns:p14="http://schemas.microsoft.com/office/powerpoint/2010/main" Requires="p14">
+  <mc:AlternateContent xmlns:mc="http://schemas.openxmlformats.org/markup-compatibility/2006" xmlns:p14="http://schemas.microsoft.com/office/powerpoint/2010/main">
+    <mc:Choice Requires="p14">
       <p:transition p14:dur="250">
         <p:fade/>
       </p:transition>
     </mc:Choice>
-    <mc:Fallback>
+    <mc:Fallback xmlns="">
       <p:transition>
         <p:fade/>
       </p:transition>
     </mc:Fallback>
   </mc:AlternateContent>
-  <p:timing>
-    <p:tnLst>
-      <p:par>
-        <p:cTn id="1" dur="indefinite" restart="never" nodeType="tmRoot"/>
-      </p:par>
-    </p:tnLst>
-  </p:timing>
 </p:sld>
 </file>
 
@@ -12840,18 +12474,13 @@
             <a:lstStyle/>
             <a:p>
               <a:r>
-                <a:rPr lang="en-SG" smtClean="0">
+                <a:rPr lang="en-SG">
                   <a:solidFill>
                     <a:srgbClr val="FFFFFF"/>
                   </a:solidFill>
                 </a:rPr>
                 <a:t>One Slide</a:t>
               </a:r>
-              <a:endParaRPr lang="en-SG">
-                <a:solidFill>
-                  <a:srgbClr val="FFFFFF"/>
-                </a:solidFill>
-              </a:endParaRPr>
             </a:p>
           </p:txBody>
         </p:sp>
@@ -12879,18 +12508,13 @@
             <a:p>
               <a:pPr lvl="0"/>
               <a:r>
-                <a:rPr lang="en-SG" smtClean="0">
+                <a:rPr lang="en-SG">
                   <a:solidFill>
                     <a:srgbClr val="FFFF00"/>
                   </a:solidFill>
                 </a:rPr>
                 <a:t>Two Slides</a:t>
               </a:r>
-              <a:endParaRPr lang="en-SG">
-                <a:solidFill>
-                  <a:srgbClr val="FFFF00"/>
-                </a:solidFill>
-              </a:endParaRPr>
             </a:p>
           </p:txBody>
         </p:sp>
@@ -12917,18 +12541,13 @@
             <a:lstStyle/>
             <a:p>
               <a:r>
-                <a:rPr lang="en-SG" smtClean="0">
+                <a:rPr lang="en-SG">
                   <a:solidFill>
                     <a:srgbClr val="FFFFFF"/>
                   </a:solidFill>
                 </a:rPr>
                 <a:t>Same Name</a:t>
               </a:r>
-              <a:endParaRPr lang="en-SG">
-                <a:solidFill>
-                  <a:srgbClr val="FFFFFF"/>
-                </a:solidFill>
-              </a:endParaRPr>
             </a:p>
           </p:txBody>
         </p:sp>
@@ -12955,18 +12574,13 @@
             <a:lstStyle/>
             <a:p>
               <a:r>
-                <a:rPr lang="en-SG" smtClean="0">
+                <a:rPr lang="en-SG">
                   <a:solidFill>
                     <a:srgbClr val="FFFFFF"/>
                   </a:solidFill>
                 </a:rPr>
                 <a:t>Same Name</a:t>
               </a:r>
-              <a:endParaRPr lang="en-SG">
-                <a:solidFill>
-                  <a:srgbClr val="FFFFFF"/>
-                </a:solidFill>
-              </a:endParaRPr>
             </a:p>
           </p:txBody>
         </p:sp>
@@ -12993,7 +12607,7 @@
             <a:lstStyle/>
             <a:p>
               <a:r>
-                <a:rPr lang="ja-JP" altLang="en-US" smtClean="0">
+                <a:rPr lang="ja-JP" altLang="en-US">
                   <a:solidFill>
                     <a:srgbClr val="FFFFFF"/>
                   </a:solidFill>
@@ -13001,18 +12615,13 @@
                 <a:t>あいうえお</a:t>
               </a:r>
               <a:r>
-                <a:rPr lang="en-SG" smtClean="0">
+                <a:rPr lang="en-SG">
                   <a:solidFill>
                     <a:srgbClr val="FFFFFF"/>
                   </a:solidFill>
                 </a:rPr>
                 <a:t>kl)(*&amp;%$#@85v_+)0_@#%L:CF]1</a:t>
               </a:r>
-              <a:endParaRPr lang="en-SG">
-                <a:solidFill>
-                  <a:srgbClr val="FFFFFF"/>
-                </a:solidFill>
-              </a:endParaRPr>
             </a:p>
           </p:txBody>
         </p:sp>
@@ -13027,13 +12636,6 @@
   <p:clrMapOvr>
     <a:masterClrMapping/>
   </p:clrMapOvr>
-  <p:timing>
-    <p:tnLst>
-      <p:par>
-        <p:cTn id="1" dur="indefinite" restart="never" nodeType="tmRoot"/>
-      </p:par>
-    </p:tnLst>
-  </p:timing>
 </p:sld>
 </file>
 
@@ -13191,10 +12793,9 @@
           </a:lstStyle>
           <a:p>
             <a:r>
-              <a:rPr lang="en-US" dirty="0" smtClean="0"/>
+              <a:rPr lang="en-US" dirty="0"/>
               <a:t>Pattern</a:t>
             </a:r>
-            <a:endParaRPr lang="en-US" dirty="0"/>
           </a:p>
         </p:txBody>
       </p:sp>
@@ -13318,18 +12919,13 @@
             <a:lstStyle/>
             <a:p>
               <a:r>
-                <a:rPr lang="en-SG" smtClean="0">
+                <a:rPr lang="en-SG">
                   <a:solidFill>
                     <a:srgbClr val="FFFFFF"/>
                   </a:solidFill>
                 </a:rPr>
                 <a:t>One Slide</a:t>
               </a:r>
-              <a:endParaRPr lang="en-SG">
-                <a:solidFill>
-                  <a:srgbClr val="FFFFFF"/>
-                </a:solidFill>
-              </a:endParaRPr>
             </a:p>
           </p:txBody>
         </p:sp>
@@ -13356,18 +12952,13 @@
             <a:lstStyle/>
             <a:p>
               <a:r>
-                <a:rPr lang="en-SG" smtClean="0">
+                <a:rPr lang="en-SG">
                   <a:solidFill>
                     <a:srgbClr val="FFFFFF"/>
                   </a:solidFill>
                 </a:rPr>
                 <a:t>Two Slides</a:t>
               </a:r>
-              <a:endParaRPr lang="en-SG">
-                <a:solidFill>
-                  <a:srgbClr val="FFFFFF"/>
-                </a:solidFill>
-              </a:endParaRPr>
             </a:p>
           </p:txBody>
         </p:sp>
@@ -13395,18 +12986,13 @@
             <a:p>
               <a:pPr lvl="0"/>
               <a:r>
-                <a:rPr lang="en-SG" smtClean="0">
+                <a:rPr lang="en-SG">
                   <a:solidFill>
                     <a:srgbClr val="FFFF00"/>
                   </a:solidFill>
                 </a:rPr>
                 <a:t>Same Name</a:t>
               </a:r>
-              <a:endParaRPr lang="en-SG">
-                <a:solidFill>
-                  <a:srgbClr val="FFFF00"/>
-                </a:solidFill>
-              </a:endParaRPr>
             </a:p>
           </p:txBody>
         </p:sp>
@@ -13433,18 +13019,13 @@
             <a:lstStyle/>
             <a:p>
               <a:r>
-                <a:rPr lang="en-SG" smtClean="0">
+                <a:rPr lang="en-SG">
                   <a:solidFill>
                     <a:srgbClr val="FFFFFF"/>
                   </a:solidFill>
                 </a:rPr>
                 <a:t>Same Name</a:t>
               </a:r>
-              <a:endParaRPr lang="en-SG">
-                <a:solidFill>
-                  <a:srgbClr val="FFFFFF"/>
-                </a:solidFill>
-              </a:endParaRPr>
             </a:p>
           </p:txBody>
         </p:sp>
@@ -13471,7 +13052,7 @@
             <a:lstStyle/>
             <a:p>
               <a:r>
-                <a:rPr lang="ja-JP" altLang="en-US" smtClean="0">
+                <a:rPr lang="ja-JP" altLang="en-US">
                   <a:solidFill>
                     <a:srgbClr val="FFFFFF"/>
                   </a:solidFill>
@@ -13479,18 +13060,13 @@
                 <a:t>あいうえお</a:t>
               </a:r>
               <a:r>
-                <a:rPr lang="en-SG" smtClean="0">
+                <a:rPr lang="en-SG">
                   <a:solidFill>
                     <a:srgbClr val="FFFFFF"/>
                   </a:solidFill>
                 </a:rPr>
                 <a:t>kl)(*&amp;%$#@85v_+)0_@#%L:CF]1</a:t>
               </a:r>
-              <a:endParaRPr lang="en-SG">
-                <a:solidFill>
-                  <a:srgbClr val="FFFFFF"/>
-                </a:solidFill>
-              </a:endParaRPr>
             </a:p>
           </p:txBody>
         </p:sp>
@@ -13505,25 +13081,18 @@
   <p:clrMapOvr>
     <a:masterClrMapping/>
   </p:clrMapOvr>
-  <mc:AlternateContent xmlns:mc="http://schemas.openxmlformats.org/markup-compatibility/2006">
-    <mc:Choice xmlns:p14="http://schemas.microsoft.com/office/powerpoint/2010/main" Requires="p14">
+  <mc:AlternateContent xmlns:mc="http://schemas.openxmlformats.org/markup-compatibility/2006" xmlns:p14="http://schemas.microsoft.com/office/powerpoint/2010/main">
+    <mc:Choice Requires="p14">
       <p:transition p14:dur="250">
         <p:fade/>
       </p:transition>
     </mc:Choice>
-    <mc:Fallback>
+    <mc:Fallback xmlns="">
       <p:transition>
         <p:fade/>
       </p:transition>
     </mc:Fallback>
   </mc:AlternateContent>
-  <p:timing>
-    <p:tnLst>
-      <p:par>
-        <p:cTn id="1" dur="indefinite" restart="never" nodeType="tmRoot"/>
-      </p:par>
-    </p:tnLst>
-  </p:timing>
 </p:sld>
 </file>
 
@@ -13664,18 +13233,13 @@
             <a:lstStyle/>
             <a:p>
               <a:r>
-                <a:rPr lang="en-SG" smtClean="0">
+                <a:rPr lang="en-SG">
                   <a:solidFill>
                     <a:srgbClr val="FFFFFF"/>
                   </a:solidFill>
                 </a:rPr>
                 <a:t>One Slide</a:t>
               </a:r>
-              <a:endParaRPr lang="en-SG">
-                <a:solidFill>
-                  <a:srgbClr val="FFFFFF"/>
-                </a:solidFill>
-              </a:endParaRPr>
             </a:p>
           </p:txBody>
         </p:sp>
@@ -13702,18 +13266,13 @@
             <a:lstStyle/>
             <a:p>
               <a:r>
-                <a:rPr lang="en-SG" smtClean="0">
+                <a:rPr lang="en-SG">
                   <a:solidFill>
                     <a:srgbClr val="FFFFFF"/>
                   </a:solidFill>
                 </a:rPr>
                 <a:t>Two Slides</a:t>
               </a:r>
-              <a:endParaRPr lang="en-SG">
-                <a:solidFill>
-                  <a:srgbClr val="FFFFFF"/>
-                </a:solidFill>
-              </a:endParaRPr>
             </a:p>
           </p:txBody>
         </p:sp>
@@ -13741,18 +13300,13 @@
             <a:p>
               <a:pPr lvl="0"/>
               <a:r>
-                <a:rPr lang="en-SG" smtClean="0">
+                <a:rPr lang="en-SG">
                   <a:solidFill>
                     <a:srgbClr val="FFFF00"/>
                   </a:solidFill>
                 </a:rPr>
                 <a:t>Same Name</a:t>
               </a:r>
-              <a:endParaRPr lang="en-SG">
-                <a:solidFill>
-                  <a:srgbClr val="FFFF00"/>
-                </a:solidFill>
-              </a:endParaRPr>
             </a:p>
           </p:txBody>
         </p:sp>
@@ -13779,18 +13333,13 @@
             <a:lstStyle/>
             <a:p>
               <a:r>
-                <a:rPr lang="en-SG" smtClean="0">
+                <a:rPr lang="en-SG">
                   <a:solidFill>
                     <a:srgbClr val="FFFFFF"/>
                   </a:solidFill>
                 </a:rPr>
                 <a:t>Same Name</a:t>
               </a:r>
-              <a:endParaRPr lang="en-SG">
-                <a:solidFill>
-                  <a:srgbClr val="FFFFFF"/>
-                </a:solidFill>
-              </a:endParaRPr>
             </a:p>
           </p:txBody>
         </p:sp>
@@ -13817,7 +13366,7 @@
             <a:lstStyle/>
             <a:p>
               <a:r>
-                <a:rPr lang="ja-JP" altLang="en-US" smtClean="0">
+                <a:rPr lang="ja-JP" altLang="en-US">
                   <a:solidFill>
                     <a:srgbClr val="FFFFFF"/>
                   </a:solidFill>
@@ -13825,18 +13374,13 @@
                 <a:t>あいうえお</a:t>
               </a:r>
               <a:r>
-                <a:rPr lang="en-SG" smtClean="0">
+                <a:rPr lang="en-SG">
                   <a:solidFill>
                     <a:srgbClr val="FFFFFF"/>
                   </a:solidFill>
                 </a:rPr>
                 <a:t>kl)(*&amp;%$#@85v_+)0_@#%L:CF]1</a:t>
               </a:r>
-              <a:endParaRPr lang="en-SG">
-                <a:solidFill>
-                  <a:srgbClr val="FFFFFF"/>
-                </a:solidFill>
-              </a:endParaRPr>
             </a:p>
           </p:txBody>
         </p:sp>
@@ -13851,13 +13395,6 @@
   <p:clrMapOvr>
     <a:masterClrMapping/>
   </p:clrMapOvr>
-  <p:timing>
-    <p:tnLst>
-      <p:par>
-        <p:cTn id="1" dur="indefinite" restart="never" nodeType="tmRoot"/>
-      </p:par>
-    </p:tnLst>
-  </p:timing>
 </p:sld>
 </file>
 
@@ -13931,7 +13468,7 @@
           <a:lstStyle/>
           <a:p>
             <a:r>
-              <a:rPr lang="en-US" sz="6000" dirty="0" smtClean="0"/>
+              <a:rPr lang="en-US" sz="6000" dirty="0"/>
               <a:t>Test Image</a:t>
             </a:r>
             <a:endParaRPr lang="en-SG" sz="6000" dirty="0"/>
@@ -14058,18 +13595,13 @@
             <a:lstStyle/>
             <a:p>
               <a:r>
-                <a:rPr lang="en-SG" smtClean="0">
+                <a:rPr lang="en-SG">
                   <a:solidFill>
                     <a:srgbClr val="FFFFFF"/>
                   </a:solidFill>
                 </a:rPr>
                 <a:t>One Slide</a:t>
               </a:r>
-              <a:endParaRPr lang="en-SG">
-                <a:solidFill>
-                  <a:srgbClr val="FFFFFF"/>
-                </a:solidFill>
-              </a:endParaRPr>
             </a:p>
           </p:txBody>
         </p:sp>
@@ -14096,18 +13628,13 @@
             <a:lstStyle/>
             <a:p>
               <a:r>
-                <a:rPr lang="en-SG" smtClean="0">
+                <a:rPr lang="en-SG">
                   <a:solidFill>
                     <a:srgbClr val="FFFFFF"/>
                   </a:solidFill>
                 </a:rPr>
                 <a:t>Two Slides</a:t>
               </a:r>
-              <a:endParaRPr lang="en-SG">
-                <a:solidFill>
-                  <a:srgbClr val="FFFFFF"/>
-                </a:solidFill>
-              </a:endParaRPr>
             </a:p>
           </p:txBody>
         </p:sp>
@@ -14134,18 +13661,13 @@
             <a:lstStyle/>
             <a:p>
               <a:r>
-                <a:rPr lang="en-SG" smtClean="0">
+                <a:rPr lang="en-SG">
                   <a:solidFill>
                     <a:srgbClr val="FFFFFF"/>
                   </a:solidFill>
                 </a:rPr>
                 <a:t>Same Name</a:t>
               </a:r>
-              <a:endParaRPr lang="en-SG">
-                <a:solidFill>
-                  <a:srgbClr val="FFFFFF"/>
-                </a:solidFill>
-              </a:endParaRPr>
             </a:p>
           </p:txBody>
         </p:sp>
@@ -14173,18 +13695,13 @@
             <a:p>
               <a:pPr lvl="0"/>
               <a:r>
-                <a:rPr lang="en-SG" smtClean="0">
+                <a:rPr lang="en-SG">
                   <a:solidFill>
                     <a:srgbClr val="FFFF00"/>
                   </a:solidFill>
                 </a:rPr>
                 <a:t>Same Name</a:t>
               </a:r>
-              <a:endParaRPr lang="en-SG">
-                <a:solidFill>
-                  <a:srgbClr val="FFFF00"/>
-                </a:solidFill>
-              </a:endParaRPr>
             </a:p>
           </p:txBody>
         </p:sp>
@@ -14211,7 +13728,7 @@
             <a:lstStyle/>
             <a:p>
               <a:r>
-                <a:rPr lang="ja-JP" altLang="en-US" smtClean="0">
+                <a:rPr lang="ja-JP" altLang="en-US">
                   <a:solidFill>
                     <a:srgbClr val="FFFFFF"/>
                   </a:solidFill>
@@ -14219,18 +13736,13 @@
                 <a:t>あいうえお</a:t>
               </a:r>
               <a:r>
-                <a:rPr lang="en-SG" smtClean="0">
+                <a:rPr lang="en-SG">
                   <a:solidFill>
                     <a:srgbClr val="FFFFFF"/>
                   </a:solidFill>
                 </a:rPr>
                 <a:t>kl)(*&amp;%$#@85v_+)0_@#%L:CF]1</a:t>
               </a:r>
-              <a:endParaRPr lang="en-SG">
-                <a:solidFill>
-                  <a:srgbClr val="FFFFFF"/>
-                </a:solidFill>
-              </a:endParaRPr>
             </a:p>
           </p:txBody>
         </p:sp>
@@ -14245,25 +13757,18 @@
   <p:clrMapOvr>
     <a:masterClrMapping/>
   </p:clrMapOvr>
-  <mc:AlternateContent xmlns:mc="http://schemas.openxmlformats.org/markup-compatibility/2006">
-    <mc:Choice xmlns:p14="http://schemas.microsoft.com/office/powerpoint/2010/main" Requires="p14">
+  <mc:AlternateContent xmlns:mc="http://schemas.openxmlformats.org/markup-compatibility/2006" xmlns:p14="http://schemas.microsoft.com/office/powerpoint/2010/main">
+    <mc:Choice Requires="p14">
       <p:transition p14:dur="250">
         <p:fade/>
       </p:transition>
     </mc:Choice>
-    <mc:Fallback>
+    <mc:Fallback xmlns="">
       <p:transition>
         <p:fade/>
       </p:transition>
     </mc:Fallback>
   </mc:AlternateContent>
-  <p:timing>
-    <p:tnLst>
-      <p:par>
-        <p:cTn id="1" dur="indefinite" restart="never" nodeType="tmRoot"/>
-      </p:par>
-    </p:tnLst>
-  </p:timing>
 </p:sld>
 </file>
 
@@ -14307,7 +13812,7 @@
           <a:lstStyle/>
           <a:p>
             <a:r>
-              <a:rPr lang="en-US" sz="6000" dirty="0" smtClean="0"/>
+              <a:rPr lang="en-US" sz="6000" dirty="0"/>
               <a:t>A long section</a:t>
             </a:r>
             <a:endParaRPr lang="en-SG" sz="6000" dirty="0"/>
@@ -14434,18 +13939,13 @@
             <a:lstStyle/>
             <a:p>
               <a:r>
-                <a:rPr lang="en-SG" smtClean="0">
+                <a:rPr lang="en-SG">
                   <a:solidFill>
                     <a:srgbClr val="FFFFFF"/>
                   </a:solidFill>
                 </a:rPr>
                 <a:t>One Slide</a:t>
               </a:r>
-              <a:endParaRPr lang="en-SG">
-                <a:solidFill>
-                  <a:srgbClr val="FFFFFF"/>
-                </a:solidFill>
-              </a:endParaRPr>
             </a:p>
           </p:txBody>
         </p:sp>
@@ -14472,18 +13972,13 @@
             <a:lstStyle/>
             <a:p>
               <a:r>
-                <a:rPr lang="en-SG" smtClean="0">
+                <a:rPr lang="en-SG">
                   <a:solidFill>
                     <a:srgbClr val="FFFFFF"/>
                   </a:solidFill>
                 </a:rPr>
                 <a:t>Two Slides</a:t>
               </a:r>
-              <a:endParaRPr lang="en-SG">
-                <a:solidFill>
-                  <a:srgbClr val="FFFFFF"/>
-                </a:solidFill>
-              </a:endParaRPr>
             </a:p>
           </p:txBody>
         </p:sp>
@@ -14510,18 +14005,13 @@
             <a:lstStyle/>
             <a:p>
               <a:r>
-                <a:rPr lang="en-SG" smtClean="0">
+                <a:rPr lang="en-SG">
                   <a:solidFill>
                     <a:srgbClr val="FFFFFF"/>
                   </a:solidFill>
                 </a:rPr>
                 <a:t>Same Name</a:t>
               </a:r>
-              <a:endParaRPr lang="en-SG">
-                <a:solidFill>
-                  <a:srgbClr val="FFFFFF"/>
-                </a:solidFill>
-              </a:endParaRPr>
             </a:p>
           </p:txBody>
         </p:sp>
@@ -14549,18 +14039,13 @@
             <a:p>
               <a:pPr lvl="0"/>
               <a:r>
-                <a:rPr lang="en-SG" smtClean="0">
+                <a:rPr lang="en-SG">
                   <a:solidFill>
                     <a:srgbClr val="FFFF00"/>
                   </a:solidFill>
                 </a:rPr>
                 <a:t>Same Name</a:t>
               </a:r>
-              <a:endParaRPr lang="en-SG">
-                <a:solidFill>
-                  <a:srgbClr val="FFFF00"/>
-                </a:solidFill>
-              </a:endParaRPr>
             </a:p>
           </p:txBody>
         </p:sp>
@@ -14587,7 +14072,7 @@
             <a:lstStyle/>
             <a:p>
               <a:r>
-                <a:rPr lang="ja-JP" altLang="en-US" smtClean="0">
+                <a:rPr lang="ja-JP" altLang="en-US">
                   <a:solidFill>
                     <a:srgbClr val="FFFFFF"/>
                   </a:solidFill>
@@ -14595,18 +14080,13 @@
                 <a:t>あいうえお</a:t>
               </a:r>
               <a:r>
-                <a:rPr lang="en-SG" smtClean="0">
+                <a:rPr lang="en-SG">
                   <a:solidFill>
                     <a:srgbClr val="FFFFFF"/>
                   </a:solidFill>
                 </a:rPr>
                 <a:t>kl)(*&amp;%$#@85v_+)0_@#%L:CF]1</a:t>
               </a:r>
-              <a:endParaRPr lang="en-SG">
-                <a:solidFill>
-                  <a:srgbClr val="FFFFFF"/>
-                </a:solidFill>
-              </a:endParaRPr>
             </a:p>
           </p:txBody>
         </p:sp>
@@ -14621,13 +14101,6 @@
   <p:clrMapOvr>
     <a:masterClrMapping/>
   </p:clrMapOvr>
-  <p:timing>
-    <p:tnLst>
-      <p:par>
-        <p:cTn id="1" dur="indefinite" restart="never" nodeType="tmRoot"/>
-      </p:par>
-    </p:tnLst>
-  </p:timing>
 </p:sld>
 </file>
 

--- a/doc/test/AgendaSlidesBeamWithSlideNumberDefault.pptx
+++ b/doc/test/AgendaSlidesBeamWithSlideNumberDefault.pptx
@@ -23,7 +23,7 @@
     <p:sldId id="312" r:id="rId14"/>
     <p:sldId id="313" r:id="rId15"/>
     <p:sldId id="314" r:id="rId16"/>
-    <p:sldId id="319" r:id="rId17"/>
+    <p:sldId id="316" r:id="rId17"/>
   </p:sldIdLst>
   <p:sldSz cx="9144000" cy="6858000" type="screen4x3"/>
   <p:notesSz cx="6858000" cy="9144000"/>
@@ -160,7 +160,7 @@
         <p14:section name="あいうえおkl)(*&amp;%$#@85v_+)0_@#%L:CF]1" id="{7DC05ADB-162C-47A0-98D4-E8994A6A2B8E}">
           <p14:sldIdLst>
             <p14:sldId id="314"/>
-            <p14:sldId id="319"/>
+            <p14:sldId id="316"/>
           </p14:sldIdLst>
         </p14:section>
       </p14:sectionLst>
@@ -265,7 +265,7 @@
           <a:p>
             <a:fld id="{DBF25E5A-1DA2-4ED0-9993-2B21AFA3822E}" type="datetimeFigureOut">
               <a:rPr lang="en-SG" smtClean="0"/>
-              <a:t>23/1/2017</a:t>
+              <a:t>26/1/2016</a:t>
             </a:fld>
             <a:endParaRPr lang="en-SG"/>
           </a:p>
@@ -329,35 +329,35 @@
           <a:p>
             <a:pPr lvl="0"/>
             <a:r>
-              <a:rPr lang="en-US"/>
+              <a:rPr lang="en-US" smtClean="0"/>
               <a:t>Click to edit Master text styles</a:t>
             </a:r>
           </a:p>
           <a:p>
             <a:pPr lvl="1"/>
             <a:r>
-              <a:rPr lang="en-US"/>
+              <a:rPr lang="en-US" smtClean="0"/>
               <a:t>Second level</a:t>
             </a:r>
           </a:p>
           <a:p>
             <a:pPr lvl="2"/>
             <a:r>
-              <a:rPr lang="en-US"/>
+              <a:rPr lang="en-US" smtClean="0"/>
               <a:t>Third level</a:t>
             </a:r>
           </a:p>
           <a:p>
             <a:pPr lvl="3"/>
             <a:r>
-              <a:rPr lang="en-US"/>
+              <a:rPr lang="en-US" smtClean="0"/>
               <a:t>Fourth level</a:t>
             </a:r>
           </a:p>
           <a:p>
             <a:pPr lvl="4"/>
             <a:r>
-              <a:rPr lang="en-US"/>
+              <a:rPr lang="en-US" smtClean="0"/>
               <a:t>Fifth level</a:t>
             </a:r>
             <a:endParaRPr lang="en-SG"/>
@@ -655,9 +655,10 @@
           <a:lstStyle/>
           <a:p>
             <a:r>
-              <a:rPr lang="en-US"/>
+              <a:rPr lang="en-US" smtClean="0"/>
               <a:t>Click to edit Master title style</a:t>
             </a:r>
+            <a:endParaRPr lang="en-US"/>
           </a:p>
         </p:txBody>
       </p:sp>
@@ -773,9 +774,10 @@
           </a:lstStyle>
           <a:p>
             <a:r>
-              <a:rPr lang="en-US"/>
+              <a:rPr lang="en-US" smtClean="0"/>
               <a:t>Click to edit Master subtitle style</a:t>
             </a:r>
+            <a:endParaRPr lang="en-US"/>
           </a:p>
         </p:txBody>
       </p:sp>
@@ -796,7 +798,7 @@
           <a:p>
             <a:fld id="{E48C683D-3395-46D3-BF9E-903A3AF3FF2D}" type="datetime1">
               <a:rPr lang="en-US" smtClean="0"/>
-              <a:t>1/23/2017</a:t>
+              <a:t>1/26/2016</a:t>
             </a:fld>
             <a:endParaRPr lang="en-US"/>
           </a:p>
@@ -890,9 +892,10 @@
           <a:lstStyle/>
           <a:p>
             <a:r>
-              <a:rPr lang="en-US"/>
+              <a:rPr lang="en-US" smtClean="0"/>
               <a:t>Click to edit Master title style</a:t>
             </a:r>
+            <a:endParaRPr lang="en-US"/>
           </a:p>
         </p:txBody>
       </p:sp>
@@ -913,37 +916,38 @@
           <a:p>
             <a:pPr lvl="0"/>
             <a:r>
-              <a:rPr lang="en-US"/>
+              <a:rPr lang="en-US" smtClean="0"/>
               <a:t>Click to edit Master text styles</a:t>
             </a:r>
           </a:p>
           <a:p>
             <a:pPr lvl="1"/>
             <a:r>
-              <a:rPr lang="en-US"/>
+              <a:rPr lang="en-US" smtClean="0"/>
               <a:t>Second level</a:t>
             </a:r>
           </a:p>
           <a:p>
             <a:pPr lvl="2"/>
             <a:r>
-              <a:rPr lang="en-US"/>
+              <a:rPr lang="en-US" smtClean="0"/>
               <a:t>Third level</a:t>
             </a:r>
           </a:p>
           <a:p>
             <a:pPr lvl="3"/>
             <a:r>
-              <a:rPr lang="en-US"/>
+              <a:rPr lang="en-US" smtClean="0"/>
               <a:t>Fourth level</a:t>
             </a:r>
           </a:p>
           <a:p>
             <a:pPr lvl="4"/>
             <a:r>
-              <a:rPr lang="en-US"/>
+              <a:rPr lang="en-US" smtClean="0"/>
               <a:t>Fifth level</a:t>
             </a:r>
+            <a:endParaRPr lang="en-US"/>
           </a:p>
         </p:txBody>
       </p:sp>
@@ -964,7 +968,7 @@
           <a:p>
             <a:fld id="{74821124-6C44-4AB3-B69D-ECA5CA5FA42B}" type="datetime1">
               <a:rPr lang="en-US" smtClean="0"/>
-              <a:t>1/23/2017</a:t>
+              <a:t>1/26/2016</a:t>
             </a:fld>
             <a:endParaRPr lang="en-US"/>
           </a:p>
@@ -1063,9 +1067,10 @@
           <a:lstStyle/>
           <a:p>
             <a:r>
-              <a:rPr lang="en-US"/>
+              <a:rPr lang="en-US" smtClean="0"/>
               <a:t>Click to edit Master title style</a:t>
             </a:r>
+            <a:endParaRPr lang="en-US"/>
           </a:p>
         </p:txBody>
       </p:sp>
@@ -1091,37 +1096,38 @@
           <a:p>
             <a:pPr lvl="0"/>
             <a:r>
-              <a:rPr lang="en-US"/>
+              <a:rPr lang="en-US" smtClean="0"/>
               <a:t>Click to edit Master text styles</a:t>
             </a:r>
           </a:p>
           <a:p>
             <a:pPr lvl="1"/>
             <a:r>
-              <a:rPr lang="en-US"/>
+              <a:rPr lang="en-US" smtClean="0"/>
               <a:t>Second level</a:t>
             </a:r>
           </a:p>
           <a:p>
             <a:pPr lvl="2"/>
             <a:r>
-              <a:rPr lang="en-US"/>
+              <a:rPr lang="en-US" smtClean="0"/>
               <a:t>Third level</a:t>
             </a:r>
           </a:p>
           <a:p>
             <a:pPr lvl="3"/>
             <a:r>
-              <a:rPr lang="en-US"/>
+              <a:rPr lang="en-US" smtClean="0"/>
               <a:t>Fourth level</a:t>
             </a:r>
           </a:p>
           <a:p>
             <a:pPr lvl="4"/>
             <a:r>
-              <a:rPr lang="en-US"/>
+              <a:rPr lang="en-US" smtClean="0"/>
               <a:t>Fifth level</a:t>
             </a:r>
+            <a:endParaRPr lang="en-US"/>
           </a:p>
         </p:txBody>
       </p:sp>
@@ -1142,7 +1148,7 @@
           <a:p>
             <a:fld id="{88F0F44A-2702-406D-B711-F1B627E409B2}" type="datetime1">
               <a:rPr lang="en-US" smtClean="0"/>
-              <a:t>1/23/2017</a:t>
+              <a:t>1/26/2016</a:t>
             </a:fld>
             <a:endParaRPr lang="en-US"/>
           </a:p>
@@ -1241,9 +1247,10 @@
           <a:lstStyle/>
           <a:p>
             <a:r>
-              <a:rPr lang="en-US"/>
+              <a:rPr lang="en-US" smtClean="0"/>
               <a:t>Click to edit Master title style</a:t>
             </a:r>
+            <a:endParaRPr lang="en-US"/>
           </a:p>
         </p:txBody>
       </p:sp>
@@ -1359,9 +1366,10 @@
           </a:lstStyle>
           <a:p>
             <a:r>
-              <a:rPr lang="en-US"/>
+              <a:rPr lang="en-US" smtClean="0"/>
               <a:t>Click to edit Master subtitle style</a:t>
             </a:r>
+            <a:endParaRPr lang="en-US"/>
           </a:p>
         </p:txBody>
       </p:sp>
@@ -1382,7 +1390,7 @@
           <a:p>
             <a:fld id="{F52725C5-6827-4E2D-9543-1539AA3954B8}" type="datetime1">
               <a:rPr lang="en-US" smtClean="0"/>
-              <a:t>1/23/2017</a:t>
+              <a:t>1/26/2016</a:t>
             </a:fld>
             <a:endParaRPr lang="en-US"/>
           </a:p>
@@ -1476,9 +1484,10 @@
           <a:lstStyle/>
           <a:p>
             <a:r>
-              <a:rPr lang="en-US"/>
+              <a:rPr lang="en-US" smtClean="0"/>
               <a:t>Click to edit Master title style</a:t>
             </a:r>
+            <a:endParaRPr lang="en-US"/>
           </a:p>
         </p:txBody>
       </p:sp>
@@ -1499,37 +1508,38 @@
           <a:p>
             <a:pPr lvl="0"/>
             <a:r>
-              <a:rPr lang="en-US"/>
+              <a:rPr lang="en-US" smtClean="0"/>
               <a:t>Click to edit Master text styles</a:t>
             </a:r>
           </a:p>
           <a:p>
             <a:pPr lvl="1"/>
             <a:r>
-              <a:rPr lang="en-US"/>
+              <a:rPr lang="en-US" smtClean="0"/>
               <a:t>Second level</a:t>
             </a:r>
           </a:p>
           <a:p>
             <a:pPr lvl="2"/>
             <a:r>
-              <a:rPr lang="en-US"/>
+              <a:rPr lang="en-US" smtClean="0"/>
               <a:t>Third level</a:t>
             </a:r>
           </a:p>
           <a:p>
             <a:pPr lvl="3"/>
             <a:r>
-              <a:rPr lang="en-US"/>
+              <a:rPr lang="en-US" smtClean="0"/>
               <a:t>Fourth level</a:t>
             </a:r>
           </a:p>
           <a:p>
             <a:pPr lvl="4"/>
             <a:r>
-              <a:rPr lang="en-US"/>
+              <a:rPr lang="en-US" smtClean="0"/>
               <a:t>Fifth level</a:t>
             </a:r>
+            <a:endParaRPr lang="en-US"/>
           </a:p>
         </p:txBody>
       </p:sp>
@@ -1550,7 +1560,7 @@
           <a:p>
             <a:fld id="{84C3D210-5214-43E7-8E4B-0BD91EAD03A4}" type="datetime1">
               <a:rPr lang="en-US" smtClean="0"/>
-              <a:t>1/23/2017</a:t>
+              <a:t>1/26/2016</a:t>
             </a:fld>
             <a:endParaRPr lang="en-US"/>
           </a:p>
@@ -1653,9 +1663,10 @@
           </a:lstStyle>
           <a:p>
             <a:r>
-              <a:rPr lang="en-US"/>
+              <a:rPr lang="en-US" smtClean="0"/>
               <a:t>Click to edit Master title style</a:t>
             </a:r>
+            <a:endParaRPr lang="en-US"/>
           </a:p>
         </p:txBody>
       </p:sp>
@@ -1772,7 +1783,7 @@
           <a:p>
             <a:pPr lvl="0"/>
             <a:r>
-              <a:rPr lang="en-US"/>
+              <a:rPr lang="en-US" smtClean="0"/>
               <a:t>Click to edit Master text styles</a:t>
             </a:r>
           </a:p>
@@ -1795,7 +1806,7 @@
           <a:p>
             <a:fld id="{CABE04C8-2FA4-426D-90FA-3147AA463E81}" type="datetime1">
               <a:rPr lang="en-US" smtClean="0"/>
-              <a:t>1/23/2017</a:t>
+              <a:t>1/26/2016</a:t>
             </a:fld>
             <a:endParaRPr lang="en-US"/>
           </a:p>
@@ -1889,9 +1900,10 @@
           <a:lstStyle/>
           <a:p>
             <a:r>
-              <a:rPr lang="en-US"/>
+              <a:rPr lang="en-US" smtClean="0"/>
               <a:t>Click to edit Master title style</a:t>
             </a:r>
+            <a:endParaRPr lang="en-US"/>
           </a:p>
         </p:txBody>
       </p:sp>
@@ -1945,37 +1957,38 @@
           <a:p>
             <a:pPr lvl="0"/>
             <a:r>
-              <a:rPr lang="en-US"/>
+              <a:rPr lang="en-US" smtClean="0"/>
               <a:t>Click to edit Master text styles</a:t>
             </a:r>
           </a:p>
           <a:p>
             <a:pPr lvl="1"/>
             <a:r>
-              <a:rPr lang="en-US"/>
+              <a:rPr lang="en-US" smtClean="0"/>
               <a:t>Second level</a:t>
             </a:r>
           </a:p>
           <a:p>
             <a:pPr lvl="2"/>
             <a:r>
-              <a:rPr lang="en-US"/>
+              <a:rPr lang="en-US" smtClean="0"/>
               <a:t>Third level</a:t>
             </a:r>
           </a:p>
           <a:p>
             <a:pPr lvl="3"/>
             <a:r>
-              <a:rPr lang="en-US"/>
+              <a:rPr lang="en-US" smtClean="0"/>
               <a:t>Fourth level</a:t>
             </a:r>
           </a:p>
           <a:p>
             <a:pPr lvl="4"/>
             <a:r>
-              <a:rPr lang="en-US"/>
+              <a:rPr lang="en-US" smtClean="0"/>
               <a:t>Fifth level</a:t>
             </a:r>
+            <a:endParaRPr lang="en-US"/>
           </a:p>
         </p:txBody>
       </p:sp>
@@ -2029,37 +2042,38 @@
           <a:p>
             <a:pPr lvl="0"/>
             <a:r>
-              <a:rPr lang="en-US"/>
+              <a:rPr lang="en-US" smtClean="0"/>
               <a:t>Click to edit Master text styles</a:t>
             </a:r>
           </a:p>
           <a:p>
             <a:pPr lvl="1"/>
             <a:r>
-              <a:rPr lang="en-US"/>
+              <a:rPr lang="en-US" smtClean="0"/>
               <a:t>Second level</a:t>
             </a:r>
           </a:p>
           <a:p>
             <a:pPr lvl="2"/>
             <a:r>
-              <a:rPr lang="en-US"/>
+              <a:rPr lang="en-US" smtClean="0"/>
               <a:t>Third level</a:t>
             </a:r>
           </a:p>
           <a:p>
             <a:pPr lvl="3"/>
             <a:r>
-              <a:rPr lang="en-US"/>
+              <a:rPr lang="en-US" smtClean="0"/>
               <a:t>Fourth level</a:t>
             </a:r>
           </a:p>
           <a:p>
             <a:pPr lvl="4"/>
             <a:r>
-              <a:rPr lang="en-US"/>
+              <a:rPr lang="en-US" smtClean="0"/>
               <a:t>Fifth level</a:t>
             </a:r>
+            <a:endParaRPr lang="en-US"/>
           </a:p>
         </p:txBody>
       </p:sp>
@@ -2080,7 +2094,7 @@
           <a:p>
             <a:fld id="{16C6764C-CF34-401D-86AA-8E9442BA2BC5}" type="datetime1">
               <a:rPr lang="en-US" smtClean="0"/>
-              <a:t>1/23/2017</a:t>
+              <a:t>1/26/2016</a:t>
             </a:fld>
             <a:endParaRPr lang="en-US"/>
           </a:p>
@@ -2178,9 +2192,10 @@
           </a:lstStyle>
           <a:p>
             <a:r>
-              <a:rPr lang="en-US"/>
+              <a:rPr lang="en-US" smtClean="0"/>
               <a:t>Click to edit Master title style</a:t>
             </a:r>
+            <a:endParaRPr lang="en-US"/>
           </a:p>
         </p:txBody>
       </p:sp>
@@ -2243,7 +2258,7 @@
           <a:p>
             <a:pPr lvl="0"/>
             <a:r>
-              <a:rPr lang="en-US"/>
+              <a:rPr lang="en-US" smtClean="0"/>
               <a:t>Click to edit Master text styles</a:t>
             </a:r>
           </a:p>
@@ -2299,37 +2314,38 @@
           <a:p>
             <a:pPr lvl="0"/>
             <a:r>
-              <a:rPr lang="en-US"/>
+              <a:rPr lang="en-US" smtClean="0"/>
               <a:t>Click to edit Master text styles</a:t>
             </a:r>
           </a:p>
           <a:p>
             <a:pPr lvl="1"/>
             <a:r>
-              <a:rPr lang="en-US"/>
+              <a:rPr lang="en-US" smtClean="0"/>
               <a:t>Second level</a:t>
             </a:r>
           </a:p>
           <a:p>
             <a:pPr lvl="2"/>
             <a:r>
-              <a:rPr lang="en-US"/>
+              <a:rPr lang="en-US" smtClean="0"/>
               <a:t>Third level</a:t>
             </a:r>
           </a:p>
           <a:p>
             <a:pPr lvl="3"/>
             <a:r>
-              <a:rPr lang="en-US"/>
+              <a:rPr lang="en-US" smtClean="0"/>
               <a:t>Fourth level</a:t>
             </a:r>
           </a:p>
           <a:p>
             <a:pPr lvl="4"/>
             <a:r>
-              <a:rPr lang="en-US"/>
+              <a:rPr lang="en-US" smtClean="0"/>
               <a:t>Fifth level</a:t>
             </a:r>
+            <a:endParaRPr lang="en-US"/>
           </a:p>
         </p:txBody>
       </p:sp>
@@ -2392,7 +2408,7 @@
           <a:p>
             <a:pPr lvl="0"/>
             <a:r>
-              <a:rPr lang="en-US"/>
+              <a:rPr lang="en-US" smtClean="0"/>
               <a:t>Click to edit Master text styles</a:t>
             </a:r>
           </a:p>
@@ -2448,37 +2464,38 @@
           <a:p>
             <a:pPr lvl="0"/>
             <a:r>
-              <a:rPr lang="en-US"/>
+              <a:rPr lang="en-US" smtClean="0"/>
               <a:t>Click to edit Master text styles</a:t>
             </a:r>
           </a:p>
           <a:p>
             <a:pPr lvl="1"/>
             <a:r>
-              <a:rPr lang="en-US"/>
+              <a:rPr lang="en-US" smtClean="0"/>
               <a:t>Second level</a:t>
             </a:r>
           </a:p>
           <a:p>
             <a:pPr lvl="2"/>
             <a:r>
-              <a:rPr lang="en-US"/>
+              <a:rPr lang="en-US" smtClean="0"/>
               <a:t>Third level</a:t>
             </a:r>
           </a:p>
           <a:p>
             <a:pPr lvl="3"/>
             <a:r>
-              <a:rPr lang="en-US"/>
+              <a:rPr lang="en-US" smtClean="0"/>
               <a:t>Fourth level</a:t>
             </a:r>
           </a:p>
           <a:p>
             <a:pPr lvl="4"/>
             <a:r>
-              <a:rPr lang="en-US"/>
+              <a:rPr lang="en-US" smtClean="0"/>
               <a:t>Fifth level</a:t>
             </a:r>
+            <a:endParaRPr lang="en-US"/>
           </a:p>
         </p:txBody>
       </p:sp>
@@ -2499,7 +2516,7 @@
           <a:p>
             <a:fld id="{7A6304A5-3728-4433-A75D-59FC32371DB6}" type="datetime1">
               <a:rPr lang="en-US" smtClean="0"/>
-              <a:t>1/23/2017</a:t>
+              <a:t>1/26/2016</a:t>
             </a:fld>
             <a:endParaRPr lang="en-US"/>
           </a:p>
@@ -2593,9 +2610,10 @@
           <a:lstStyle/>
           <a:p>
             <a:r>
-              <a:rPr lang="en-US"/>
+              <a:rPr lang="en-US" smtClean="0"/>
               <a:t>Click to edit Master title style</a:t>
             </a:r>
+            <a:endParaRPr lang="en-US"/>
           </a:p>
         </p:txBody>
       </p:sp>
@@ -2616,7 +2634,7 @@
           <a:p>
             <a:fld id="{ECEC8789-70ED-426B-B532-587D6FE3BE94}" type="datetime1">
               <a:rPr lang="en-US" smtClean="0"/>
-              <a:t>1/23/2017</a:t>
+              <a:t>1/26/2016</a:t>
             </a:fld>
             <a:endParaRPr lang="en-US"/>
           </a:p>
@@ -2711,7 +2729,7 @@
           <a:p>
             <a:fld id="{8BC900E6-7C7F-42EC-9A9D-A635DE0275A7}" type="datetime1">
               <a:rPr lang="en-US" smtClean="0"/>
-              <a:t>1/23/2017</a:t>
+              <a:t>1/26/2016</a:t>
             </a:fld>
             <a:endParaRPr lang="en-US"/>
           </a:p>
@@ -2814,9 +2832,10 @@
           </a:lstStyle>
           <a:p>
             <a:r>
-              <a:rPr lang="en-US"/>
+              <a:rPr lang="en-US" smtClean="0"/>
               <a:t>Click to edit Master title style</a:t>
             </a:r>
+            <a:endParaRPr lang="en-US"/>
           </a:p>
         </p:txBody>
       </p:sp>
@@ -2870,37 +2889,38 @@
           <a:p>
             <a:pPr lvl="0"/>
             <a:r>
-              <a:rPr lang="en-US"/>
+              <a:rPr lang="en-US" smtClean="0"/>
               <a:t>Click to edit Master text styles</a:t>
             </a:r>
           </a:p>
           <a:p>
             <a:pPr lvl="1"/>
             <a:r>
-              <a:rPr lang="en-US"/>
+              <a:rPr lang="en-US" smtClean="0"/>
               <a:t>Second level</a:t>
             </a:r>
           </a:p>
           <a:p>
             <a:pPr lvl="2"/>
             <a:r>
-              <a:rPr lang="en-US"/>
+              <a:rPr lang="en-US" smtClean="0"/>
               <a:t>Third level</a:t>
             </a:r>
           </a:p>
           <a:p>
             <a:pPr lvl="3"/>
             <a:r>
-              <a:rPr lang="en-US"/>
+              <a:rPr lang="en-US" smtClean="0"/>
               <a:t>Fourth level</a:t>
             </a:r>
           </a:p>
           <a:p>
             <a:pPr lvl="4"/>
             <a:r>
-              <a:rPr lang="en-US"/>
+              <a:rPr lang="en-US" smtClean="0"/>
               <a:t>Fifth level</a:t>
             </a:r>
+            <a:endParaRPr lang="en-US"/>
           </a:p>
         </p:txBody>
       </p:sp>
@@ -2963,7 +2983,7 @@
           <a:p>
             <a:pPr lvl="0"/>
             <a:r>
-              <a:rPr lang="en-US"/>
+              <a:rPr lang="en-US" smtClean="0"/>
               <a:t>Click to edit Master text styles</a:t>
             </a:r>
           </a:p>
@@ -2986,7 +3006,7 @@
           <a:p>
             <a:fld id="{49B6DA3E-3C8E-4D5C-8441-630DBE174E8D}" type="datetime1">
               <a:rPr lang="en-US" smtClean="0"/>
-              <a:t>1/23/2017</a:t>
+              <a:t>1/26/2016</a:t>
             </a:fld>
             <a:endParaRPr lang="en-US"/>
           </a:p>
@@ -3080,9 +3100,10 @@
           <a:lstStyle/>
           <a:p>
             <a:r>
-              <a:rPr lang="en-US"/>
+              <a:rPr lang="en-US" smtClean="0"/>
               <a:t>Click to edit Master title style</a:t>
             </a:r>
+            <a:endParaRPr lang="en-US"/>
           </a:p>
         </p:txBody>
       </p:sp>
@@ -3103,37 +3124,38 @@
           <a:p>
             <a:pPr lvl="0"/>
             <a:r>
-              <a:rPr lang="en-US"/>
+              <a:rPr lang="en-US" smtClean="0"/>
               <a:t>Click to edit Master text styles</a:t>
             </a:r>
           </a:p>
           <a:p>
             <a:pPr lvl="1"/>
             <a:r>
-              <a:rPr lang="en-US"/>
+              <a:rPr lang="en-US" smtClean="0"/>
               <a:t>Second level</a:t>
             </a:r>
           </a:p>
           <a:p>
             <a:pPr lvl="2"/>
             <a:r>
-              <a:rPr lang="en-US"/>
+              <a:rPr lang="en-US" smtClean="0"/>
               <a:t>Third level</a:t>
             </a:r>
           </a:p>
           <a:p>
             <a:pPr lvl="3"/>
             <a:r>
-              <a:rPr lang="en-US"/>
+              <a:rPr lang="en-US" smtClean="0"/>
               <a:t>Fourth level</a:t>
             </a:r>
           </a:p>
           <a:p>
             <a:pPr lvl="4"/>
             <a:r>
-              <a:rPr lang="en-US"/>
+              <a:rPr lang="en-US" smtClean="0"/>
               <a:t>Fifth level</a:t>
             </a:r>
+            <a:endParaRPr lang="en-US"/>
           </a:p>
         </p:txBody>
       </p:sp>
@@ -3154,7 +3176,7 @@
           <a:p>
             <a:fld id="{841E30D6-B7D9-43E8-B216-0FAF86DD2559}" type="datetime1">
               <a:rPr lang="en-US" smtClean="0"/>
-              <a:t>1/23/2017</a:t>
+              <a:t>1/26/2016</a:t>
             </a:fld>
             <a:endParaRPr lang="en-US"/>
           </a:p>
@@ -3257,9 +3279,10 @@
           </a:lstStyle>
           <a:p>
             <a:r>
-              <a:rPr lang="en-US"/>
+              <a:rPr lang="en-US" smtClean="0"/>
               <a:t>Click to edit Master title style</a:t>
             </a:r>
+            <a:endParaRPr lang="en-US"/>
           </a:p>
         </p:txBody>
       </p:sp>
@@ -3383,7 +3406,7 @@
           <a:p>
             <a:pPr lvl="0"/>
             <a:r>
-              <a:rPr lang="en-US"/>
+              <a:rPr lang="en-US" smtClean="0"/>
               <a:t>Click to edit Master text styles</a:t>
             </a:r>
           </a:p>
@@ -3406,7 +3429,7 @@
           <a:p>
             <a:fld id="{F97EC72C-BC15-4474-A9FE-7CD8CD567FE0}" type="datetime1">
               <a:rPr lang="en-US" smtClean="0"/>
-              <a:t>1/23/2017</a:t>
+              <a:t>1/26/2016</a:t>
             </a:fld>
             <a:endParaRPr lang="en-US"/>
           </a:p>
@@ -3500,9 +3523,10 @@
           <a:lstStyle/>
           <a:p>
             <a:r>
-              <a:rPr lang="en-US"/>
+              <a:rPr lang="en-US" smtClean="0"/>
               <a:t>Click to edit Master title style</a:t>
             </a:r>
+            <a:endParaRPr lang="en-US"/>
           </a:p>
         </p:txBody>
       </p:sp>
@@ -3523,37 +3547,38 @@
           <a:p>
             <a:pPr lvl="0"/>
             <a:r>
-              <a:rPr lang="en-US"/>
+              <a:rPr lang="en-US" smtClean="0"/>
               <a:t>Click to edit Master text styles</a:t>
             </a:r>
           </a:p>
           <a:p>
             <a:pPr lvl="1"/>
             <a:r>
-              <a:rPr lang="en-US"/>
+              <a:rPr lang="en-US" smtClean="0"/>
               <a:t>Second level</a:t>
             </a:r>
           </a:p>
           <a:p>
             <a:pPr lvl="2"/>
             <a:r>
-              <a:rPr lang="en-US"/>
+              <a:rPr lang="en-US" smtClean="0"/>
               <a:t>Third level</a:t>
             </a:r>
           </a:p>
           <a:p>
             <a:pPr lvl="3"/>
             <a:r>
-              <a:rPr lang="en-US"/>
+              <a:rPr lang="en-US" smtClean="0"/>
               <a:t>Fourth level</a:t>
             </a:r>
           </a:p>
           <a:p>
             <a:pPr lvl="4"/>
             <a:r>
-              <a:rPr lang="en-US"/>
+              <a:rPr lang="en-US" smtClean="0"/>
               <a:t>Fifth level</a:t>
             </a:r>
+            <a:endParaRPr lang="en-US"/>
           </a:p>
         </p:txBody>
       </p:sp>
@@ -3574,7 +3599,7 @@
           <a:p>
             <a:fld id="{7A5C7CC7-A7C7-44A2-A763-681A3139D55C}" type="datetime1">
               <a:rPr lang="en-US" smtClean="0"/>
-              <a:t>1/23/2017</a:t>
+              <a:t>1/26/2016</a:t>
             </a:fld>
             <a:endParaRPr lang="en-US"/>
           </a:p>
@@ -3673,9 +3698,10 @@
           <a:lstStyle/>
           <a:p>
             <a:r>
-              <a:rPr lang="en-US"/>
+              <a:rPr lang="en-US" smtClean="0"/>
               <a:t>Click to edit Master title style</a:t>
             </a:r>
+            <a:endParaRPr lang="en-US"/>
           </a:p>
         </p:txBody>
       </p:sp>
@@ -3701,37 +3727,38 @@
           <a:p>
             <a:pPr lvl="0"/>
             <a:r>
-              <a:rPr lang="en-US"/>
+              <a:rPr lang="en-US" smtClean="0"/>
               <a:t>Click to edit Master text styles</a:t>
             </a:r>
           </a:p>
           <a:p>
             <a:pPr lvl="1"/>
             <a:r>
-              <a:rPr lang="en-US"/>
+              <a:rPr lang="en-US" smtClean="0"/>
               <a:t>Second level</a:t>
             </a:r>
           </a:p>
           <a:p>
             <a:pPr lvl="2"/>
             <a:r>
-              <a:rPr lang="en-US"/>
+              <a:rPr lang="en-US" smtClean="0"/>
               <a:t>Third level</a:t>
             </a:r>
           </a:p>
           <a:p>
             <a:pPr lvl="3"/>
             <a:r>
-              <a:rPr lang="en-US"/>
+              <a:rPr lang="en-US" smtClean="0"/>
               <a:t>Fourth level</a:t>
             </a:r>
           </a:p>
           <a:p>
             <a:pPr lvl="4"/>
             <a:r>
-              <a:rPr lang="en-US"/>
+              <a:rPr lang="en-US" smtClean="0"/>
               <a:t>Fifth level</a:t>
             </a:r>
+            <a:endParaRPr lang="en-US"/>
           </a:p>
         </p:txBody>
       </p:sp>
@@ -3752,7 +3779,7 @@
           <a:p>
             <a:fld id="{E8587F4F-5FAD-4F4C-AFC6-D917D1614028}" type="datetime1">
               <a:rPr lang="en-US" smtClean="0"/>
-              <a:t>1/23/2017</a:t>
+              <a:t>1/26/2016</a:t>
             </a:fld>
             <a:endParaRPr lang="en-US"/>
           </a:p>
@@ -3859,9 +3886,10 @@
           <a:lstStyle/>
           <a:p>
             <a:r>
-              <a:rPr lang="en-US"/>
+              <a:rPr lang="en-US" smtClean="0"/>
               <a:t>Click to edit Master title style</a:t>
             </a:r>
+            <a:endParaRPr lang="en-US"/>
           </a:p>
         </p:txBody>
       </p:sp>
@@ -3977,9 +4005,10 @@
           </a:lstStyle>
           <a:p>
             <a:r>
-              <a:rPr lang="en-US"/>
+              <a:rPr lang="en-US" smtClean="0"/>
               <a:t>Click to edit Master subtitle style</a:t>
             </a:r>
+            <a:endParaRPr lang="en-US"/>
           </a:p>
         </p:txBody>
       </p:sp>
@@ -4000,7 +4029,7 @@
           <a:p>
             <a:fld id="{A03A44E6-E8D4-49E9-90E3-CACB6DAAD05B}" type="datetime1">
               <a:rPr lang="en-US" smtClean="0"/>
-              <a:t>1/23/2017</a:t>
+              <a:t>1/26/2016</a:t>
             </a:fld>
             <a:endParaRPr lang="en-US"/>
           </a:p>
@@ -4102,9 +4131,10 @@
           <a:lstStyle/>
           <a:p>
             <a:r>
-              <a:rPr lang="en-US"/>
+              <a:rPr lang="en-US" smtClean="0"/>
               <a:t>Click to edit Master title style</a:t>
             </a:r>
+            <a:endParaRPr lang="en-US"/>
           </a:p>
         </p:txBody>
       </p:sp>
@@ -4125,37 +4155,38 @@
           <a:p>
             <a:pPr lvl="0"/>
             <a:r>
-              <a:rPr lang="en-US"/>
+              <a:rPr lang="en-US" smtClean="0"/>
               <a:t>Click to edit Master text styles</a:t>
             </a:r>
           </a:p>
           <a:p>
             <a:pPr lvl="1"/>
             <a:r>
-              <a:rPr lang="en-US"/>
+              <a:rPr lang="en-US" smtClean="0"/>
               <a:t>Second level</a:t>
             </a:r>
           </a:p>
           <a:p>
             <a:pPr lvl="2"/>
             <a:r>
-              <a:rPr lang="en-US"/>
+              <a:rPr lang="en-US" smtClean="0"/>
               <a:t>Third level</a:t>
             </a:r>
           </a:p>
           <a:p>
             <a:pPr lvl="3"/>
             <a:r>
-              <a:rPr lang="en-US"/>
+              <a:rPr lang="en-US" smtClean="0"/>
               <a:t>Fourth level</a:t>
             </a:r>
           </a:p>
           <a:p>
             <a:pPr lvl="4"/>
             <a:r>
-              <a:rPr lang="en-US"/>
+              <a:rPr lang="en-US" smtClean="0"/>
               <a:t>Fifth level</a:t>
             </a:r>
+            <a:endParaRPr lang="en-US"/>
           </a:p>
         </p:txBody>
       </p:sp>
@@ -4176,7 +4207,7 @@
           <a:p>
             <a:fld id="{32DBB816-C144-476E-951D-DEB86EEDC065}" type="datetime1">
               <a:rPr lang="en-US" smtClean="0"/>
-              <a:t>1/23/2017</a:t>
+              <a:t>1/26/2016</a:t>
             </a:fld>
             <a:endParaRPr lang="en-US"/>
           </a:p>
@@ -4287,9 +4318,10 @@
           </a:lstStyle>
           <a:p>
             <a:r>
-              <a:rPr lang="en-US"/>
+              <a:rPr lang="en-US" smtClean="0"/>
               <a:t>Click to edit Master title style</a:t>
             </a:r>
+            <a:endParaRPr lang="en-US"/>
           </a:p>
         </p:txBody>
       </p:sp>
@@ -4406,7 +4438,7 @@
           <a:p>
             <a:pPr lvl="0"/>
             <a:r>
-              <a:rPr lang="en-US"/>
+              <a:rPr lang="en-US" smtClean="0"/>
               <a:t>Click to edit Master text styles</a:t>
             </a:r>
           </a:p>
@@ -4429,7 +4461,7 @@
           <a:p>
             <a:fld id="{65D3BB8F-F6A8-4BB5-A7E1-80E720C01870}" type="datetime1">
               <a:rPr lang="en-US" smtClean="0"/>
-              <a:t>1/23/2017</a:t>
+              <a:t>1/26/2016</a:t>
             </a:fld>
             <a:endParaRPr lang="en-US"/>
           </a:p>
@@ -4531,9 +4563,10 @@
           <a:lstStyle/>
           <a:p>
             <a:r>
-              <a:rPr lang="en-US"/>
+              <a:rPr lang="en-US" smtClean="0"/>
               <a:t>Click to edit Master title style</a:t>
             </a:r>
+            <a:endParaRPr lang="en-US"/>
           </a:p>
         </p:txBody>
       </p:sp>
@@ -4587,37 +4620,38 @@
           <a:p>
             <a:pPr lvl="0"/>
             <a:r>
-              <a:rPr lang="en-US"/>
+              <a:rPr lang="en-US" smtClean="0"/>
               <a:t>Click to edit Master text styles</a:t>
             </a:r>
           </a:p>
           <a:p>
             <a:pPr lvl="1"/>
             <a:r>
-              <a:rPr lang="en-US"/>
+              <a:rPr lang="en-US" smtClean="0"/>
               <a:t>Second level</a:t>
             </a:r>
           </a:p>
           <a:p>
             <a:pPr lvl="2"/>
             <a:r>
-              <a:rPr lang="en-US"/>
+              <a:rPr lang="en-US" smtClean="0"/>
               <a:t>Third level</a:t>
             </a:r>
           </a:p>
           <a:p>
             <a:pPr lvl="3"/>
             <a:r>
-              <a:rPr lang="en-US"/>
+              <a:rPr lang="en-US" smtClean="0"/>
               <a:t>Fourth level</a:t>
             </a:r>
           </a:p>
           <a:p>
             <a:pPr lvl="4"/>
             <a:r>
-              <a:rPr lang="en-US"/>
+              <a:rPr lang="en-US" smtClean="0"/>
               <a:t>Fifth level</a:t>
             </a:r>
+            <a:endParaRPr lang="en-US"/>
           </a:p>
         </p:txBody>
       </p:sp>
@@ -4671,37 +4705,38 @@
           <a:p>
             <a:pPr lvl="0"/>
             <a:r>
-              <a:rPr lang="en-US"/>
+              <a:rPr lang="en-US" smtClean="0"/>
               <a:t>Click to edit Master text styles</a:t>
             </a:r>
           </a:p>
           <a:p>
             <a:pPr lvl="1"/>
             <a:r>
-              <a:rPr lang="en-US"/>
+              <a:rPr lang="en-US" smtClean="0"/>
               <a:t>Second level</a:t>
             </a:r>
           </a:p>
           <a:p>
             <a:pPr lvl="2"/>
             <a:r>
-              <a:rPr lang="en-US"/>
+              <a:rPr lang="en-US" smtClean="0"/>
               <a:t>Third level</a:t>
             </a:r>
           </a:p>
           <a:p>
             <a:pPr lvl="3"/>
             <a:r>
-              <a:rPr lang="en-US"/>
+              <a:rPr lang="en-US" smtClean="0"/>
               <a:t>Fourth level</a:t>
             </a:r>
           </a:p>
           <a:p>
             <a:pPr lvl="4"/>
             <a:r>
-              <a:rPr lang="en-US"/>
+              <a:rPr lang="en-US" smtClean="0"/>
               <a:t>Fifth level</a:t>
             </a:r>
+            <a:endParaRPr lang="en-US"/>
           </a:p>
         </p:txBody>
       </p:sp>
@@ -4722,7 +4757,7 @@
           <a:p>
             <a:fld id="{4A608807-CF6D-4535-941D-9CD5EC0CF299}" type="datetime1">
               <a:rPr lang="en-US" smtClean="0"/>
-              <a:t>1/23/2017</a:t>
+              <a:t>1/26/2016</a:t>
             </a:fld>
             <a:endParaRPr lang="en-US"/>
           </a:p>
@@ -4828,9 +4863,10 @@
           </a:lstStyle>
           <a:p>
             <a:r>
-              <a:rPr lang="en-US"/>
+              <a:rPr lang="en-US" smtClean="0"/>
               <a:t>Click to edit Master title style</a:t>
             </a:r>
+            <a:endParaRPr lang="en-US"/>
           </a:p>
         </p:txBody>
       </p:sp>
@@ -4893,7 +4929,7 @@
           <a:p>
             <a:pPr lvl="0"/>
             <a:r>
-              <a:rPr lang="en-US"/>
+              <a:rPr lang="en-US" smtClean="0"/>
               <a:t>Click to edit Master text styles</a:t>
             </a:r>
           </a:p>
@@ -4949,37 +4985,38 @@
           <a:p>
             <a:pPr lvl="0"/>
             <a:r>
-              <a:rPr lang="en-US"/>
+              <a:rPr lang="en-US" smtClean="0"/>
               <a:t>Click to edit Master text styles</a:t>
             </a:r>
           </a:p>
           <a:p>
             <a:pPr lvl="1"/>
             <a:r>
-              <a:rPr lang="en-US"/>
+              <a:rPr lang="en-US" smtClean="0"/>
               <a:t>Second level</a:t>
             </a:r>
           </a:p>
           <a:p>
             <a:pPr lvl="2"/>
             <a:r>
-              <a:rPr lang="en-US"/>
+              <a:rPr lang="en-US" smtClean="0"/>
               <a:t>Third level</a:t>
             </a:r>
           </a:p>
           <a:p>
             <a:pPr lvl="3"/>
             <a:r>
-              <a:rPr lang="en-US"/>
+              <a:rPr lang="en-US" smtClean="0"/>
               <a:t>Fourth level</a:t>
             </a:r>
           </a:p>
           <a:p>
             <a:pPr lvl="4"/>
             <a:r>
-              <a:rPr lang="en-US"/>
+              <a:rPr lang="en-US" smtClean="0"/>
               <a:t>Fifth level</a:t>
             </a:r>
+            <a:endParaRPr lang="en-US"/>
           </a:p>
         </p:txBody>
       </p:sp>
@@ -5042,7 +5079,7 @@
           <a:p>
             <a:pPr lvl="0"/>
             <a:r>
-              <a:rPr lang="en-US"/>
+              <a:rPr lang="en-US" smtClean="0"/>
               <a:t>Click to edit Master text styles</a:t>
             </a:r>
           </a:p>
@@ -5098,37 +5135,38 @@
           <a:p>
             <a:pPr lvl="0"/>
             <a:r>
-              <a:rPr lang="en-US"/>
+              <a:rPr lang="en-US" smtClean="0"/>
               <a:t>Click to edit Master text styles</a:t>
             </a:r>
           </a:p>
           <a:p>
             <a:pPr lvl="1"/>
             <a:r>
-              <a:rPr lang="en-US"/>
+              <a:rPr lang="en-US" smtClean="0"/>
               <a:t>Second level</a:t>
             </a:r>
           </a:p>
           <a:p>
             <a:pPr lvl="2"/>
             <a:r>
-              <a:rPr lang="en-US"/>
+              <a:rPr lang="en-US" smtClean="0"/>
               <a:t>Third level</a:t>
             </a:r>
           </a:p>
           <a:p>
             <a:pPr lvl="3"/>
             <a:r>
-              <a:rPr lang="en-US"/>
+              <a:rPr lang="en-US" smtClean="0"/>
               <a:t>Fourth level</a:t>
             </a:r>
           </a:p>
           <a:p>
             <a:pPr lvl="4"/>
             <a:r>
-              <a:rPr lang="en-US"/>
+              <a:rPr lang="en-US" smtClean="0"/>
               <a:t>Fifth level</a:t>
             </a:r>
+            <a:endParaRPr lang="en-US"/>
           </a:p>
         </p:txBody>
       </p:sp>
@@ -5149,7 +5187,7 @@
           <a:p>
             <a:fld id="{16B0049A-7B25-4151-A386-BF3C23675314}" type="datetime1">
               <a:rPr lang="en-US" smtClean="0"/>
-              <a:t>1/23/2017</a:t>
+              <a:t>1/26/2016</a:t>
             </a:fld>
             <a:endParaRPr lang="en-US"/>
           </a:p>
@@ -5251,9 +5289,10 @@
           <a:lstStyle/>
           <a:p>
             <a:r>
-              <a:rPr lang="en-US"/>
+              <a:rPr lang="en-US" smtClean="0"/>
               <a:t>Click to edit Master title style</a:t>
             </a:r>
+            <a:endParaRPr lang="en-US"/>
           </a:p>
         </p:txBody>
       </p:sp>
@@ -5274,7 +5313,7 @@
           <a:p>
             <a:fld id="{4669EECD-01E4-4572-8BD0-2717E3AC353F}" type="datetime1">
               <a:rPr lang="en-US" smtClean="0"/>
-              <a:t>1/23/2017</a:t>
+              <a:t>1/26/2016</a:t>
             </a:fld>
             <a:endParaRPr lang="en-US"/>
           </a:p>
@@ -5377,7 +5416,7 @@
           <a:p>
             <a:fld id="{FBF63299-772A-4EF5-BD70-5AE6174D1B6C}" type="datetime1">
               <a:rPr lang="en-US" smtClean="0"/>
-              <a:t>1/23/2017</a:t>
+              <a:t>1/26/2016</a:t>
             </a:fld>
             <a:endParaRPr lang="en-US"/>
           </a:p>
@@ -5480,9 +5519,10 @@
           </a:lstStyle>
           <a:p>
             <a:r>
-              <a:rPr lang="en-US"/>
+              <a:rPr lang="en-US" smtClean="0"/>
               <a:t>Click to edit Master title style</a:t>
             </a:r>
+            <a:endParaRPr lang="en-US"/>
           </a:p>
         </p:txBody>
       </p:sp>
@@ -5599,7 +5639,7 @@
           <a:p>
             <a:pPr lvl="0"/>
             <a:r>
-              <a:rPr lang="en-US"/>
+              <a:rPr lang="en-US" smtClean="0"/>
               <a:t>Click to edit Master text styles</a:t>
             </a:r>
           </a:p>
@@ -5622,7 +5662,7 @@
           <a:p>
             <a:fld id="{14C3D302-F44D-4C48-9AB4-E66C7AAD59FC}" type="datetime1">
               <a:rPr lang="en-US" smtClean="0"/>
-              <a:t>1/23/2017</a:t>
+              <a:t>1/26/2016</a:t>
             </a:fld>
             <a:endParaRPr lang="en-US"/>
           </a:p>
@@ -5733,9 +5773,10 @@
           </a:lstStyle>
           <a:p>
             <a:r>
-              <a:rPr lang="en-US"/>
+              <a:rPr lang="en-US" smtClean="0"/>
               <a:t>Click to edit Master title style</a:t>
             </a:r>
+            <a:endParaRPr lang="en-US"/>
           </a:p>
         </p:txBody>
       </p:sp>
@@ -5789,37 +5830,38 @@
           <a:p>
             <a:pPr lvl="0"/>
             <a:r>
-              <a:rPr lang="en-US"/>
+              <a:rPr lang="en-US" smtClean="0"/>
               <a:t>Click to edit Master text styles</a:t>
             </a:r>
           </a:p>
           <a:p>
             <a:pPr lvl="1"/>
             <a:r>
-              <a:rPr lang="en-US"/>
+              <a:rPr lang="en-US" smtClean="0"/>
               <a:t>Second level</a:t>
             </a:r>
           </a:p>
           <a:p>
             <a:pPr lvl="2"/>
             <a:r>
-              <a:rPr lang="en-US"/>
+              <a:rPr lang="en-US" smtClean="0"/>
               <a:t>Third level</a:t>
             </a:r>
           </a:p>
           <a:p>
             <a:pPr lvl="3"/>
             <a:r>
-              <a:rPr lang="en-US"/>
+              <a:rPr lang="en-US" smtClean="0"/>
               <a:t>Fourth level</a:t>
             </a:r>
           </a:p>
           <a:p>
             <a:pPr lvl="4"/>
             <a:r>
-              <a:rPr lang="en-US"/>
+              <a:rPr lang="en-US" smtClean="0"/>
               <a:t>Fifth level</a:t>
             </a:r>
+            <a:endParaRPr lang="en-US"/>
           </a:p>
         </p:txBody>
       </p:sp>
@@ -5882,7 +5924,7 @@
           <a:p>
             <a:pPr lvl="0"/>
             <a:r>
-              <a:rPr lang="en-US"/>
+              <a:rPr lang="en-US" smtClean="0"/>
               <a:t>Click to edit Master text styles</a:t>
             </a:r>
           </a:p>
@@ -5905,7 +5947,7 @@
           <a:p>
             <a:fld id="{BA37D725-F957-4CB0-95B7-2EACDECFF9EB}" type="datetime1">
               <a:rPr lang="en-US" smtClean="0"/>
-              <a:t>1/23/2017</a:t>
+              <a:t>1/26/2016</a:t>
             </a:fld>
             <a:endParaRPr lang="en-US"/>
           </a:p>
@@ -6016,9 +6058,10 @@
           </a:lstStyle>
           <a:p>
             <a:r>
-              <a:rPr lang="en-US"/>
+              <a:rPr lang="en-US" smtClean="0"/>
               <a:t>Click to edit Master title style</a:t>
             </a:r>
+            <a:endParaRPr lang="en-US"/>
           </a:p>
         </p:txBody>
       </p:sp>
@@ -6142,7 +6185,7 @@
           <a:p>
             <a:pPr lvl="0"/>
             <a:r>
-              <a:rPr lang="en-US"/>
+              <a:rPr lang="en-US" smtClean="0"/>
               <a:t>Click to edit Master text styles</a:t>
             </a:r>
           </a:p>
@@ -6165,7 +6208,7 @@
           <a:p>
             <a:fld id="{C3D550D7-A999-41A7-9C9D-0907FC814ADA}" type="datetime1">
               <a:rPr lang="en-US" smtClean="0"/>
-              <a:t>1/23/2017</a:t>
+              <a:t>1/26/2016</a:t>
             </a:fld>
             <a:endParaRPr lang="en-US"/>
           </a:p>
@@ -6267,9 +6310,10 @@
           <a:lstStyle/>
           <a:p>
             <a:r>
-              <a:rPr lang="en-US"/>
+              <a:rPr lang="en-US" smtClean="0"/>
               <a:t>Click to edit Master title style</a:t>
             </a:r>
+            <a:endParaRPr lang="en-US"/>
           </a:p>
         </p:txBody>
       </p:sp>
@@ -6290,37 +6334,38 @@
           <a:p>
             <a:pPr lvl="0"/>
             <a:r>
-              <a:rPr lang="en-US"/>
+              <a:rPr lang="en-US" smtClean="0"/>
               <a:t>Click to edit Master text styles</a:t>
             </a:r>
           </a:p>
           <a:p>
             <a:pPr lvl="1"/>
             <a:r>
-              <a:rPr lang="en-US"/>
+              <a:rPr lang="en-US" smtClean="0"/>
               <a:t>Second level</a:t>
             </a:r>
           </a:p>
           <a:p>
             <a:pPr lvl="2"/>
             <a:r>
-              <a:rPr lang="en-US"/>
+              <a:rPr lang="en-US" smtClean="0"/>
               <a:t>Third level</a:t>
             </a:r>
           </a:p>
           <a:p>
             <a:pPr lvl="3"/>
             <a:r>
-              <a:rPr lang="en-US"/>
+              <a:rPr lang="en-US" smtClean="0"/>
               <a:t>Fourth level</a:t>
             </a:r>
           </a:p>
           <a:p>
             <a:pPr lvl="4"/>
             <a:r>
-              <a:rPr lang="en-US"/>
+              <a:rPr lang="en-US" smtClean="0"/>
               <a:t>Fifth level</a:t>
             </a:r>
+            <a:endParaRPr lang="en-US"/>
           </a:p>
         </p:txBody>
       </p:sp>
@@ -6341,7 +6386,7 @@
           <a:p>
             <a:fld id="{94CBEF62-12B4-4E5F-BF0F-771E98D7289F}" type="datetime1">
               <a:rPr lang="en-US" smtClean="0"/>
-              <a:t>1/23/2017</a:t>
+              <a:t>1/26/2016</a:t>
             </a:fld>
             <a:endParaRPr lang="en-US"/>
           </a:p>
@@ -6448,9 +6493,10 @@
           <a:lstStyle/>
           <a:p>
             <a:r>
-              <a:rPr lang="en-US"/>
+              <a:rPr lang="en-US" smtClean="0"/>
               <a:t>Click to edit Master title style</a:t>
             </a:r>
+            <a:endParaRPr lang="en-US"/>
           </a:p>
         </p:txBody>
       </p:sp>
@@ -6476,37 +6522,38 @@
           <a:p>
             <a:pPr lvl="0"/>
             <a:r>
-              <a:rPr lang="en-US"/>
+              <a:rPr lang="en-US" smtClean="0"/>
               <a:t>Click to edit Master text styles</a:t>
             </a:r>
           </a:p>
           <a:p>
             <a:pPr lvl="1"/>
             <a:r>
-              <a:rPr lang="en-US"/>
+              <a:rPr lang="en-US" smtClean="0"/>
               <a:t>Second level</a:t>
             </a:r>
           </a:p>
           <a:p>
             <a:pPr lvl="2"/>
             <a:r>
-              <a:rPr lang="en-US"/>
+              <a:rPr lang="en-US" smtClean="0"/>
               <a:t>Third level</a:t>
             </a:r>
           </a:p>
           <a:p>
             <a:pPr lvl="3"/>
             <a:r>
-              <a:rPr lang="en-US"/>
+              <a:rPr lang="en-US" smtClean="0"/>
               <a:t>Fourth level</a:t>
             </a:r>
           </a:p>
           <a:p>
             <a:pPr lvl="4"/>
             <a:r>
-              <a:rPr lang="en-US"/>
+              <a:rPr lang="en-US" smtClean="0"/>
               <a:t>Fifth level</a:t>
             </a:r>
+            <a:endParaRPr lang="en-US"/>
           </a:p>
         </p:txBody>
       </p:sp>
@@ -6527,7 +6574,7 @@
           <a:p>
             <a:fld id="{BCA8447D-ABEA-40EB-B9FF-53F7381F0DEE}" type="datetime1">
               <a:rPr lang="en-US" smtClean="0"/>
-              <a:t>1/23/2017</a:t>
+              <a:t>1/26/2016</a:t>
             </a:fld>
             <a:endParaRPr lang="en-US"/>
           </a:p>
@@ -6621,9 +6668,10 @@
           <a:lstStyle/>
           <a:p>
             <a:r>
-              <a:rPr lang="en-US"/>
+              <a:rPr lang="en-US" smtClean="0"/>
               <a:t>Click to edit Master title style</a:t>
             </a:r>
+            <a:endParaRPr lang="en-US"/>
           </a:p>
         </p:txBody>
       </p:sp>
@@ -6677,37 +6725,38 @@
           <a:p>
             <a:pPr lvl="0"/>
             <a:r>
-              <a:rPr lang="en-US"/>
+              <a:rPr lang="en-US" smtClean="0"/>
               <a:t>Click to edit Master text styles</a:t>
             </a:r>
           </a:p>
           <a:p>
             <a:pPr lvl="1"/>
             <a:r>
-              <a:rPr lang="en-US"/>
+              <a:rPr lang="en-US" smtClean="0"/>
               <a:t>Second level</a:t>
             </a:r>
           </a:p>
           <a:p>
             <a:pPr lvl="2"/>
             <a:r>
-              <a:rPr lang="en-US"/>
+              <a:rPr lang="en-US" smtClean="0"/>
               <a:t>Third level</a:t>
             </a:r>
           </a:p>
           <a:p>
             <a:pPr lvl="3"/>
             <a:r>
-              <a:rPr lang="en-US"/>
+              <a:rPr lang="en-US" smtClean="0"/>
               <a:t>Fourth level</a:t>
             </a:r>
           </a:p>
           <a:p>
             <a:pPr lvl="4"/>
             <a:r>
-              <a:rPr lang="en-US"/>
+              <a:rPr lang="en-US" smtClean="0"/>
               <a:t>Fifth level</a:t>
             </a:r>
+            <a:endParaRPr lang="en-US"/>
           </a:p>
         </p:txBody>
       </p:sp>
@@ -6761,37 +6810,38 @@
           <a:p>
             <a:pPr lvl="0"/>
             <a:r>
-              <a:rPr lang="en-US"/>
+              <a:rPr lang="en-US" smtClean="0"/>
               <a:t>Click to edit Master text styles</a:t>
             </a:r>
           </a:p>
           <a:p>
             <a:pPr lvl="1"/>
             <a:r>
-              <a:rPr lang="en-US"/>
+              <a:rPr lang="en-US" smtClean="0"/>
               <a:t>Second level</a:t>
             </a:r>
           </a:p>
           <a:p>
             <a:pPr lvl="2"/>
             <a:r>
-              <a:rPr lang="en-US"/>
+              <a:rPr lang="en-US" smtClean="0"/>
               <a:t>Third level</a:t>
             </a:r>
           </a:p>
           <a:p>
             <a:pPr lvl="3"/>
             <a:r>
-              <a:rPr lang="en-US"/>
+              <a:rPr lang="en-US" smtClean="0"/>
               <a:t>Fourth level</a:t>
             </a:r>
           </a:p>
           <a:p>
             <a:pPr lvl="4"/>
             <a:r>
-              <a:rPr lang="en-US"/>
+              <a:rPr lang="en-US" smtClean="0"/>
               <a:t>Fifth level</a:t>
             </a:r>
+            <a:endParaRPr lang="en-US"/>
           </a:p>
         </p:txBody>
       </p:sp>
@@ -6812,7 +6862,7 @@
           <a:p>
             <a:fld id="{4B1E226B-FA54-4BDC-8201-19269D734AFD}" type="datetime1">
               <a:rPr lang="en-US" smtClean="0"/>
-              <a:t>1/23/2017</a:t>
+              <a:t>1/26/2016</a:t>
             </a:fld>
             <a:endParaRPr lang="en-US"/>
           </a:p>
@@ -6910,9 +6960,10 @@
           </a:lstStyle>
           <a:p>
             <a:r>
-              <a:rPr lang="en-US"/>
+              <a:rPr lang="en-US" smtClean="0"/>
               <a:t>Click to edit Master title style</a:t>
             </a:r>
+            <a:endParaRPr lang="en-US"/>
           </a:p>
         </p:txBody>
       </p:sp>
@@ -6975,7 +7026,7 @@
           <a:p>
             <a:pPr lvl="0"/>
             <a:r>
-              <a:rPr lang="en-US"/>
+              <a:rPr lang="en-US" smtClean="0"/>
               <a:t>Click to edit Master text styles</a:t>
             </a:r>
           </a:p>
@@ -7031,37 +7082,38 @@
           <a:p>
             <a:pPr lvl="0"/>
             <a:r>
-              <a:rPr lang="en-US"/>
+              <a:rPr lang="en-US" smtClean="0"/>
               <a:t>Click to edit Master text styles</a:t>
             </a:r>
           </a:p>
           <a:p>
             <a:pPr lvl="1"/>
             <a:r>
-              <a:rPr lang="en-US"/>
+              <a:rPr lang="en-US" smtClean="0"/>
               <a:t>Second level</a:t>
             </a:r>
           </a:p>
           <a:p>
             <a:pPr lvl="2"/>
             <a:r>
-              <a:rPr lang="en-US"/>
+              <a:rPr lang="en-US" smtClean="0"/>
               <a:t>Third level</a:t>
             </a:r>
           </a:p>
           <a:p>
             <a:pPr lvl="3"/>
             <a:r>
-              <a:rPr lang="en-US"/>
+              <a:rPr lang="en-US" smtClean="0"/>
               <a:t>Fourth level</a:t>
             </a:r>
           </a:p>
           <a:p>
             <a:pPr lvl="4"/>
             <a:r>
-              <a:rPr lang="en-US"/>
+              <a:rPr lang="en-US" smtClean="0"/>
               <a:t>Fifth level</a:t>
             </a:r>
+            <a:endParaRPr lang="en-US"/>
           </a:p>
         </p:txBody>
       </p:sp>
@@ -7124,7 +7176,7 @@
           <a:p>
             <a:pPr lvl="0"/>
             <a:r>
-              <a:rPr lang="en-US"/>
+              <a:rPr lang="en-US" smtClean="0"/>
               <a:t>Click to edit Master text styles</a:t>
             </a:r>
           </a:p>
@@ -7180,37 +7232,38 @@
           <a:p>
             <a:pPr lvl="0"/>
             <a:r>
-              <a:rPr lang="en-US"/>
+              <a:rPr lang="en-US" smtClean="0"/>
               <a:t>Click to edit Master text styles</a:t>
             </a:r>
           </a:p>
           <a:p>
             <a:pPr lvl="1"/>
             <a:r>
-              <a:rPr lang="en-US"/>
+              <a:rPr lang="en-US" smtClean="0"/>
               <a:t>Second level</a:t>
             </a:r>
           </a:p>
           <a:p>
             <a:pPr lvl="2"/>
             <a:r>
-              <a:rPr lang="en-US"/>
+              <a:rPr lang="en-US" smtClean="0"/>
               <a:t>Third level</a:t>
             </a:r>
           </a:p>
           <a:p>
             <a:pPr lvl="3"/>
             <a:r>
-              <a:rPr lang="en-US"/>
+              <a:rPr lang="en-US" smtClean="0"/>
               <a:t>Fourth level</a:t>
             </a:r>
           </a:p>
           <a:p>
             <a:pPr lvl="4"/>
             <a:r>
-              <a:rPr lang="en-US"/>
+              <a:rPr lang="en-US" smtClean="0"/>
               <a:t>Fifth level</a:t>
             </a:r>
+            <a:endParaRPr lang="en-US"/>
           </a:p>
         </p:txBody>
       </p:sp>
@@ -7231,7 +7284,7 @@
           <a:p>
             <a:fld id="{A48FD302-A4C5-460E-821E-F0758F7B09DB}" type="datetime1">
               <a:rPr lang="en-US" smtClean="0"/>
-              <a:t>1/23/2017</a:t>
+              <a:t>1/26/2016</a:t>
             </a:fld>
             <a:endParaRPr lang="en-US"/>
           </a:p>
@@ -7325,9 +7378,10 @@
           <a:lstStyle/>
           <a:p>
             <a:r>
-              <a:rPr lang="en-US"/>
+              <a:rPr lang="en-US" smtClean="0"/>
               <a:t>Click to edit Master title style</a:t>
             </a:r>
+            <a:endParaRPr lang="en-US"/>
           </a:p>
         </p:txBody>
       </p:sp>
@@ -7348,7 +7402,7 @@
           <a:p>
             <a:fld id="{64F717C0-D4DB-442B-8C0B-8E7BE0603337}" type="datetime1">
               <a:rPr lang="en-US" smtClean="0"/>
-              <a:t>1/23/2017</a:t>
+              <a:t>1/26/2016</a:t>
             </a:fld>
             <a:endParaRPr lang="en-US"/>
           </a:p>
@@ -7443,7 +7497,7 @@
           <a:p>
             <a:fld id="{63D346FC-DDDE-41B4-8118-AA4FFA556266}" type="datetime1">
               <a:rPr lang="en-US" smtClean="0"/>
-              <a:t>1/23/2017</a:t>
+              <a:t>1/26/2016</a:t>
             </a:fld>
             <a:endParaRPr lang="en-US"/>
           </a:p>
@@ -7546,9 +7600,10 @@
           </a:lstStyle>
           <a:p>
             <a:r>
-              <a:rPr lang="en-US"/>
+              <a:rPr lang="en-US" smtClean="0"/>
               <a:t>Click to edit Master title style</a:t>
             </a:r>
+            <a:endParaRPr lang="en-US"/>
           </a:p>
         </p:txBody>
       </p:sp>
@@ -7602,37 +7657,38 @@
           <a:p>
             <a:pPr lvl="0"/>
             <a:r>
-              <a:rPr lang="en-US"/>
+              <a:rPr lang="en-US" smtClean="0"/>
               <a:t>Click to edit Master text styles</a:t>
             </a:r>
           </a:p>
           <a:p>
             <a:pPr lvl="1"/>
             <a:r>
-              <a:rPr lang="en-US"/>
+              <a:rPr lang="en-US" smtClean="0"/>
               <a:t>Second level</a:t>
             </a:r>
           </a:p>
           <a:p>
             <a:pPr lvl="2"/>
             <a:r>
-              <a:rPr lang="en-US"/>
+              <a:rPr lang="en-US" smtClean="0"/>
               <a:t>Third level</a:t>
             </a:r>
           </a:p>
           <a:p>
             <a:pPr lvl="3"/>
             <a:r>
-              <a:rPr lang="en-US"/>
+              <a:rPr lang="en-US" smtClean="0"/>
               <a:t>Fourth level</a:t>
             </a:r>
           </a:p>
           <a:p>
             <a:pPr lvl="4"/>
             <a:r>
-              <a:rPr lang="en-US"/>
+              <a:rPr lang="en-US" smtClean="0"/>
               <a:t>Fifth level</a:t>
             </a:r>
+            <a:endParaRPr lang="en-US"/>
           </a:p>
         </p:txBody>
       </p:sp>
@@ -7695,7 +7751,7 @@
           <a:p>
             <a:pPr lvl="0"/>
             <a:r>
-              <a:rPr lang="en-US"/>
+              <a:rPr lang="en-US" smtClean="0"/>
               <a:t>Click to edit Master text styles</a:t>
             </a:r>
           </a:p>
@@ -7718,7 +7774,7 @@
           <a:p>
             <a:fld id="{ADB0AC3C-FFED-4EAE-A34D-B9688C9307A5}" type="datetime1">
               <a:rPr lang="en-US" smtClean="0"/>
-              <a:t>1/23/2017</a:t>
+              <a:t>1/26/2016</a:t>
             </a:fld>
             <a:endParaRPr lang="en-US"/>
           </a:p>
@@ -7821,9 +7877,10 @@
           </a:lstStyle>
           <a:p>
             <a:r>
-              <a:rPr lang="en-US"/>
+              <a:rPr lang="en-US" smtClean="0"/>
               <a:t>Click to edit Master title style</a:t>
             </a:r>
+            <a:endParaRPr lang="en-US"/>
           </a:p>
         </p:txBody>
       </p:sp>
@@ -7947,7 +8004,7 @@
           <a:p>
             <a:pPr lvl="0"/>
             <a:r>
-              <a:rPr lang="en-US"/>
+              <a:rPr lang="en-US" smtClean="0"/>
               <a:t>Click to edit Master text styles</a:t>
             </a:r>
           </a:p>
@@ -7970,7 +8027,7 @@
           <a:p>
             <a:fld id="{D7BB1A1F-54B4-4384-8791-9183BFC3954E}" type="datetime1">
               <a:rPr lang="en-US" smtClean="0"/>
-              <a:t>1/23/2017</a:t>
+              <a:t>1/26/2016</a:t>
             </a:fld>
             <a:endParaRPr lang="en-US"/>
           </a:p>
@@ -8079,9 +8136,10 @@
           <a:lstStyle/>
           <a:p>
             <a:r>
-              <a:rPr lang="en-US"/>
+              <a:rPr lang="en-US" smtClean="0"/>
               <a:t>Click to edit Master title style</a:t>
             </a:r>
+            <a:endParaRPr lang="en-US"/>
           </a:p>
         </p:txBody>
       </p:sp>
@@ -8112,37 +8170,38 @@
           <a:p>
             <a:pPr lvl="0"/>
             <a:r>
-              <a:rPr lang="en-US"/>
+              <a:rPr lang="en-US" smtClean="0"/>
               <a:t>Click to edit Master text styles</a:t>
             </a:r>
           </a:p>
           <a:p>
             <a:pPr lvl="1"/>
             <a:r>
-              <a:rPr lang="en-US"/>
+              <a:rPr lang="en-US" smtClean="0"/>
               <a:t>Second level</a:t>
             </a:r>
           </a:p>
           <a:p>
             <a:pPr lvl="2"/>
             <a:r>
-              <a:rPr lang="en-US"/>
+              <a:rPr lang="en-US" smtClean="0"/>
               <a:t>Third level</a:t>
             </a:r>
           </a:p>
           <a:p>
             <a:pPr lvl="3"/>
             <a:r>
-              <a:rPr lang="en-US"/>
+              <a:rPr lang="en-US" smtClean="0"/>
               <a:t>Fourth level</a:t>
             </a:r>
           </a:p>
           <a:p>
             <a:pPr lvl="4"/>
             <a:r>
-              <a:rPr lang="en-US"/>
+              <a:rPr lang="en-US" smtClean="0"/>
               <a:t>Fifth level</a:t>
             </a:r>
+            <a:endParaRPr lang="en-US"/>
           </a:p>
         </p:txBody>
       </p:sp>
@@ -8181,7 +8240,7 @@
           <a:p>
             <a:fld id="{4FF4215C-EF9E-4499-8028-3F6D416200A1}" type="datetime1">
               <a:rPr lang="en-US" smtClean="0"/>
-              <a:t>1/23/2017</a:t>
+              <a:t>1/26/2016</a:t>
             </a:fld>
             <a:endParaRPr lang="en-US"/>
           </a:p>
@@ -8593,9 +8652,10 @@
           <a:lstStyle/>
           <a:p>
             <a:r>
-              <a:rPr lang="en-US"/>
+              <a:rPr lang="en-US" smtClean="0"/>
               <a:t>Click to edit Master title style</a:t>
             </a:r>
+            <a:endParaRPr lang="en-US"/>
           </a:p>
         </p:txBody>
       </p:sp>
@@ -8626,37 +8686,38 @@
           <a:p>
             <a:pPr lvl="0"/>
             <a:r>
-              <a:rPr lang="en-US"/>
+              <a:rPr lang="en-US" smtClean="0"/>
               <a:t>Click to edit Master text styles</a:t>
             </a:r>
           </a:p>
           <a:p>
             <a:pPr lvl="1"/>
             <a:r>
-              <a:rPr lang="en-US"/>
+              <a:rPr lang="en-US" smtClean="0"/>
               <a:t>Second level</a:t>
             </a:r>
           </a:p>
           <a:p>
             <a:pPr lvl="2"/>
             <a:r>
-              <a:rPr lang="en-US"/>
+              <a:rPr lang="en-US" smtClean="0"/>
               <a:t>Third level</a:t>
             </a:r>
           </a:p>
           <a:p>
             <a:pPr lvl="3"/>
             <a:r>
-              <a:rPr lang="en-US"/>
+              <a:rPr lang="en-US" smtClean="0"/>
               <a:t>Fourth level</a:t>
             </a:r>
           </a:p>
           <a:p>
             <a:pPr lvl="4"/>
             <a:r>
-              <a:rPr lang="en-US"/>
+              <a:rPr lang="en-US" smtClean="0"/>
               <a:t>Fifth level</a:t>
             </a:r>
+            <a:endParaRPr lang="en-US"/>
           </a:p>
         </p:txBody>
       </p:sp>
@@ -8695,7 +8756,7 @@
           <a:p>
             <a:fld id="{A4E079AD-47BF-4602-90E1-6DFC049A5484}" type="datetime1">
               <a:rPr lang="en-US" smtClean="0"/>
-              <a:t>1/23/2017</a:t>
+              <a:t>1/26/2016</a:t>
             </a:fld>
             <a:endParaRPr lang="en-US"/>
           </a:p>
@@ -9105,9 +9166,10 @@
           <a:lstStyle/>
           <a:p>
             <a:r>
-              <a:rPr lang="en-US" dirty="0"/>
+              <a:rPr lang="en-US" dirty="0" smtClean="0"/>
               <a:t>Click to edit Master title style</a:t>
             </a:r>
+            <a:endParaRPr lang="en-US" dirty="0"/>
           </a:p>
         </p:txBody>
       </p:sp>
@@ -9138,37 +9200,38 @@
           <a:p>
             <a:pPr lvl="0"/>
             <a:r>
-              <a:rPr lang="en-US"/>
+              <a:rPr lang="en-US" smtClean="0"/>
               <a:t>Click to edit Master text styles</a:t>
             </a:r>
           </a:p>
           <a:p>
             <a:pPr lvl="1"/>
             <a:r>
-              <a:rPr lang="en-US"/>
+              <a:rPr lang="en-US" smtClean="0"/>
               <a:t>Second level</a:t>
             </a:r>
           </a:p>
           <a:p>
             <a:pPr lvl="2"/>
             <a:r>
-              <a:rPr lang="en-US"/>
+              <a:rPr lang="en-US" smtClean="0"/>
               <a:t>Third level</a:t>
             </a:r>
           </a:p>
           <a:p>
             <a:pPr lvl="3"/>
             <a:r>
-              <a:rPr lang="en-US"/>
+              <a:rPr lang="en-US" smtClean="0"/>
               <a:t>Fourth level</a:t>
             </a:r>
           </a:p>
           <a:p>
             <a:pPr lvl="4"/>
             <a:r>
-              <a:rPr lang="en-US"/>
+              <a:rPr lang="en-US" smtClean="0"/>
               <a:t>Fifth level</a:t>
             </a:r>
+            <a:endParaRPr lang="en-US"/>
           </a:p>
         </p:txBody>
       </p:sp>
@@ -9207,7 +9270,7 @@
           <a:p>
             <a:fld id="{C3A25FC6-4A5B-4D03-B6E2-74CEF1309020}" type="datetime1">
               <a:rPr lang="en-US" smtClean="0"/>
-              <a:t>1/23/2017</a:t>
+              <a:t>1/26/2016</a:t>
             </a:fld>
             <a:endParaRPr lang="en-US"/>
           </a:p>
@@ -9609,7 +9672,7 @@
           <a:p>
             <a:pPr algn="ctr"/>
             <a:r>
-              <a:rPr lang="en-SG" b="1">
+              <a:rPr lang="en-SG" b="1" smtClean="0">
                 <a:solidFill>
                   <a:srgbClr val="FFFF00"/>
                 </a:solidFill>
@@ -9620,13 +9683,18 @@
           <a:p>
             <a:pPr algn="ctr"/>
             <a:r>
-              <a:rPr lang="en-SG">
+              <a:rPr lang="en-SG" smtClean="0">
                 <a:solidFill>
                   <a:srgbClr val="FFFFFF"/>
                 </a:solidFill>
               </a:rPr>
               <a:t>Adjust the design of this slide and click the 'Sync Agenda' (in Agenda Lab) to replicate the design in the other slides.</a:t>
             </a:r>
+            <a:endParaRPr lang="en-SG">
+              <a:solidFill>
+                <a:srgbClr val="FFFFFF"/>
+              </a:solidFill>
+            </a:endParaRPr>
           </a:p>
         </p:txBody>
       </p:sp>
@@ -9750,13 +9818,18 @@
             <a:lstStyle/>
             <a:p>
               <a:r>
-                <a:rPr lang="en-SG">
+                <a:rPr lang="en-SG" smtClean="0">
                   <a:solidFill>
                     <a:srgbClr val="FFFFFF"/>
                   </a:solidFill>
                 </a:rPr>
                 <a:t>One Slide</a:t>
               </a:r>
+              <a:endParaRPr lang="en-SG">
+                <a:solidFill>
+                  <a:srgbClr val="FFFFFF"/>
+                </a:solidFill>
+              </a:endParaRPr>
             </a:p>
           </p:txBody>
         </p:sp>
@@ -9783,13 +9856,18 @@
             <a:lstStyle/>
             <a:p>
               <a:r>
-                <a:rPr lang="en-SG">
+                <a:rPr lang="en-SG" smtClean="0">
                   <a:solidFill>
                     <a:srgbClr val="FFFFFF"/>
                   </a:solidFill>
                 </a:rPr>
                 <a:t>Two Slides</a:t>
               </a:r>
+              <a:endParaRPr lang="en-SG">
+                <a:solidFill>
+                  <a:srgbClr val="FFFFFF"/>
+                </a:solidFill>
+              </a:endParaRPr>
             </a:p>
           </p:txBody>
         </p:sp>
@@ -9816,13 +9894,18 @@
             <a:lstStyle/>
             <a:p>
               <a:r>
-                <a:rPr lang="en-SG">
+                <a:rPr lang="en-SG" smtClean="0">
                   <a:solidFill>
                     <a:srgbClr val="FFFFFF"/>
                   </a:solidFill>
                 </a:rPr>
                 <a:t>Same Name</a:t>
               </a:r>
+              <a:endParaRPr lang="en-SG">
+                <a:solidFill>
+                  <a:srgbClr val="FFFFFF"/>
+                </a:solidFill>
+              </a:endParaRPr>
             </a:p>
           </p:txBody>
         </p:sp>
@@ -9849,13 +9932,18 @@
             <a:lstStyle/>
             <a:p>
               <a:r>
-                <a:rPr lang="en-SG">
+                <a:rPr lang="en-SG" smtClean="0">
                   <a:solidFill>
                     <a:srgbClr val="FFFFFF"/>
                   </a:solidFill>
                 </a:rPr>
                 <a:t>Same Name</a:t>
               </a:r>
+              <a:endParaRPr lang="en-SG">
+                <a:solidFill>
+                  <a:srgbClr val="FFFFFF"/>
+                </a:solidFill>
+              </a:endParaRPr>
             </a:p>
           </p:txBody>
         </p:sp>
@@ -9882,7 +9970,7 @@
             <a:lstStyle/>
             <a:p>
               <a:r>
-                <a:rPr lang="ja-JP" altLang="en-US">
+                <a:rPr lang="ja-JP" altLang="en-US" smtClean="0">
                   <a:solidFill>
                     <a:srgbClr val="FFFFFF"/>
                   </a:solidFill>
@@ -9890,13 +9978,18 @@
                 <a:t>あいうえお</a:t>
               </a:r>
               <a:r>
-                <a:rPr lang="en-SG">
+                <a:rPr lang="en-SG" smtClean="0">
                   <a:solidFill>
                     <a:srgbClr val="FFFFFF"/>
                   </a:solidFill>
                 </a:rPr>
                 <a:t>kl)(*&amp;%$#@85v_+)0_@#%L:CF]1</a:t>
               </a:r>
+              <a:endParaRPr lang="en-SG">
+                <a:solidFill>
+                  <a:srgbClr val="FFFFFF"/>
+                </a:solidFill>
+              </a:endParaRPr>
             </a:p>
           </p:txBody>
         </p:sp>
@@ -9925,13 +10018,18 @@
             <a:lstStyle/>
             <a:p>
               <a:r>
-                <a:rPr lang="en-SG">
+                <a:rPr lang="en-SG" smtClean="0">
                   <a:solidFill>
                     <a:srgbClr val="FFFF00"/>
                   </a:solidFill>
                 </a:rPr>
                 <a:t>Highlighted</a:t>
               </a:r>
+              <a:endParaRPr lang="en-SG">
+                <a:solidFill>
+                  <a:srgbClr val="FFFF00"/>
+                </a:solidFill>
+              </a:endParaRPr>
             </a:p>
           </p:txBody>
         </p:sp>
@@ -9946,6 +10044,14 @@
   <p:clrMapOvr>
     <a:masterClrMapping/>
   </p:clrMapOvr>
+  <mc:AlternateContent xmlns:mc="http://schemas.openxmlformats.org/markup-compatibility/2006">
+    <mc:Choice xmlns:p14="http://schemas.microsoft.com/office/powerpoint/2010/main" Requires="p14">
+      <p:transition spd="slow" p14:dur="2000"/>
+    </mc:Choice>
+    <mc:Fallback>
+      <p:transition spd="slow"/>
+    </mc:Fallback>
+  </mc:AlternateContent>
   <p:timing>
     <p:tnLst>
       <p:par>
@@ -10203,13 +10309,18 @@
             <a:lstStyle/>
             <a:p>
               <a:r>
-                <a:rPr lang="en-SG">
+                <a:rPr lang="en-SG" smtClean="0">
                   <a:solidFill>
                     <a:srgbClr val="FFFFFF"/>
                   </a:solidFill>
                 </a:rPr>
                 <a:t>One Slide</a:t>
               </a:r>
+              <a:endParaRPr lang="en-SG">
+                <a:solidFill>
+                  <a:srgbClr val="FFFFFF"/>
+                </a:solidFill>
+              </a:endParaRPr>
             </a:p>
           </p:txBody>
         </p:sp>
@@ -10236,13 +10347,18 @@
             <a:lstStyle/>
             <a:p>
               <a:r>
-                <a:rPr lang="en-SG">
+                <a:rPr lang="en-SG" smtClean="0">
                   <a:solidFill>
                     <a:srgbClr val="FFFFFF"/>
                   </a:solidFill>
                 </a:rPr>
                 <a:t>Two Slides</a:t>
               </a:r>
+              <a:endParaRPr lang="en-SG">
+                <a:solidFill>
+                  <a:srgbClr val="FFFFFF"/>
+                </a:solidFill>
+              </a:endParaRPr>
             </a:p>
           </p:txBody>
         </p:sp>
@@ -10269,13 +10385,18 @@
             <a:lstStyle/>
             <a:p>
               <a:r>
-                <a:rPr lang="en-SG">
+                <a:rPr lang="en-SG" smtClean="0">
                   <a:solidFill>
                     <a:srgbClr val="FFFFFF"/>
                   </a:solidFill>
                 </a:rPr>
                 <a:t>Same Name</a:t>
               </a:r>
+              <a:endParaRPr lang="en-SG">
+                <a:solidFill>
+                  <a:srgbClr val="FFFFFF"/>
+                </a:solidFill>
+              </a:endParaRPr>
             </a:p>
           </p:txBody>
         </p:sp>
@@ -10303,13 +10424,18 @@
             <a:p>
               <a:pPr lvl="0"/>
               <a:r>
-                <a:rPr lang="en-SG">
+                <a:rPr lang="en-SG" smtClean="0">
                   <a:solidFill>
                     <a:srgbClr val="FFFF00"/>
                   </a:solidFill>
                 </a:rPr>
                 <a:t>Same Name</a:t>
               </a:r>
+              <a:endParaRPr lang="en-SG">
+                <a:solidFill>
+                  <a:srgbClr val="FFFF00"/>
+                </a:solidFill>
+              </a:endParaRPr>
             </a:p>
           </p:txBody>
         </p:sp>
@@ -10336,7 +10462,7 @@
             <a:lstStyle/>
             <a:p>
               <a:r>
-                <a:rPr lang="ja-JP" altLang="en-US">
+                <a:rPr lang="ja-JP" altLang="en-US" smtClean="0">
                   <a:solidFill>
                     <a:srgbClr val="FFFFFF"/>
                   </a:solidFill>
@@ -10344,13 +10470,18 @@
                 <a:t>あいうえお</a:t>
               </a:r>
               <a:r>
-                <a:rPr lang="en-SG">
+                <a:rPr lang="en-SG" smtClean="0">
                   <a:solidFill>
                     <a:srgbClr val="FFFFFF"/>
                   </a:solidFill>
                 </a:rPr>
                 <a:t>kl)(*&amp;%$#@85v_+)0_@#%L:CF]1</a:t>
               </a:r>
+              <a:endParaRPr lang="en-SG">
+                <a:solidFill>
+                  <a:srgbClr val="FFFFFF"/>
+                </a:solidFill>
+              </a:endParaRPr>
             </a:p>
           </p:txBody>
         </p:sp>
@@ -10365,6 +10496,13 @@
   <p:clrMapOvr>
     <a:masterClrMapping/>
   </p:clrMapOvr>
+  <p:timing>
+    <p:tnLst>
+      <p:par>
+        <p:cTn id="1" dur="indefinite" restart="never" nodeType="tmRoot"/>
+      </p:par>
+    </p:tnLst>
+  </p:timing>
 </p:sld>
 </file>
 
@@ -10514,13 +10652,18 @@
             <a:lstStyle/>
             <a:p>
               <a:r>
-                <a:rPr lang="en-SG">
+                <a:rPr lang="en-SG" smtClean="0">
                   <a:solidFill>
                     <a:srgbClr val="FFFFFF"/>
                   </a:solidFill>
                 </a:rPr>
                 <a:t>One Slide</a:t>
               </a:r>
+              <a:endParaRPr lang="en-SG">
+                <a:solidFill>
+                  <a:srgbClr val="FFFFFF"/>
+                </a:solidFill>
+              </a:endParaRPr>
             </a:p>
           </p:txBody>
         </p:sp>
@@ -10547,13 +10690,18 @@
             <a:lstStyle/>
             <a:p>
               <a:r>
-                <a:rPr lang="en-SG">
+                <a:rPr lang="en-SG" smtClean="0">
                   <a:solidFill>
                     <a:srgbClr val="FFFFFF"/>
                   </a:solidFill>
                 </a:rPr>
                 <a:t>Two Slides</a:t>
               </a:r>
+              <a:endParaRPr lang="en-SG">
+                <a:solidFill>
+                  <a:srgbClr val="FFFFFF"/>
+                </a:solidFill>
+              </a:endParaRPr>
             </a:p>
           </p:txBody>
         </p:sp>
@@ -10580,13 +10728,18 @@
             <a:lstStyle/>
             <a:p>
               <a:r>
-                <a:rPr lang="en-SG">
+                <a:rPr lang="en-SG" smtClean="0">
                   <a:solidFill>
                     <a:srgbClr val="FFFFFF"/>
                   </a:solidFill>
                 </a:rPr>
                 <a:t>Same Name</a:t>
               </a:r>
+              <a:endParaRPr lang="en-SG">
+                <a:solidFill>
+                  <a:srgbClr val="FFFFFF"/>
+                </a:solidFill>
+              </a:endParaRPr>
             </a:p>
           </p:txBody>
         </p:sp>
@@ -10614,13 +10767,18 @@
             <a:p>
               <a:pPr lvl="0"/>
               <a:r>
-                <a:rPr lang="en-SG">
+                <a:rPr lang="en-SG" smtClean="0">
                   <a:solidFill>
                     <a:srgbClr val="FFFF00"/>
                   </a:solidFill>
                 </a:rPr>
                 <a:t>Same Name</a:t>
               </a:r>
+              <a:endParaRPr lang="en-SG">
+                <a:solidFill>
+                  <a:srgbClr val="FFFF00"/>
+                </a:solidFill>
+              </a:endParaRPr>
             </a:p>
           </p:txBody>
         </p:sp>
@@ -10647,7 +10805,7 @@
             <a:lstStyle/>
             <a:p>
               <a:r>
-                <a:rPr lang="ja-JP" altLang="en-US">
+                <a:rPr lang="ja-JP" altLang="en-US" smtClean="0">
                   <a:solidFill>
                     <a:srgbClr val="FFFFFF"/>
                   </a:solidFill>
@@ -10655,13 +10813,18 @@
                 <a:t>あいうえお</a:t>
               </a:r>
               <a:r>
-                <a:rPr lang="en-SG">
+                <a:rPr lang="en-SG" smtClean="0">
                   <a:solidFill>
                     <a:srgbClr val="FFFFFF"/>
                   </a:solidFill>
                 </a:rPr>
                 <a:t>kl)(*&amp;%$#@85v_+)0_@#%L:CF]1</a:t>
               </a:r>
+              <a:endParaRPr lang="en-SG">
+                <a:solidFill>
+                  <a:srgbClr val="FFFFFF"/>
+                </a:solidFill>
+              </a:endParaRPr>
             </a:p>
           </p:txBody>
         </p:sp>
@@ -10676,6 +10839,13 @@
   <p:clrMapOvr>
     <a:masterClrMapping/>
   </p:clrMapOvr>
+  <p:timing>
+    <p:tnLst>
+      <p:par>
+        <p:cTn id="1" dur="indefinite" restart="never" nodeType="tmRoot"/>
+      </p:par>
+    </p:tnLst>
+  </p:timing>
 </p:sld>
 </file>
 
@@ -10816,13 +10986,18 @@
             <a:lstStyle/>
             <a:p>
               <a:r>
-                <a:rPr lang="en-SG">
+                <a:rPr lang="en-SG" smtClean="0">
                   <a:solidFill>
                     <a:srgbClr val="FFFFFF"/>
                   </a:solidFill>
                 </a:rPr>
                 <a:t>One Slide</a:t>
               </a:r>
+              <a:endParaRPr lang="en-SG">
+                <a:solidFill>
+                  <a:srgbClr val="FFFFFF"/>
+                </a:solidFill>
+              </a:endParaRPr>
             </a:p>
           </p:txBody>
         </p:sp>
@@ -10849,13 +11024,18 @@
             <a:lstStyle/>
             <a:p>
               <a:r>
-                <a:rPr lang="en-SG">
+                <a:rPr lang="en-SG" smtClean="0">
                   <a:solidFill>
                     <a:srgbClr val="FFFFFF"/>
                   </a:solidFill>
                 </a:rPr>
                 <a:t>Two Slides</a:t>
               </a:r>
+              <a:endParaRPr lang="en-SG">
+                <a:solidFill>
+                  <a:srgbClr val="FFFFFF"/>
+                </a:solidFill>
+              </a:endParaRPr>
             </a:p>
           </p:txBody>
         </p:sp>
@@ -10882,13 +11062,18 @@
             <a:lstStyle/>
             <a:p>
               <a:r>
-                <a:rPr lang="en-SG">
+                <a:rPr lang="en-SG" smtClean="0">
                   <a:solidFill>
                     <a:srgbClr val="FFFFFF"/>
                   </a:solidFill>
                 </a:rPr>
                 <a:t>Same Name</a:t>
               </a:r>
+              <a:endParaRPr lang="en-SG">
+                <a:solidFill>
+                  <a:srgbClr val="FFFFFF"/>
+                </a:solidFill>
+              </a:endParaRPr>
             </a:p>
           </p:txBody>
         </p:sp>
@@ -10916,13 +11101,18 @@
             <a:p>
               <a:pPr lvl="0"/>
               <a:r>
-                <a:rPr lang="en-SG">
+                <a:rPr lang="en-SG" smtClean="0">
                   <a:solidFill>
                     <a:srgbClr val="FFFF00"/>
                   </a:solidFill>
                 </a:rPr>
                 <a:t>Same Name</a:t>
               </a:r>
+              <a:endParaRPr lang="en-SG">
+                <a:solidFill>
+                  <a:srgbClr val="FFFF00"/>
+                </a:solidFill>
+              </a:endParaRPr>
             </a:p>
           </p:txBody>
         </p:sp>
@@ -10949,7 +11139,7 @@
             <a:lstStyle/>
             <a:p>
               <a:r>
-                <a:rPr lang="ja-JP" altLang="en-US">
+                <a:rPr lang="ja-JP" altLang="en-US" smtClean="0">
                   <a:solidFill>
                     <a:srgbClr val="FFFFFF"/>
                   </a:solidFill>
@@ -10957,13 +11147,18 @@
                 <a:t>あいうえお</a:t>
               </a:r>
               <a:r>
-                <a:rPr lang="en-SG">
+                <a:rPr lang="en-SG" smtClean="0">
                   <a:solidFill>
                     <a:srgbClr val="FFFFFF"/>
                   </a:solidFill>
                 </a:rPr>
                 <a:t>kl)(*&amp;%$#@85v_+)0_@#%L:CF]1</a:t>
               </a:r>
+              <a:endParaRPr lang="en-SG">
+                <a:solidFill>
+                  <a:srgbClr val="FFFFFF"/>
+                </a:solidFill>
+              </a:endParaRPr>
             </a:p>
           </p:txBody>
         </p:sp>
@@ -10978,6 +11173,13 @@
   <p:clrMapOvr>
     <a:masterClrMapping/>
   </p:clrMapOvr>
+  <p:timing>
+    <p:tnLst>
+      <p:par>
+        <p:cTn id="1" dur="indefinite" restart="never" nodeType="tmRoot"/>
+      </p:par>
+    </p:tnLst>
+  </p:timing>
 </p:sld>
 </file>
 
@@ -11126,13 +11328,18 @@
             <a:lstStyle/>
             <a:p>
               <a:r>
-                <a:rPr lang="en-SG">
+                <a:rPr lang="en-SG" smtClean="0">
                   <a:solidFill>
                     <a:srgbClr val="FFFFFF"/>
                   </a:solidFill>
                 </a:rPr>
                 <a:t>One Slide</a:t>
               </a:r>
+              <a:endParaRPr lang="en-SG">
+                <a:solidFill>
+                  <a:srgbClr val="FFFFFF"/>
+                </a:solidFill>
+              </a:endParaRPr>
             </a:p>
           </p:txBody>
         </p:sp>
@@ -11159,13 +11366,18 @@
             <a:lstStyle/>
             <a:p>
               <a:r>
-                <a:rPr lang="en-SG">
+                <a:rPr lang="en-SG" smtClean="0">
                   <a:solidFill>
                     <a:srgbClr val="FFFFFF"/>
                   </a:solidFill>
                 </a:rPr>
                 <a:t>Two Slides</a:t>
               </a:r>
+              <a:endParaRPr lang="en-SG">
+                <a:solidFill>
+                  <a:srgbClr val="FFFFFF"/>
+                </a:solidFill>
+              </a:endParaRPr>
             </a:p>
           </p:txBody>
         </p:sp>
@@ -11192,13 +11404,18 @@
             <a:lstStyle/>
             <a:p>
               <a:r>
-                <a:rPr lang="en-SG">
+                <a:rPr lang="en-SG" smtClean="0">
                   <a:solidFill>
                     <a:srgbClr val="FFFFFF"/>
                   </a:solidFill>
                 </a:rPr>
                 <a:t>Same Name</a:t>
               </a:r>
+              <a:endParaRPr lang="en-SG">
+                <a:solidFill>
+                  <a:srgbClr val="FFFFFF"/>
+                </a:solidFill>
+              </a:endParaRPr>
             </a:p>
           </p:txBody>
         </p:sp>
@@ -11225,13 +11442,18 @@
             <a:lstStyle/>
             <a:p>
               <a:r>
-                <a:rPr lang="en-SG">
+                <a:rPr lang="en-SG" smtClean="0">
                   <a:solidFill>
                     <a:srgbClr val="FFFFFF"/>
                   </a:solidFill>
                 </a:rPr>
                 <a:t>Same Name</a:t>
               </a:r>
+              <a:endParaRPr lang="en-SG">
+                <a:solidFill>
+                  <a:srgbClr val="FFFFFF"/>
+                </a:solidFill>
+              </a:endParaRPr>
             </a:p>
           </p:txBody>
         </p:sp>
@@ -11259,7 +11481,7 @@
             <a:p>
               <a:pPr lvl="0"/>
               <a:r>
-                <a:rPr lang="ja-JP" altLang="en-US">
+                <a:rPr lang="ja-JP" altLang="en-US" smtClean="0">
                   <a:solidFill>
                     <a:srgbClr val="FFFF00"/>
                   </a:solidFill>
@@ -11267,13 +11489,18 @@
                 <a:t>あいうえお</a:t>
               </a:r>
               <a:r>
-                <a:rPr lang="en-SG">
+                <a:rPr lang="en-SG" smtClean="0">
                   <a:solidFill>
                     <a:srgbClr val="FFFF00"/>
                   </a:solidFill>
                 </a:rPr>
                 <a:t>kl)(*&amp;%$#@85v_+)0_@#%L:CF]1</a:t>
               </a:r>
+              <a:endParaRPr lang="en-SG">
+                <a:solidFill>
+                  <a:srgbClr val="FFFF00"/>
+                </a:solidFill>
+              </a:endParaRPr>
             </a:p>
           </p:txBody>
         </p:sp>
@@ -11288,18 +11515,25 @@
   <p:clrMapOvr>
     <a:masterClrMapping/>
   </p:clrMapOvr>
-  <mc:AlternateContent xmlns:mc="http://schemas.openxmlformats.org/markup-compatibility/2006" xmlns:p14="http://schemas.microsoft.com/office/powerpoint/2010/main">
-    <mc:Choice Requires="p14">
+  <mc:AlternateContent xmlns:mc="http://schemas.openxmlformats.org/markup-compatibility/2006">
+    <mc:Choice xmlns:p14="http://schemas.microsoft.com/office/powerpoint/2010/main" Requires="p14">
       <p:transition p14:dur="250">
         <p:fade/>
       </p:transition>
     </mc:Choice>
-    <mc:Fallback xmlns="">
+    <mc:Fallback>
       <p:transition>
         <p:fade/>
       </p:transition>
     </mc:Fallback>
   </mc:AlternateContent>
+  <p:timing>
+    <p:tnLst>
+      <p:par>
+        <p:cTn id="1" dur="indefinite" restart="never" nodeType="tmRoot"/>
+      </p:par>
+    </p:tnLst>
+  </p:timing>
 </p:sld>
 </file>
 
@@ -11347,7 +11581,7 @@
         <p:nvPicPr>
           <p:cNvPr id="3" name="Picture 2"/>
           <p:cNvPicPr>
-            <a:picLocks noChangeAspect="1"/>
+            <a:picLocks/>
           </p:cNvPicPr>
           <p:nvPr/>
         </p:nvPicPr>
@@ -11365,8 +11599,8 @@
         </p:blipFill>
         <p:spPr>
           <a:xfrm>
-            <a:off x="0" y="1029202"/>
-            <a:ext cx="9144000" cy="4799596"/>
+            <a:off x="649224" y="992124"/>
+            <a:ext cx="7845552" cy="4873752"/>
           </a:xfrm>
           <a:prstGeom prst="rect">
             <a:avLst/>
@@ -11376,13 +11610,21 @@
     </p:spTree>
     <p:extLst>
       <p:ext uri="{BB962C8B-B14F-4D97-AF65-F5344CB8AC3E}">
-        <p14:creationId xmlns:p14="http://schemas.microsoft.com/office/powerpoint/2010/main" val="2316324545"/>
+        <p14:creationId xmlns:p14="http://schemas.microsoft.com/office/powerpoint/2010/main" val="536140706"/>
       </p:ext>
     </p:extLst>
   </p:cSld>
   <p:clrMapOvr>
     <a:masterClrMapping/>
   </p:clrMapOvr>
+  <mc:AlternateContent xmlns:mc="http://schemas.openxmlformats.org/markup-compatibility/2006">
+    <mc:Choice xmlns:p14="http://schemas.microsoft.com/office/powerpoint/2010/main" Requires="p14">
+      <p:transition spd="slow" p14:dur="2000"/>
+    </mc:Choice>
+    <mc:Fallback>
+      <p:transition spd="slow"/>
+    </mc:Fallback>
+  </mc:AlternateContent>
 </p:sld>
 </file>
 
@@ -11421,7 +11663,7 @@
           <a:lstStyle/>
           <a:p>
             <a:r>
-              <a:rPr lang="en-US" sz="5400" b="1" dirty="0" err="1">
+              <a:rPr lang="en-US" sz="5400" b="1" dirty="0" err="1" smtClean="0">
                 <a:solidFill>
                   <a:schemeClr val="accent6">
                     <a:lumMod val="75000"/>
@@ -11431,7 +11673,7 @@
               <a:t>PowerPointLabs</a:t>
             </a:r>
             <a:r>
-              <a:rPr lang="en-US" sz="5400" b="1" dirty="0">
+              <a:rPr lang="en-US" sz="5400" b="1" dirty="0" smtClean="0">
                 <a:solidFill>
                   <a:schemeClr val="accent6">
                     <a:lumMod val="75000"/>
@@ -11469,42 +11711,95 @@
               <a:buNone/>
             </a:pPr>
             <a:r>
+              <a:rPr lang="en-US" b="1" dirty="0" smtClean="0">
+                <a:solidFill>
+                  <a:srgbClr val="0070C0"/>
+                </a:solidFill>
+              </a:rPr>
+              <a:t>General instructions:</a:t>
+            </a:r>
+          </a:p>
+          <a:p>
+            <a:pPr marL="285750" indent="-285750"/>
+            <a:r>
+              <a:rPr lang="en-US" b="1" dirty="0" smtClean="0">
+                <a:solidFill>
+                  <a:srgbClr val="0070C0"/>
+                </a:solidFill>
+              </a:rPr>
+              <a:t>DO </a:t>
+            </a:r>
+            <a:r>
               <a:rPr lang="en-US" b="1" dirty="0">
                 <a:solidFill>
                   <a:srgbClr val="0070C0"/>
                 </a:solidFill>
               </a:rPr>
-              <a:t>General instructions:</a:t>
-            </a:r>
-          </a:p>
-          <a:p>
-            <a:pPr marL="285750" indent="-285750"/>
-            <a:r>
-              <a:rPr lang="en-US" b="1" dirty="0">
+              <a:t>NOT SAVE </a:t>
+            </a:r>
+            <a:r>
+              <a:rPr lang="en-US" dirty="0" smtClean="0">
                 <a:solidFill>
                   <a:srgbClr val="0070C0"/>
                 </a:solidFill>
               </a:rPr>
-              <a:t>DO NOT SAVE </a:t>
-            </a:r>
+              <a:t>these slides after testing. Keep this file in its original form.</a:t>
+            </a:r>
+            <a:endParaRPr lang="en-US" dirty="0">
+              <a:solidFill>
+                <a:srgbClr val="0070C0"/>
+              </a:solidFill>
+            </a:endParaRPr>
+          </a:p>
+          <a:p>
+            <a:pPr marL="285750" indent="-285750"/>
             <a:r>
               <a:rPr lang="en-US" dirty="0">
                 <a:solidFill>
                   <a:srgbClr val="0070C0"/>
                 </a:solidFill>
               </a:rPr>
-              <a:t>these slides after testing. Keep this file in its original form.</a:t>
-            </a:r>
-          </a:p>
-          <a:p>
-            <a:pPr marL="285750" indent="-285750"/>
+              <a:t>If </a:t>
+            </a:r>
+            <a:r>
+              <a:rPr lang="en-US" dirty="0" smtClean="0">
+                <a:solidFill>
+                  <a:srgbClr val="0070C0"/>
+                </a:solidFill>
+              </a:rPr>
+              <a:t>your </a:t>
+            </a:r>
             <a:r>
               <a:rPr lang="en-US" dirty="0">
                 <a:solidFill>
                   <a:srgbClr val="0070C0"/>
                 </a:solidFill>
               </a:rPr>
-              <a:t>If your result is different from the expected output, please submit a bug report (attach slides/screenshots as necessary).</a:t>
+              <a:t>result </a:t>
+            </a:r>
+            <a:r>
+              <a:rPr lang="en-US" dirty="0" smtClean="0">
+                <a:solidFill>
+                  <a:srgbClr val="0070C0"/>
+                </a:solidFill>
+              </a:rPr>
+              <a:t>is different from the </a:t>
+            </a:r>
+            <a:r>
+              <a:rPr lang="en-US" dirty="0">
+                <a:solidFill>
+                  <a:srgbClr val="0070C0"/>
+                </a:solidFill>
+              </a:rPr>
+              <a:t>expected output, </a:t>
+            </a:r>
+            <a:r>
+              <a:rPr lang="en-US" dirty="0" smtClean="0">
+                <a:solidFill>
+                  <a:srgbClr val="0070C0"/>
+                </a:solidFill>
+              </a:rPr>
+              <a:t>please submit a bug report (attach slides/screenshots as necessary).</a:t>
             </a:r>
             <a:endParaRPr lang="en-SG" dirty="0">
               <a:solidFill>
@@ -11550,6 +11845,13 @@
   <p:clrMapOvr>
     <a:masterClrMapping/>
   </p:clrMapOvr>
+  <p:timing>
+    <p:tnLst>
+      <p:par>
+        <p:cTn id="1" dur="indefinite" restart="never" nodeType="tmRoot"/>
+      </p:par>
+    </p:tnLst>
+  </p:timing>
 </p:sld>
 </file>
 
@@ -11604,7 +11906,7 @@
           <a:p>
             <a:pPr algn="l"/>
             <a:r>
-              <a:rPr lang="en-US" sz="7200" dirty="0">
+              <a:rPr lang="en-US" sz="7200" dirty="0" smtClean="0">
                 <a:solidFill>
                   <a:schemeClr val="bg1"/>
                 </a:solidFill>
@@ -11642,7 +11944,7 @@
           <a:lstStyle/>
           <a:p>
             <a:r>
-              <a:rPr lang="en-US" sz="2400" b="1" dirty="0">
+              <a:rPr lang="en-US" sz="2400" b="1" dirty="0" smtClean="0">
                 <a:solidFill>
                   <a:schemeClr val="bg1"/>
                 </a:solidFill>
@@ -11656,7 +11958,7 @@
               <a:buChar char="•"/>
             </a:pPr>
             <a:r>
-              <a:rPr lang="en-US" sz="2400" dirty="0">
+              <a:rPr lang="en-US" sz="2400" dirty="0" smtClean="0">
                 <a:solidFill>
                   <a:schemeClr val="bg1"/>
                 </a:solidFill>
@@ -11787,13 +12089,18 @@
             <a:p>
               <a:pPr lvl="0"/>
               <a:r>
-                <a:rPr lang="en-SG">
+                <a:rPr lang="en-SG" smtClean="0">
                   <a:solidFill>
                     <a:srgbClr val="FFFF00"/>
                   </a:solidFill>
                 </a:rPr>
                 <a:t>One Slide</a:t>
               </a:r>
+              <a:endParaRPr lang="en-SG">
+                <a:solidFill>
+                  <a:srgbClr val="FFFF00"/>
+                </a:solidFill>
+              </a:endParaRPr>
             </a:p>
           </p:txBody>
         </p:sp>
@@ -11820,13 +12127,18 @@
             <a:lstStyle/>
             <a:p>
               <a:r>
-                <a:rPr lang="en-SG">
+                <a:rPr lang="en-SG" smtClean="0">
                   <a:solidFill>
                     <a:srgbClr val="FFFFFF"/>
                   </a:solidFill>
                 </a:rPr>
                 <a:t>Two Slides</a:t>
               </a:r>
+              <a:endParaRPr lang="en-SG">
+                <a:solidFill>
+                  <a:srgbClr val="FFFFFF"/>
+                </a:solidFill>
+              </a:endParaRPr>
             </a:p>
           </p:txBody>
         </p:sp>
@@ -11853,13 +12165,18 @@
             <a:lstStyle/>
             <a:p>
               <a:r>
-                <a:rPr lang="en-SG">
+                <a:rPr lang="en-SG" smtClean="0">
                   <a:solidFill>
                     <a:srgbClr val="FFFFFF"/>
                   </a:solidFill>
                 </a:rPr>
                 <a:t>Same Name</a:t>
               </a:r>
+              <a:endParaRPr lang="en-SG">
+                <a:solidFill>
+                  <a:srgbClr val="FFFFFF"/>
+                </a:solidFill>
+              </a:endParaRPr>
             </a:p>
           </p:txBody>
         </p:sp>
@@ -11886,13 +12203,18 @@
             <a:lstStyle/>
             <a:p>
               <a:r>
-                <a:rPr lang="en-SG">
+                <a:rPr lang="en-SG" smtClean="0">
                   <a:solidFill>
                     <a:srgbClr val="FFFFFF"/>
                   </a:solidFill>
                 </a:rPr>
                 <a:t>Same Name</a:t>
               </a:r>
+              <a:endParaRPr lang="en-SG">
+                <a:solidFill>
+                  <a:srgbClr val="FFFFFF"/>
+                </a:solidFill>
+              </a:endParaRPr>
             </a:p>
           </p:txBody>
         </p:sp>
@@ -11919,7 +12241,7 @@
             <a:lstStyle/>
             <a:p>
               <a:r>
-                <a:rPr lang="ja-JP" altLang="en-US">
+                <a:rPr lang="ja-JP" altLang="en-US" smtClean="0">
                   <a:solidFill>
                     <a:srgbClr val="FFFFFF"/>
                   </a:solidFill>
@@ -11927,13 +12249,18 @@
                 <a:t>あいうえお</a:t>
               </a:r>
               <a:r>
-                <a:rPr lang="en-SG">
+                <a:rPr lang="en-SG" smtClean="0">
                   <a:solidFill>
                     <a:srgbClr val="FFFFFF"/>
                   </a:solidFill>
                 </a:rPr>
                 <a:t>kl)(*&amp;%$#@85v_+)0_@#%L:CF]1</a:t>
               </a:r>
+              <a:endParaRPr lang="en-SG">
+                <a:solidFill>
+                  <a:srgbClr val="FFFFFF"/>
+                </a:solidFill>
+              </a:endParaRPr>
             </a:p>
           </p:txBody>
         </p:sp>
@@ -11948,18 +12275,25 @@
   <p:clrMapOvr>
     <a:masterClrMapping/>
   </p:clrMapOvr>
-  <mc:AlternateContent xmlns:mc="http://schemas.openxmlformats.org/markup-compatibility/2006" xmlns:p14="http://schemas.microsoft.com/office/powerpoint/2010/main">
-    <mc:Choice Requires="p14">
+  <mc:AlternateContent xmlns:mc="http://schemas.openxmlformats.org/markup-compatibility/2006">
+    <mc:Choice xmlns:p14="http://schemas.microsoft.com/office/powerpoint/2010/main" Requires="p14">
       <p:transition p14:dur="250">
         <p:fade/>
       </p:transition>
     </mc:Choice>
-    <mc:Fallback xmlns="">
+    <mc:Fallback>
       <p:transition>
         <p:fade/>
       </p:transition>
     </mc:Fallback>
   </mc:AlternateContent>
+  <p:timing>
+    <p:tnLst>
+      <p:par>
+        <p:cTn id="1" dur="indefinite" restart="never" nodeType="tmRoot"/>
+      </p:par>
+    </p:tnLst>
+  </p:timing>
 </p:sld>
 </file>
 
@@ -12033,7 +12367,7 @@
           <a:lstStyle/>
           <a:p>
             <a:r>
-              <a:rPr lang="en-US" sz="6000" dirty="0"/>
+              <a:rPr lang="en-US" sz="6000" dirty="0" smtClean="0"/>
               <a:t>Test Image</a:t>
             </a:r>
             <a:endParaRPr lang="en-SG" sz="6000" dirty="0"/>
@@ -12160,13 +12494,18 @@
             <a:lstStyle/>
             <a:p>
               <a:r>
-                <a:rPr lang="en-SG">
+                <a:rPr lang="en-SG" smtClean="0">
                   <a:solidFill>
                     <a:srgbClr val="FFFFFF"/>
                   </a:solidFill>
                 </a:rPr>
                 <a:t>One Slide</a:t>
               </a:r>
+              <a:endParaRPr lang="en-SG">
+                <a:solidFill>
+                  <a:srgbClr val="FFFFFF"/>
+                </a:solidFill>
+              </a:endParaRPr>
             </a:p>
           </p:txBody>
         </p:sp>
@@ -12194,13 +12533,18 @@
             <a:p>
               <a:pPr lvl="0"/>
               <a:r>
-                <a:rPr lang="en-SG">
+                <a:rPr lang="en-SG" smtClean="0">
                   <a:solidFill>
                     <a:srgbClr val="FFFF00"/>
                   </a:solidFill>
                 </a:rPr>
                 <a:t>Two Slides</a:t>
               </a:r>
+              <a:endParaRPr lang="en-SG">
+                <a:solidFill>
+                  <a:srgbClr val="FFFF00"/>
+                </a:solidFill>
+              </a:endParaRPr>
             </a:p>
           </p:txBody>
         </p:sp>
@@ -12227,13 +12571,18 @@
             <a:lstStyle/>
             <a:p>
               <a:r>
-                <a:rPr lang="en-SG">
+                <a:rPr lang="en-SG" smtClean="0">
                   <a:solidFill>
                     <a:srgbClr val="FFFFFF"/>
                   </a:solidFill>
                 </a:rPr>
                 <a:t>Same Name</a:t>
               </a:r>
+              <a:endParaRPr lang="en-SG">
+                <a:solidFill>
+                  <a:srgbClr val="FFFFFF"/>
+                </a:solidFill>
+              </a:endParaRPr>
             </a:p>
           </p:txBody>
         </p:sp>
@@ -12260,13 +12609,18 @@
             <a:lstStyle/>
             <a:p>
               <a:r>
-                <a:rPr lang="en-SG">
+                <a:rPr lang="en-SG" smtClean="0">
                   <a:solidFill>
                     <a:srgbClr val="FFFFFF"/>
                   </a:solidFill>
                 </a:rPr>
                 <a:t>Same Name</a:t>
               </a:r>
+              <a:endParaRPr lang="en-SG">
+                <a:solidFill>
+                  <a:srgbClr val="FFFFFF"/>
+                </a:solidFill>
+              </a:endParaRPr>
             </a:p>
           </p:txBody>
         </p:sp>
@@ -12293,7 +12647,7 @@
             <a:lstStyle/>
             <a:p>
               <a:r>
-                <a:rPr lang="ja-JP" altLang="en-US">
+                <a:rPr lang="ja-JP" altLang="en-US" smtClean="0">
                   <a:solidFill>
                     <a:srgbClr val="FFFFFF"/>
                   </a:solidFill>
@@ -12301,13 +12655,18 @@
                 <a:t>あいうえお</a:t>
               </a:r>
               <a:r>
-                <a:rPr lang="en-SG">
+                <a:rPr lang="en-SG" smtClean="0">
                   <a:solidFill>
                     <a:srgbClr val="FFFFFF"/>
                   </a:solidFill>
                 </a:rPr>
                 <a:t>kl)(*&amp;%$#@85v_+)0_@#%L:CF]1</a:t>
               </a:r>
+              <a:endParaRPr lang="en-SG">
+                <a:solidFill>
+                  <a:srgbClr val="FFFFFF"/>
+                </a:solidFill>
+              </a:endParaRPr>
             </a:p>
           </p:txBody>
         </p:sp>
@@ -12322,18 +12681,25 @@
   <p:clrMapOvr>
     <a:masterClrMapping/>
   </p:clrMapOvr>
-  <mc:AlternateContent xmlns:mc="http://schemas.openxmlformats.org/markup-compatibility/2006" xmlns:p14="http://schemas.microsoft.com/office/powerpoint/2010/main">
-    <mc:Choice Requires="p14">
+  <mc:AlternateContent xmlns:mc="http://schemas.openxmlformats.org/markup-compatibility/2006">
+    <mc:Choice xmlns:p14="http://schemas.microsoft.com/office/powerpoint/2010/main" Requires="p14">
       <p:transition p14:dur="250">
         <p:fade/>
       </p:transition>
     </mc:Choice>
-    <mc:Fallback xmlns="">
+    <mc:Fallback>
       <p:transition>
         <p:fade/>
       </p:transition>
     </mc:Fallback>
   </mc:AlternateContent>
+  <p:timing>
+    <p:tnLst>
+      <p:par>
+        <p:cTn id="1" dur="indefinite" restart="never" nodeType="tmRoot"/>
+      </p:par>
+    </p:tnLst>
+  </p:timing>
 </p:sld>
 </file>
 
@@ -12474,13 +12840,18 @@
             <a:lstStyle/>
             <a:p>
               <a:r>
-                <a:rPr lang="en-SG">
+                <a:rPr lang="en-SG" smtClean="0">
                   <a:solidFill>
                     <a:srgbClr val="FFFFFF"/>
                   </a:solidFill>
                 </a:rPr>
                 <a:t>One Slide</a:t>
               </a:r>
+              <a:endParaRPr lang="en-SG">
+                <a:solidFill>
+                  <a:srgbClr val="FFFFFF"/>
+                </a:solidFill>
+              </a:endParaRPr>
             </a:p>
           </p:txBody>
         </p:sp>
@@ -12508,13 +12879,18 @@
             <a:p>
               <a:pPr lvl="0"/>
               <a:r>
-                <a:rPr lang="en-SG">
+                <a:rPr lang="en-SG" smtClean="0">
                   <a:solidFill>
                     <a:srgbClr val="FFFF00"/>
                   </a:solidFill>
                 </a:rPr>
                 <a:t>Two Slides</a:t>
               </a:r>
+              <a:endParaRPr lang="en-SG">
+                <a:solidFill>
+                  <a:srgbClr val="FFFF00"/>
+                </a:solidFill>
+              </a:endParaRPr>
             </a:p>
           </p:txBody>
         </p:sp>
@@ -12541,13 +12917,18 @@
             <a:lstStyle/>
             <a:p>
               <a:r>
-                <a:rPr lang="en-SG">
+                <a:rPr lang="en-SG" smtClean="0">
                   <a:solidFill>
                     <a:srgbClr val="FFFFFF"/>
                   </a:solidFill>
                 </a:rPr>
                 <a:t>Same Name</a:t>
               </a:r>
+              <a:endParaRPr lang="en-SG">
+                <a:solidFill>
+                  <a:srgbClr val="FFFFFF"/>
+                </a:solidFill>
+              </a:endParaRPr>
             </a:p>
           </p:txBody>
         </p:sp>
@@ -12574,13 +12955,18 @@
             <a:lstStyle/>
             <a:p>
               <a:r>
-                <a:rPr lang="en-SG">
+                <a:rPr lang="en-SG" smtClean="0">
                   <a:solidFill>
                     <a:srgbClr val="FFFFFF"/>
                   </a:solidFill>
                 </a:rPr>
                 <a:t>Same Name</a:t>
               </a:r>
+              <a:endParaRPr lang="en-SG">
+                <a:solidFill>
+                  <a:srgbClr val="FFFFFF"/>
+                </a:solidFill>
+              </a:endParaRPr>
             </a:p>
           </p:txBody>
         </p:sp>
@@ -12607,7 +12993,7 @@
             <a:lstStyle/>
             <a:p>
               <a:r>
-                <a:rPr lang="ja-JP" altLang="en-US">
+                <a:rPr lang="ja-JP" altLang="en-US" smtClean="0">
                   <a:solidFill>
                     <a:srgbClr val="FFFFFF"/>
                   </a:solidFill>
@@ -12615,13 +13001,18 @@
                 <a:t>あいうえお</a:t>
               </a:r>
               <a:r>
-                <a:rPr lang="en-SG">
+                <a:rPr lang="en-SG" smtClean="0">
                   <a:solidFill>
                     <a:srgbClr val="FFFFFF"/>
                   </a:solidFill>
                 </a:rPr>
                 <a:t>kl)(*&amp;%$#@85v_+)0_@#%L:CF]1</a:t>
               </a:r>
+              <a:endParaRPr lang="en-SG">
+                <a:solidFill>
+                  <a:srgbClr val="FFFFFF"/>
+                </a:solidFill>
+              </a:endParaRPr>
             </a:p>
           </p:txBody>
         </p:sp>
@@ -12636,6 +13027,13 @@
   <p:clrMapOvr>
     <a:masterClrMapping/>
   </p:clrMapOvr>
+  <p:timing>
+    <p:tnLst>
+      <p:par>
+        <p:cTn id="1" dur="indefinite" restart="never" nodeType="tmRoot"/>
+      </p:par>
+    </p:tnLst>
+  </p:timing>
 </p:sld>
 </file>
 
@@ -12793,9 +13191,10 @@
           </a:lstStyle>
           <a:p>
             <a:r>
-              <a:rPr lang="en-US" dirty="0"/>
+              <a:rPr lang="en-US" dirty="0" smtClean="0"/>
               <a:t>Pattern</a:t>
             </a:r>
+            <a:endParaRPr lang="en-US" dirty="0"/>
           </a:p>
         </p:txBody>
       </p:sp>
@@ -12919,13 +13318,18 @@
             <a:lstStyle/>
             <a:p>
               <a:r>
-                <a:rPr lang="en-SG">
+                <a:rPr lang="en-SG" smtClean="0">
                   <a:solidFill>
                     <a:srgbClr val="FFFFFF"/>
                   </a:solidFill>
                 </a:rPr>
                 <a:t>One Slide</a:t>
               </a:r>
+              <a:endParaRPr lang="en-SG">
+                <a:solidFill>
+                  <a:srgbClr val="FFFFFF"/>
+                </a:solidFill>
+              </a:endParaRPr>
             </a:p>
           </p:txBody>
         </p:sp>
@@ -12952,13 +13356,18 @@
             <a:lstStyle/>
             <a:p>
               <a:r>
-                <a:rPr lang="en-SG">
+                <a:rPr lang="en-SG" smtClean="0">
                   <a:solidFill>
                     <a:srgbClr val="FFFFFF"/>
                   </a:solidFill>
                 </a:rPr>
                 <a:t>Two Slides</a:t>
               </a:r>
+              <a:endParaRPr lang="en-SG">
+                <a:solidFill>
+                  <a:srgbClr val="FFFFFF"/>
+                </a:solidFill>
+              </a:endParaRPr>
             </a:p>
           </p:txBody>
         </p:sp>
@@ -12986,13 +13395,18 @@
             <a:p>
               <a:pPr lvl="0"/>
               <a:r>
-                <a:rPr lang="en-SG">
+                <a:rPr lang="en-SG" smtClean="0">
                   <a:solidFill>
                     <a:srgbClr val="FFFF00"/>
                   </a:solidFill>
                 </a:rPr>
                 <a:t>Same Name</a:t>
               </a:r>
+              <a:endParaRPr lang="en-SG">
+                <a:solidFill>
+                  <a:srgbClr val="FFFF00"/>
+                </a:solidFill>
+              </a:endParaRPr>
             </a:p>
           </p:txBody>
         </p:sp>
@@ -13019,13 +13433,18 @@
             <a:lstStyle/>
             <a:p>
               <a:r>
-                <a:rPr lang="en-SG">
+                <a:rPr lang="en-SG" smtClean="0">
                   <a:solidFill>
                     <a:srgbClr val="FFFFFF"/>
                   </a:solidFill>
                 </a:rPr>
                 <a:t>Same Name</a:t>
               </a:r>
+              <a:endParaRPr lang="en-SG">
+                <a:solidFill>
+                  <a:srgbClr val="FFFFFF"/>
+                </a:solidFill>
+              </a:endParaRPr>
             </a:p>
           </p:txBody>
         </p:sp>
@@ -13052,7 +13471,7 @@
             <a:lstStyle/>
             <a:p>
               <a:r>
-                <a:rPr lang="ja-JP" altLang="en-US">
+                <a:rPr lang="ja-JP" altLang="en-US" smtClean="0">
                   <a:solidFill>
                     <a:srgbClr val="FFFFFF"/>
                   </a:solidFill>
@@ -13060,13 +13479,18 @@
                 <a:t>あいうえお</a:t>
               </a:r>
               <a:r>
-                <a:rPr lang="en-SG">
+                <a:rPr lang="en-SG" smtClean="0">
                   <a:solidFill>
                     <a:srgbClr val="FFFFFF"/>
                   </a:solidFill>
                 </a:rPr>
                 <a:t>kl)(*&amp;%$#@85v_+)0_@#%L:CF]1</a:t>
               </a:r>
+              <a:endParaRPr lang="en-SG">
+                <a:solidFill>
+                  <a:srgbClr val="FFFFFF"/>
+                </a:solidFill>
+              </a:endParaRPr>
             </a:p>
           </p:txBody>
         </p:sp>
@@ -13081,18 +13505,25 @@
   <p:clrMapOvr>
     <a:masterClrMapping/>
   </p:clrMapOvr>
-  <mc:AlternateContent xmlns:mc="http://schemas.openxmlformats.org/markup-compatibility/2006" xmlns:p14="http://schemas.microsoft.com/office/powerpoint/2010/main">
-    <mc:Choice Requires="p14">
+  <mc:AlternateContent xmlns:mc="http://schemas.openxmlformats.org/markup-compatibility/2006">
+    <mc:Choice xmlns:p14="http://schemas.microsoft.com/office/powerpoint/2010/main" Requires="p14">
       <p:transition p14:dur="250">
         <p:fade/>
       </p:transition>
     </mc:Choice>
-    <mc:Fallback xmlns="">
+    <mc:Fallback>
       <p:transition>
         <p:fade/>
       </p:transition>
     </mc:Fallback>
   </mc:AlternateContent>
+  <p:timing>
+    <p:tnLst>
+      <p:par>
+        <p:cTn id="1" dur="indefinite" restart="never" nodeType="tmRoot"/>
+      </p:par>
+    </p:tnLst>
+  </p:timing>
 </p:sld>
 </file>
 
@@ -13233,13 +13664,18 @@
             <a:lstStyle/>
             <a:p>
               <a:r>
-                <a:rPr lang="en-SG">
+                <a:rPr lang="en-SG" smtClean="0">
                   <a:solidFill>
                     <a:srgbClr val="FFFFFF"/>
                   </a:solidFill>
                 </a:rPr>
                 <a:t>One Slide</a:t>
               </a:r>
+              <a:endParaRPr lang="en-SG">
+                <a:solidFill>
+                  <a:srgbClr val="FFFFFF"/>
+                </a:solidFill>
+              </a:endParaRPr>
             </a:p>
           </p:txBody>
         </p:sp>
@@ -13266,13 +13702,18 @@
             <a:lstStyle/>
             <a:p>
               <a:r>
-                <a:rPr lang="en-SG">
+                <a:rPr lang="en-SG" smtClean="0">
                   <a:solidFill>
                     <a:srgbClr val="FFFFFF"/>
                   </a:solidFill>
                 </a:rPr>
                 <a:t>Two Slides</a:t>
               </a:r>
+              <a:endParaRPr lang="en-SG">
+                <a:solidFill>
+                  <a:srgbClr val="FFFFFF"/>
+                </a:solidFill>
+              </a:endParaRPr>
             </a:p>
           </p:txBody>
         </p:sp>
@@ -13300,13 +13741,18 @@
             <a:p>
               <a:pPr lvl="0"/>
               <a:r>
-                <a:rPr lang="en-SG">
+                <a:rPr lang="en-SG" smtClean="0">
                   <a:solidFill>
                     <a:srgbClr val="FFFF00"/>
                   </a:solidFill>
                 </a:rPr>
                 <a:t>Same Name</a:t>
               </a:r>
+              <a:endParaRPr lang="en-SG">
+                <a:solidFill>
+                  <a:srgbClr val="FFFF00"/>
+                </a:solidFill>
+              </a:endParaRPr>
             </a:p>
           </p:txBody>
         </p:sp>
@@ -13333,13 +13779,18 @@
             <a:lstStyle/>
             <a:p>
               <a:r>
-                <a:rPr lang="en-SG">
+                <a:rPr lang="en-SG" smtClean="0">
                   <a:solidFill>
                     <a:srgbClr val="FFFFFF"/>
                   </a:solidFill>
                 </a:rPr>
                 <a:t>Same Name</a:t>
               </a:r>
+              <a:endParaRPr lang="en-SG">
+                <a:solidFill>
+                  <a:srgbClr val="FFFFFF"/>
+                </a:solidFill>
+              </a:endParaRPr>
             </a:p>
           </p:txBody>
         </p:sp>
@@ -13366,7 +13817,7 @@
             <a:lstStyle/>
             <a:p>
               <a:r>
-                <a:rPr lang="ja-JP" altLang="en-US">
+                <a:rPr lang="ja-JP" altLang="en-US" smtClean="0">
                   <a:solidFill>
                     <a:srgbClr val="FFFFFF"/>
                   </a:solidFill>
@@ -13374,13 +13825,18 @@
                 <a:t>あいうえお</a:t>
               </a:r>
               <a:r>
-                <a:rPr lang="en-SG">
+                <a:rPr lang="en-SG" smtClean="0">
                   <a:solidFill>
                     <a:srgbClr val="FFFFFF"/>
                   </a:solidFill>
                 </a:rPr>
                 <a:t>kl)(*&amp;%$#@85v_+)0_@#%L:CF]1</a:t>
               </a:r>
+              <a:endParaRPr lang="en-SG">
+                <a:solidFill>
+                  <a:srgbClr val="FFFFFF"/>
+                </a:solidFill>
+              </a:endParaRPr>
             </a:p>
           </p:txBody>
         </p:sp>
@@ -13395,6 +13851,13 @@
   <p:clrMapOvr>
     <a:masterClrMapping/>
   </p:clrMapOvr>
+  <p:timing>
+    <p:tnLst>
+      <p:par>
+        <p:cTn id="1" dur="indefinite" restart="never" nodeType="tmRoot"/>
+      </p:par>
+    </p:tnLst>
+  </p:timing>
 </p:sld>
 </file>
 
@@ -13468,7 +13931,7 @@
           <a:lstStyle/>
           <a:p>
             <a:r>
-              <a:rPr lang="en-US" sz="6000" dirty="0"/>
+              <a:rPr lang="en-US" sz="6000" dirty="0" smtClean="0"/>
               <a:t>Test Image</a:t>
             </a:r>
             <a:endParaRPr lang="en-SG" sz="6000" dirty="0"/>
@@ -13595,13 +14058,18 @@
             <a:lstStyle/>
             <a:p>
               <a:r>
-                <a:rPr lang="en-SG">
+                <a:rPr lang="en-SG" smtClean="0">
                   <a:solidFill>
                     <a:srgbClr val="FFFFFF"/>
                   </a:solidFill>
                 </a:rPr>
                 <a:t>One Slide</a:t>
               </a:r>
+              <a:endParaRPr lang="en-SG">
+                <a:solidFill>
+                  <a:srgbClr val="FFFFFF"/>
+                </a:solidFill>
+              </a:endParaRPr>
             </a:p>
           </p:txBody>
         </p:sp>
@@ -13628,13 +14096,18 @@
             <a:lstStyle/>
             <a:p>
               <a:r>
-                <a:rPr lang="en-SG">
+                <a:rPr lang="en-SG" smtClean="0">
                   <a:solidFill>
                     <a:srgbClr val="FFFFFF"/>
                   </a:solidFill>
                 </a:rPr>
                 <a:t>Two Slides</a:t>
               </a:r>
+              <a:endParaRPr lang="en-SG">
+                <a:solidFill>
+                  <a:srgbClr val="FFFFFF"/>
+                </a:solidFill>
+              </a:endParaRPr>
             </a:p>
           </p:txBody>
         </p:sp>
@@ -13661,13 +14134,18 @@
             <a:lstStyle/>
             <a:p>
               <a:r>
-                <a:rPr lang="en-SG">
+                <a:rPr lang="en-SG" smtClean="0">
                   <a:solidFill>
                     <a:srgbClr val="FFFFFF"/>
                   </a:solidFill>
                 </a:rPr>
                 <a:t>Same Name</a:t>
               </a:r>
+              <a:endParaRPr lang="en-SG">
+                <a:solidFill>
+                  <a:srgbClr val="FFFFFF"/>
+                </a:solidFill>
+              </a:endParaRPr>
             </a:p>
           </p:txBody>
         </p:sp>
@@ -13695,13 +14173,18 @@
             <a:p>
               <a:pPr lvl="0"/>
               <a:r>
-                <a:rPr lang="en-SG">
+                <a:rPr lang="en-SG" smtClean="0">
                   <a:solidFill>
                     <a:srgbClr val="FFFF00"/>
                   </a:solidFill>
                 </a:rPr>
                 <a:t>Same Name</a:t>
               </a:r>
+              <a:endParaRPr lang="en-SG">
+                <a:solidFill>
+                  <a:srgbClr val="FFFF00"/>
+                </a:solidFill>
+              </a:endParaRPr>
             </a:p>
           </p:txBody>
         </p:sp>
@@ -13728,7 +14211,7 @@
             <a:lstStyle/>
             <a:p>
               <a:r>
-                <a:rPr lang="ja-JP" altLang="en-US">
+                <a:rPr lang="ja-JP" altLang="en-US" smtClean="0">
                   <a:solidFill>
                     <a:srgbClr val="FFFFFF"/>
                   </a:solidFill>
@@ -13736,13 +14219,18 @@
                 <a:t>あいうえお</a:t>
               </a:r>
               <a:r>
-                <a:rPr lang="en-SG">
+                <a:rPr lang="en-SG" smtClean="0">
                   <a:solidFill>
                     <a:srgbClr val="FFFFFF"/>
                   </a:solidFill>
                 </a:rPr>
                 <a:t>kl)(*&amp;%$#@85v_+)0_@#%L:CF]1</a:t>
               </a:r>
+              <a:endParaRPr lang="en-SG">
+                <a:solidFill>
+                  <a:srgbClr val="FFFFFF"/>
+                </a:solidFill>
+              </a:endParaRPr>
             </a:p>
           </p:txBody>
         </p:sp>
@@ -13757,18 +14245,25 @@
   <p:clrMapOvr>
     <a:masterClrMapping/>
   </p:clrMapOvr>
-  <mc:AlternateContent xmlns:mc="http://schemas.openxmlformats.org/markup-compatibility/2006" xmlns:p14="http://schemas.microsoft.com/office/powerpoint/2010/main">
-    <mc:Choice Requires="p14">
+  <mc:AlternateContent xmlns:mc="http://schemas.openxmlformats.org/markup-compatibility/2006">
+    <mc:Choice xmlns:p14="http://schemas.microsoft.com/office/powerpoint/2010/main" Requires="p14">
       <p:transition p14:dur="250">
         <p:fade/>
       </p:transition>
     </mc:Choice>
-    <mc:Fallback xmlns="">
+    <mc:Fallback>
       <p:transition>
         <p:fade/>
       </p:transition>
     </mc:Fallback>
   </mc:AlternateContent>
+  <p:timing>
+    <p:tnLst>
+      <p:par>
+        <p:cTn id="1" dur="indefinite" restart="never" nodeType="tmRoot"/>
+      </p:par>
+    </p:tnLst>
+  </p:timing>
 </p:sld>
 </file>
 
@@ -13812,7 +14307,7 @@
           <a:lstStyle/>
           <a:p>
             <a:r>
-              <a:rPr lang="en-US" sz="6000" dirty="0"/>
+              <a:rPr lang="en-US" sz="6000" dirty="0" smtClean="0"/>
               <a:t>A long section</a:t>
             </a:r>
             <a:endParaRPr lang="en-SG" sz="6000" dirty="0"/>
@@ -13939,13 +14434,18 @@
             <a:lstStyle/>
             <a:p>
               <a:r>
-                <a:rPr lang="en-SG">
+                <a:rPr lang="en-SG" smtClean="0">
                   <a:solidFill>
                     <a:srgbClr val="FFFFFF"/>
                   </a:solidFill>
                 </a:rPr>
                 <a:t>One Slide</a:t>
               </a:r>
+              <a:endParaRPr lang="en-SG">
+                <a:solidFill>
+                  <a:srgbClr val="FFFFFF"/>
+                </a:solidFill>
+              </a:endParaRPr>
             </a:p>
           </p:txBody>
         </p:sp>
@@ -13972,13 +14472,18 @@
             <a:lstStyle/>
             <a:p>
               <a:r>
-                <a:rPr lang="en-SG">
+                <a:rPr lang="en-SG" smtClean="0">
                   <a:solidFill>
                     <a:srgbClr val="FFFFFF"/>
                   </a:solidFill>
                 </a:rPr>
                 <a:t>Two Slides</a:t>
               </a:r>
+              <a:endParaRPr lang="en-SG">
+                <a:solidFill>
+                  <a:srgbClr val="FFFFFF"/>
+                </a:solidFill>
+              </a:endParaRPr>
             </a:p>
           </p:txBody>
         </p:sp>
@@ -14005,13 +14510,18 @@
             <a:lstStyle/>
             <a:p>
               <a:r>
-                <a:rPr lang="en-SG">
+                <a:rPr lang="en-SG" smtClean="0">
                   <a:solidFill>
                     <a:srgbClr val="FFFFFF"/>
                   </a:solidFill>
                 </a:rPr>
                 <a:t>Same Name</a:t>
               </a:r>
+              <a:endParaRPr lang="en-SG">
+                <a:solidFill>
+                  <a:srgbClr val="FFFFFF"/>
+                </a:solidFill>
+              </a:endParaRPr>
             </a:p>
           </p:txBody>
         </p:sp>
@@ -14039,13 +14549,18 @@
             <a:p>
               <a:pPr lvl="0"/>
               <a:r>
-                <a:rPr lang="en-SG">
+                <a:rPr lang="en-SG" smtClean="0">
                   <a:solidFill>
                     <a:srgbClr val="FFFF00"/>
                   </a:solidFill>
                 </a:rPr>
                 <a:t>Same Name</a:t>
               </a:r>
+              <a:endParaRPr lang="en-SG">
+                <a:solidFill>
+                  <a:srgbClr val="FFFF00"/>
+                </a:solidFill>
+              </a:endParaRPr>
             </a:p>
           </p:txBody>
         </p:sp>
@@ -14072,7 +14587,7 @@
             <a:lstStyle/>
             <a:p>
               <a:r>
-                <a:rPr lang="ja-JP" altLang="en-US">
+                <a:rPr lang="ja-JP" altLang="en-US" smtClean="0">
                   <a:solidFill>
                     <a:srgbClr val="FFFFFF"/>
                   </a:solidFill>
@@ -14080,13 +14595,18 @@
                 <a:t>あいうえお</a:t>
               </a:r>
               <a:r>
-                <a:rPr lang="en-SG">
+                <a:rPr lang="en-SG" smtClean="0">
                   <a:solidFill>
                     <a:srgbClr val="FFFFFF"/>
                   </a:solidFill>
                 </a:rPr>
                 <a:t>kl)(*&amp;%$#@85v_+)0_@#%L:CF]1</a:t>
               </a:r>
+              <a:endParaRPr lang="en-SG">
+                <a:solidFill>
+                  <a:srgbClr val="FFFFFF"/>
+                </a:solidFill>
+              </a:endParaRPr>
             </a:p>
           </p:txBody>
         </p:sp>
@@ -14101,6 +14621,13 @@
   <p:clrMapOvr>
     <a:masterClrMapping/>
   </p:clrMapOvr>
+  <p:timing>
+    <p:tnLst>
+      <p:par>
+        <p:cTn id="1" dur="indefinite" restart="never" nodeType="tmRoot"/>
+      </p:par>
+    </p:tnLst>
+  </p:timing>
 </p:sld>
 </file>
 
